--- a/inst/termco_logo/r_termco.pptx
+++ b/inst/termco_logo/r_termco.pptx
@@ -6,6 +6,8 @@
   </p:sldMasterIdLst>
   <p:sldIdLst>
     <p:sldId id="257" r:id="rId2"/>
+    <p:sldId id="258" r:id="rId3"/>
+    <p:sldId id="259" r:id="rId4"/>
   </p:sldIdLst>
   <p:sldSz cx="12192000" cy="6858000"/>
   <p:notesSz cx="6858000" cy="9144000"/>
@@ -112,6 +114,5296 @@
 </p:presentation>
 </file>
 
+<file path=ppt/diagrams/colors1.xml><?xml version="1.0" encoding="utf-8"?>
+<dgm:colorsDef xmlns:dgm="http://schemas.openxmlformats.org/drawingml/2006/diagram" xmlns:a="http://schemas.openxmlformats.org/drawingml/2006/main" uniqueId="urn:microsoft.com/office/officeart/2005/8/colors/accent6_2">
+  <dgm:title val=""/>
+  <dgm:desc val=""/>
+  <dgm:catLst>
+    <dgm:cat type="accent6" pri="11200"/>
+  </dgm:catLst>
+  <dgm:styleLbl name="node0">
+    <dgm:fillClrLst meth="repeat">
+      <a:schemeClr val="accent6"/>
+    </dgm:fillClrLst>
+    <dgm:linClrLst meth="repeat">
+      <a:schemeClr val="lt1"/>
+    </dgm:linClrLst>
+    <dgm:effectClrLst/>
+    <dgm:txLinClrLst/>
+    <dgm:txFillClrLst/>
+    <dgm:txEffectClrLst/>
+  </dgm:styleLbl>
+  <dgm:styleLbl name="node1">
+    <dgm:fillClrLst meth="repeat">
+      <a:schemeClr val="accent6"/>
+    </dgm:fillClrLst>
+    <dgm:linClrLst meth="repeat">
+      <a:schemeClr val="lt1"/>
+    </dgm:linClrLst>
+    <dgm:effectClrLst/>
+    <dgm:txLinClrLst/>
+    <dgm:txFillClrLst/>
+    <dgm:txEffectClrLst/>
+  </dgm:styleLbl>
+  <dgm:styleLbl name="alignNode1">
+    <dgm:fillClrLst meth="repeat">
+      <a:schemeClr val="accent6"/>
+    </dgm:fillClrLst>
+    <dgm:linClrLst meth="repeat">
+      <a:schemeClr val="accent6"/>
+    </dgm:linClrLst>
+    <dgm:effectClrLst/>
+    <dgm:txLinClrLst/>
+    <dgm:txFillClrLst/>
+    <dgm:txEffectClrLst/>
+  </dgm:styleLbl>
+  <dgm:styleLbl name="lnNode1">
+    <dgm:fillClrLst meth="repeat">
+      <a:schemeClr val="accent6"/>
+    </dgm:fillClrLst>
+    <dgm:linClrLst meth="repeat">
+      <a:schemeClr val="lt1"/>
+    </dgm:linClrLst>
+    <dgm:effectClrLst/>
+    <dgm:txLinClrLst/>
+    <dgm:txFillClrLst/>
+    <dgm:txEffectClrLst/>
+  </dgm:styleLbl>
+  <dgm:styleLbl name="vennNode1">
+    <dgm:fillClrLst meth="repeat">
+      <a:schemeClr val="accent6">
+        <a:alpha val="50000"/>
+      </a:schemeClr>
+    </dgm:fillClrLst>
+    <dgm:linClrLst meth="repeat">
+      <a:schemeClr val="lt1"/>
+    </dgm:linClrLst>
+    <dgm:effectClrLst/>
+    <dgm:txLinClrLst/>
+    <dgm:txFillClrLst/>
+    <dgm:txEffectClrLst/>
+  </dgm:styleLbl>
+  <dgm:styleLbl name="node2">
+    <dgm:fillClrLst meth="repeat">
+      <a:schemeClr val="accent6"/>
+    </dgm:fillClrLst>
+    <dgm:linClrLst meth="repeat">
+      <a:schemeClr val="lt1"/>
+    </dgm:linClrLst>
+    <dgm:effectClrLst/>
+    <dgm:txLinClrLst/>
+    <dgm:txFillClrLst/>
+    <dgm:txEffectClrLst/>
+  </dgm:styleLbl>
+  <dgm:styleLbl name="node3">
+    <dgm:fillClrLst meth="repeat">
+      <a:schemeClr val="accent6"/>
+    </dgm:fillClrLst>
+    <dgm:linClrLst meth="repeat">
+      <a:schemeClr val="lt1"/>
+    </dgm:linClrLst>
+    <dgm:effectClrLst/>
+    <dgm:txLinClrLst/>
+    <dgm:txFillClrLst/>
+    <dgm:txEffectClrLst/>
+  </dgm:styleLbl>
+  <dgm:styleLbl name="node4">
+    <dgm:fillClrLst meth="repeat">
+      <a:schemeClr val="accent6"/>
+    </dgm:fillClrLst>
+    <dgm:linClrLst meth="repeat">
+      <a:schemeClr val="lt1"/>
+    </dgm:linClrLst>
+    <dgm:effectClrLst/>
+    <dgm:txLinClrLst/>
+    <dgm:txFillClrLst/>
+    <dgm:txEffectClrLst/>
+  </dgm:styleLbl>
+  <dgm:styleLbl name="fgImgPlace1">
+    <dgm:fillClrLst meth="repeat">
+      <a:schemeClr val="accent6">
+        <a:tint val="50000"/>
+      </a:schemeClr>
+    </dgm:fillClrLst>
+    <dgm:linClrLst meth="repeat">
+      <a:schemeClr val="lt1"/>
+    </dgm:linClrLst>
+    <dgm:effectClrLst/>
+    <dgm:txLinClrLst/>
+    <dgm:txFillClrLst meth="repeat">
+      <a:schemeClr val="lt1"/>
+    </dgm:txFillClrLst>
+    <dgm:txEffectClrLst/>
+  </dgm:styleLbl>
+  <dgm:styleLbl name="alignImgPlace1">
+    <dgm:fillClrLst meth="repeat">
+      <a:schemeClr val="accent6">
+        <a:tint val="50000"/>
+      </a:schemeClr>
+    </dgm:fillClrLst>
+    <dgm:linClrLst meth="repeat">
+      <a:schemeClr val="lt1"/>
+    </dgm:linClrLst>
+    <dgm:effectClrLst/>
+    <dgm:txLinClrLst/>
+    <dgm:txFillClrLst meth="repeat">
+      <a:schemeClr val="lt1"/>
+    </dgm:txFillClrLst>
+    <dgm:txEffectClrLst/>
+  </dgm:styleLbl>
+  <dgm:styleLbl name="bgImgPlace1">
+    <dgm:fillClrLst meth="repeat">
+      <a:schemeClr val="accent6">
+        <a:tint val="50000"/>
+      </a:schemeClr>
+    </dgm:fillClrLst>
+    <dgm:linClrLst meth="repeat">
+      <a:schemeClr val="lt1"/>
+    </dgm:linClrLst>
+    <dgm:effectClrLst/>
+    <dgm:txLinClrLst/>
+    <dgm:txFillClrLst meth="repeat">
+      <a:schemeClr val="lt1"/>
+    </dgm:txFillClrLst>
+    <dgm:txEffectClrLst/>
+  </dgm:styleLbl>
+  <dgm:styleLbl name="sibTrans2D1">
+    <dgm:fillClrLst meth="repeat">
+      <a:schemeClr val="accent6">
+        <a:tint val="60000"/>
+      </a:schemeClr>
+    </dgm:fillClrLst>
+    <dgm:linClrLst meth="repeat">
+      <a:schemeClr val="accent6">
+        <a:tint val="60000"/>
+      </a:schemeClr>
+    </dgm:linClrLst>
+    <dgm:effectClrLst/>
+    <dgm:txLinClrLst/>
+    <dgm:txFillClrLst/>
+    <dgm:txEffectClrLst/>
+  </dgm:styleLbl>
+  <dgm:styleLbl name="fgSibTrans2D1">
+    <dgm:fillClrLst meth="repeat">
+      <a:schemeClr val="accent6">
+        <a:tint val="60000"/>
+      </a:schemeClr>
+    </dgm:fillClrLst>
+    <dgm:linClrLst meth="repeat">
+      <a:schemeClr val="accent6">
+        <a:tint val="60000"/>
+      </a:schemeClr>
+    </dgm:linClrLst>
+    <dgm:effectClrLst/>
+    <dgm:txLinClrLst/>
+    <dgm:txFillClrLst/>
+    <dgm:txEffectClrLst/>
+  </dgm:styleLbl>
+  <dgm:styleLbl name="bgSibTrans2D1">
+    <dgm:fillClrLst meth="repeat">
+      <a:schemeClr val="accent6">
+        <a:tint val="60000"/>
+      </a:schemeClr>
+    </dgm:fillClrLst>
+    <dgm:linClrLst meth="repeat">
+      <a:schemeClr val="accent6">
+        <a:tint val="60000"/>
+      </a:schemeClr>
+    </dgm:linClrLst>
+    <dgm:effectClrLst/>
+    <dgm:txLinClrLst/>
+    <dgm:txFillClrLst/>
+    <dgm:txEffectClrLst/>
+  </dgm:styleLbl>
+  <dgm:styleLbl name="sibTrans1D1">
+    <dgm:fillClrLst meth="repeat">
+      <a:schemeClr val="accent6"/>
+    </dgm:fillClrLst>
+    <dgm:linClrLst meth="repeat">
+      <a:schemeClr val="accent6"/>
+    </dgm:linClrLst>
+    <dgm:effectClrLst/>
+    <dgm:txLinClrLst/>
+    <dgm:txFillClrLst meth="repeat">
+      <a:schemeClr val="tx1"/>
+    </dgm:txFillClrLst>
+    <dgm:txEffectClrLst/>
+  </dgm:styleLbl>
+  <dgm:styleLbl name="callout">
+    <dgm:fillClrLst meth="repeat">
+      <a:schemeClr val="accent6"/>
+    </dgm:fillClrLst>
+    <dgm:linClrLst meth="repeat">
+      <a:schemeClr val="accent6">
+        <a:tint val="50000"/>
+      </a:schemeClr>
+    </dgm:linClrLst>
+    <dgm:effectClrLst/>
+    <dgm:txLinClrLst/>
+    <dgm:txFillClrLst meth="repeat">
+      <a:schemeClr val="tx1"/>
+    </dgm:txFillClrLst>
+    <dgm:txEffectClrLst/>
+  </dgm:styleLbl>
+  <dgm:styleLbl name="asst0">
+    <dgm:fillClrLst meth="repeat">
+      <a:schemeClr val="accent6"/>
+    </dgm:fillClrLst>
+    <dgm:linClrLst meth="repeat">
+      <a:schemeClr val="lt1"/>
+    </dgm:linClrLst>
+    <dgm:effectClrLst/>
+    <dgm:txLinClrLst/>
+    <dgm:txFillClrLst/>
+    <dgm:txEffectClrLst/>
+  </dgm:styleLbl>
+  <dgm:styleLbl name="asst1">
+    <dgm:fillClrLst meth="repeat">
+      <a:schemeClr val="accent6"/>
+    </dgm:fillClrLst>
+    <dgm:linClrLst meth="repeat">
+      <a:schemeClr val="lt1"/>
+    </dgm:linClrLst>
+    <dgm:effectClrLst/>
+    <dgm:txLinClrLst/>
+    <dgm:txFillClrLst/>
+    <dgm:txEffectClrLst/>
+  </dgm:styleLbl>
+  <dgm:styleLbl name="asst2">
+    <dgm:fillClrLst meth="repeat">
+      <a:schemeClr val="accent6"/>
+    </dgm:fillClrLst>
+    <dgm:linClrLst meth="repeat">
+      <a:schemeClr val="lt1"/>
+    </dgm:linClrLst>
+    <dgm:effectClrLst/>
+    <dgm:txLinClrLst/>
+    <dgm:txFillClrLst/>
+    <dgm:txEffectClrLst/>
+  </dgm:styleLbl>
+  <dgm:styleLbl name="asst3">
+    <dgm:fillClrLst meth="repeat">
+      <a:schemeClr val="accent6"/>
+    </dgm:fillClrLst>
+    <dgm:linClrLst meth="repeat">
+      <a:schemeClr val="lt1"/>
+    </dgm:linClrLst>
+    <dgm:effectClrLst/>
+    <dgm:txLinClrLst/>
+    <dgm:txFillClrLst/>
+    <dgm:txEffectClrLst/>
+  </dgm:styleLbl>
+  <dgm:styleLbl name="asst4">
+    <dgm:fillClrLst meth="repeat">
+      <a:schemeClr val="accent6"/>
+    </dgm:fillClrLst>
+    <dgm:linClrLst meth="repeat">
+      <a:schemeClr val="lt1"/>
+    </dgm:linClrLst>
+    <dgm:effectClrLst/>
+    <dgm:txLinClrLst/>
+    <dgm:txFillClrLst/>
+    <dgm:txEffectClrLst/>
+  </dgm:styleLbl>
+  <dgm:styleLbl name="parChTrans2D1">
+    <dgm:fillClrLst meth="repeat">
+      <a:schemeClr val="accent6">
+        <a:tint val="60000"/>
+      </a:schemeClr>
+    </dgm:fillClrLst>
+    <dgm:linClrLst meth="repeat">
+      <a:schemeClr val="accent6">
+        <a:tint val="60000"/>
+      </a:schemeClr>
+    </dgm:linClrLst>
+    <dgm:effectClrLst/>
+    <dgm:txLinClrLst/>
+    <dgm:txFillClrLst meth="repeat">
+      <a:schemeClr val="lt1"/>
+    </dgm:txFillClrLst>
+    <dgm:txEffectClrLst/>
+  </dgm:styleLbl>
+  <dgm:styleLbl name="parChTrans2D2">
+    <dgm:fillClrLst meth="repeat">
+      <a:schemeClr val="accent6"/>
+    </dgm:fillClrLst>
+    <dgm:linClrLst meth="repeat">
+      <a:schemeClr val="accent6"/>
+    </dgm:linClrLst>
+    <dgm:effectClrLst/>
+    <dgm:txLinClrLst/>
+    <dgm:txFillClrLst meth="repeat">
+      <a:schemeClr val="lt1"/>
+    </dgm:txFillClrLst>
+    <dgm:txEffectClrLst/>
+  </dgm:styleLbl>
+  <dgm:styleLbl name="parChTrans2D3">
+    <dgm:fillClrLst meth="repeat">
+      <a:schemeClr val="accent6"/>
+    </dgm:fillClrLst>
+    <dgm:linClrLst meth="repeat">
+      <a:schemeClr val="accent6"/>
+    </dgm:linClrLst>
+    <dgm:effectClrLst/>
+    <dgm:txLinClrLst/>
+    <dgm:txFillClrLst meth="repeat">
+      <a:schemeClr val="lt1"/>
+    </dgm:txFillClrLst>
+    <dgm:txEffectClrLst/>
+  </dgm:styleLbl>
+  <dgm:styleLbl name="parChTrans2D4">
+    <dgm:fillClrLst meth="repeat">
+      <a:schemeClr val="accent6"/>
+    </dgm:fillClrLst>
+    <dgm:linClrLst meth="repeat">
+      <a:schemeClr val="accent6"/>
+    </dgm:linClrLst>
+    <dgm:effectClrLst/>
+    <dgm:txLinClrLst/>
+    <dgm:txFillClrLst meth="repeat">
+      <a:schemeClr val="lt1"/>
+    </dgm:txFillClrLst>
+    <dgm:txEffectClrLst/>
+  </dgm:styleLbl>
+  <dgm:styleLbl name="parChTrans1D1">
+    <dgm:fillClrLst meth="repeat">
+      <a:schemeClr val="accent6"/>
+    </dgm:fillClrLst>
+    <dgm:linClrLst meth="repeat">
+      <a:schemeClr val="accent6">
+        <a:shade val="60000"/>
+      </a:schemeClr>
+    </dgm:linClrLst>
+    <dgm:effectClrLst/>
+    <dgm:txLinClrLst/>
+    <dgm:txFillClrLst meth="repeat">
+      <a:schemeClr val="tx1"/>
+    </dgm:txFillClrLst>
+    <dgm:txEffectClrLst/>
+  </dgm:styleLbl>
+  <dgm:styleLbl name="parChTrans1D2">
+    <dgm:fillClrLst meth="repeat">
+      <a:schemeClr val="accent6"/>
+    </dgm:fillClrLst>
+    <dgm:linClrLst meth="repeat">
+      <a:schemeClr val="accent6">
+        <a:shade val="60000"/>
+      </a:schemeClr>
+    </dgm:linClrLst>
+    <dgm:effectClrLst/>
+    <dgm:txLinClrLst/>
+    <dgm:txFillClrLst meth="repeat">
+      <a:schemeClr val="tx1"/>
+    </dgm:txFillClrLst>
+    <dgm:txEffectClrLst/>
+  </dgm:styleLbl>
+  <dgm:styleLbl name="parChTrans1D3">
+    <dgm:fillClrLst meth="repeat">
+      <a:schemeClr val="accent6"/>
+    </dgm:fillClrLst>
+    <dgm:linClrLst meth="repeat">
+      <a:schemeClr val="accent6">
+        <a:shade val="80000"/>
+      </a:schemeClr>
+    </dgm:linClrLst>
+    <dgm:effectClrLst/>
+    <dgm:txLinClrLst/>
+    <dgm:txFillClrLst meth="repeat">
+      <a:schemeClr val="tx1"/>
+    </dgm:txFillClrLst>
+    <dgm:txEffectClrLst/>
+  </dgm:styleLbl>
+  <dgm:styleLbl name="parChTrans1D4">
+    <dgm:fillClrLst meth="repeat">
+      <a:schemeClr val="accent6"/>
+    </dgm:fillClrLst>
+    <dgm:linClrLst meth="repeat">
+      <a:schemeClr val="accent6">
+        <a:shade val="80000"/>
+      </a:schemeClr>
+    </dgm:linClrLst>
+    <dgm:effectClrLst/>
+    <dgm:txLinClrLst/>
+    <dgm:txFillClrLst meth="repeat">
+      <a:schemeClr val="tx1"/>
+    </dgm:txFillClrLst>
+    <dgm:txEffectClrLst/>
+  </dgm:styleLbl>
+  <dgm:styleLbl name="fgAcc1">
+    <dgm:fillClrLst meth="repeat">
+      <a:schemeClr val="lt1">
+        <a:alpha val="90000"/>
+      </a:schemeClr>
+    </dgm:fillClrLst>
+    <dgm:linClrLst meth="repeat">
+      <a:schemeClr val="accent6"/>
+    </dgm:linClrLst>
+    <dgm:effectClrLst/>
+    <dgm:txLinClrLst/>
+    <dgm:txFillClrLst meth="repeat">
+      <a:schemeClr val="dk1"/>
+    </dgm:txFillClrLst>
+    <dgm:txEffectClrLst/>
+  </dgm:styleLbl>
+  <dgm:styleLbl name="conFgAcc1">
+    <dgm:fillClrLst meth="repeat">
+      <a:schemeClr val="lt1">
+        <a:alpha val="90000"/>
+      </a:schemeClr>
+    </dgm:fillClrLst>
+    <dgm:linClrLst meth="repeat">
+      <a:schemeClr val="accent6"/>
+    </dgm:linClrLst>
+    <dgm:effectClrLst/>
+    <dgm:txLinClrLst/>
+    <dgm:txFillClrLst meth="repeat">
+      <a:schemeClr val="dk1"/>
+    </dgm:txFillClrLst>
+    <dgm:txEffectClrLst/>
+  </dgm:styleLbl>
+  <dgm:styleLbl name="alignAcc1">
+    <dgm:fillClrLst meth="repeat">
+      <a:schemeClr val="lt1">
+        <a:alpha val="90000"/>
+      </a:schemeClr>
+    </dgm:fillClrLst>
+    <dgm:linClrLst meth="repeat">
+      <a:schemeClr val="accent6"/>
+    </dgm:linClrLst>
+    <dgm:effectClrLst/>
+    <dgm:txLinClrLst/>
+    <dgm:txFillClrLst meth="repeat">
+      <a:schemeClr val="dk1"/>
+    </dgm:txFillClrLst>
+    <dgm:txEffectClrLst/>
+  </dgm:styleLbl>
+  <dgm:styleLbl name="trAlignAcc1">
+    <dgm:fillClrLst meth="repeat">
+      <a:schemeClr val="lt1">
+        <a:alpha val="40000"/>
+      </a:schemeClr>
+    </dgm:fillClrLst>
+    <dgm:linClrLst meth="repeat">
+      <a:schemeClr val="accent6"/>
+    </dgm:linClrLst>
+    <dgm:effectClrLst/>
+    <dgm:txLinClrLst/>
+    <dgm:txFillClrLst meth="repeat">
+      <a:schemeClr val="dk1"/>
+    </dgm:txFillClrLst>
+    <dgm:txEffectClrLst/>
+  </dgm:styleLbl>
+  <dgm:styleLbl name="bgAcc1">
+    <dgm:fillClrLst meth="repeat">
+      <a:schemeClr val="lt1">
+        <a:alpha val="90000"/>
+      </a:schemeClr>
+    </dgm:fillClrLst>
+    <dgm:linClrLst meth="repeat">
+      <a:schemeClr val="accent6"/>
+    </dgm:linClrLst>
+    <dgm:effectClrLst/>
+    <dgm:txLinClrLst/>
+    <dgm:txFillClrLst meth="repeat">
+      <a:schemeClr val="dk1"/>
+    </dgm:txFillClrLst>
+    <dgm:txEffectClrLst/>
+  </dgm:styleLbl>
+  <dgm:styleLbl name="solidFgAcc1">
+    <dgm:fillClrLst meth="repeat">
+      <a:schemeClr val="lt1"/>
+    </dgm:fillClrLst>
+    <dgm:linClrLst meth="repeat">
+      <a:schemeClr val="accent6"/>
+    </dgm:linClrLst>
+    <dgm:effectClrLst/>
+    <dgm:txLinClrLst/>
+    <dgm:txFillClrLst meth="repeat">
+      <a:schemeClr val="dk1"/>
+    </dgm:txFillClrLst>
+    <dgm:txEffectClrLst/>
+  </dgm:styleLbl>
+  <dgm:styleLbl name="solidAlignAcc1">
+    <dgm:fillClrLst meth="repeat">
+      <a:schemeClr val="lt1"/>
+    </dgm:fillClrLst>
+    <dgm:linClrLst meth="repeat">
+      <a:schemeClr val="accent6"/>
+    </dgm:linClrLst>
+    <dgm:effectClrLst/>
+    <dgm:txLinClrLst/>
+    <dgm:txFillClrLst meth="repeat">
+      <a:schemeClr val="dk1"/>
+    </dgm:txFillClrLst>
+    <dgm:txEffectClrLst/>
+  </dgm:styleLbl>
+  <dgm:styleLbl name="solidBgAcc1">
+    <dgm:fillClrLst meth="repeat">
+      <a:schemeClr val="lt1"/>
+    </dgm:fillClrLst>
+    <dgm:linClrLst meth="repeat">
+      <a:schemeClr val="accent6"/>
+    </dgm:linClrLst>
+    <dgm:effectClrLst/>
+    <dgm:txLinClrLst/>
+    <dgm:txFillClrLst meth="repeat">
+      <a:schemeClr val="dk1"/>
+    </dgm:txFillClrLst>
+    <dgm:txEffectClrLst/>
+  </dgm:styleLbl>
+  <dgm:styleLbl name="fgAccFollowNode1">
+    <dgm:fillClrLst meth="repeat">
+      <a:schemeClr val="accent6">
+        <a:alpha val="90000"/>
+        <a:tint val="40000"/>
+      </a:schemeClr>
+    </dgm:fillClrLst>
+    <dgm:linClrLst meth="repeat">
+      <a:schemeClr val="accent6">
+        <a:alpha val="90000"/>
+        <a:tint val="40000"/>
+      </a:schemeClr>
+    </dgm:linClrLst>
+    <dgm:effectClrLst/>
+    <dgm:txLinClrLst/>
+    <dgm:txFillClrLst meth="repeat">
+      <a:schemeClr val="dk1"/>
+    </dgm:txFillClrLst>
+    <dgm:txEffectClrLst/>
+  </dgm:styleLbl>
+  <dgm:styleLbl name="alignAccFollowNode1">
+    <dgm:fillClrLst meth="repeat">
+      <a:schemeClr val="accent6">
+        <a:alpha val="90000"/>
+        <a:tint val="40000"/>
+      </a:schemeClr>
+    </dgm:fillClrLst>
+    <dgm:linClrLst meth="repeat">
+      <a:schemeClr val="accent6">
+        <a:alpha val="90000"/>
+        <a:tint val="40000"/>
+      </a:schemeClr>
+    </dgm:linClrLst>
+    <dgm:effectClrLst/>
+    <dgm:txLinClrLst/>
+    <dgm:txFillClrLst meth="repeat">
+      <a:schemeClr val="dk1"/>
+    </dgm:txFillClrLst>
+    <dgm:txEffectClrLst/>
+  </dgm:styleLbl>
+  <dgm:styleLbl name="bgAccFollowNode1">
+    <dgm:fillClrLst meth="repeat">
+      <a:schemeClr val="accent6">
+        <a:alpha val="90000"/>
+        <a:tint val="40000"/>
+      </a:schemeClr>
+    </dgm:fillClrLst>
+    <dgm:linClrLst meth="repeat">
+      <a:schemeClr val="accent6">
+        <a:alpha val="90000"/>
+        <a:tint val="40000"/>
+      </a:schemeClr>
+    </dgm:linClrLst>
+    <dgm:effectClrLst/>
+    <dgm:txLinClrLst/>
+    <dgm:txFillClrLst meth="repeat">
+      <a:schemeClr val="dk1"/>
+    </dgm:txFillClrLst>
+    <dgm:txEffectClrLst/>
+  </dgm:styleLbl>
+  <dgm:styleLbl name="fgAcc0">
+    <dgm:fillClrLst meth="repeat">
+      <a:schemeClr val="lt1">
+        <a:alpha val="90000"/>
+      </a:schemeClr>
+    </dgm:fillClrLst>
+    <dgm:linClrLst meth="repeat">
+      <a:schemeClr val="accent6"/>
+    </dgm:linClrLst>
+    <dgm:effectClrLst/>
+    <dgm:txLinClrLst/>
+    <dgm:txFillClrLst meth="repeat">
+      <a:schemeClr val="dk1"/>
+    </dgm:txFillClrLst>
+    <dgm:txEffectClrLst/>
+  </dgm:styleLbl>
+  <dgm:styleLbl name="fgAcc2">
+    <dgm:fillClrLst meth="repeat">
+      <a:schemeClr val="lt1">
+        <a:alpha val="90000"/>
+      </a:schemeClr>
+    </dgm:fillClrLst>
+    <dgm:linClrLst meth="repeat">
+      <a:schemeClr val="accent6"/>
+    </dgm:linClrLst>
+    <dgm:effectClrLst/>
+    <dgm:txLinClrLst/>
+    <dgm:txFillClrLst meth="repeat">
+      <a:schemeClr val="dk1"/>
+    </dgm:txFillClrLst>
+    <dgm:txEffectClrLst/>
+  </dgm:styleLbl>
+  <dgm:styleLbl name="fgAcc3">
+    <dgm:fillClrLst meth="repeat">
+      <a:schemeClr val="lt1">
+        <a:alpha val="90000"/>
+      </a:schemeClr>
+    </dgm:fillClrLst>
+    <dgm:linClrLst meth="repeat">
+      <a:schemeClr val="accent6"/>
+    </dgm:linClrLst>
+    <dgm:effectClrLst/>
+    <dgm:txLinClrLst/>
+    <dgm:txFillClrLst meth="repeat">
+      <a:schemeClr val="dk1"/>
+    </dgm:txFillClrLst>
+    <dgm:txEffectClrLst/>
+  </dgm:styleLbl>
+  <dgm:styleLbl name="fgAcc4">
+    <dgm:fillClrLst meth="repeat">
+      <a:schemeClr val="lt1">
+        <a:alpha val="90000"/>
+      </a:schemeClr>
+    </dgm:fillClrLst>
+    <dgm:linClrLst meth="repeat">
+      <a:schemeClr val="accent6"/>
+    </dgm:linClrLst>
+    <dgm:effectClrLst/>
+    <dgm:txLinClrLst/>
+    <dgm:txFillClrLst meth="repeat">
+      <a:schemeClr val="dk1"/>
+    </dgm:txFillClrLst>
+    <dgm:txEffectClrLst/>
+  </dgm:styleLbl>
+  <dgm:styleLbl name="bgShp">
+    <dgm:fillClrLst meth="repeat">
+      <a:schemeClr val="accent6">
+        <a:tint val="40000"/>
+      </a:schemeClr>
+    </dgm:fillClrLst>
+    <dgm:linClrLst meth="repeat">
+      <a:schemeClr val="accent6"/>
+    </dgm:linClrLst>
+    <dgm:effectClrLst/>
+    <dgm:txLinClrLst/>
+    <dgm:txFillClrLst meth="repeat">
+      <a:schemeClr val="dk1"/>
+    </dgm:txFillClrLst>
+    <dgm:txEffectClrLst/>
+  </dgm:styleLbl>
+  <dgm:styleLbl name="dkBgShp">
+    <dgm:fillClrLst meth="repeat">
+      <a:schemeClr val="accent6">
+        <a:shade val="80000"/>
+      </a:schemeClr>
+    </dgm:fillClrLst>
+    <dgm:linClrLst meth="repeat">
+      <a:schemeClr val="accent6"/>
+    </dgm:linClrLst>
+    <dgm:effectClrLst/>
+    <dgm:txLinClrLst/>
+    <dgm:txFillClrLst meth="repeat">
+      <a:schemeClr val="lt1"/>
+    </dgm:txFillClrLst>
+    <dgm:txEffectClrLst/>
+  </dgm:styleLbl>
+  <dgm:styleLbl name="trBgShp">
+    <dgm:fillClrLst meth="repeat">
+      <a:schemeClr val="accent6">
+        <a:tint val="50000"/>
+        <a:alpha val="40000"/>
+      </a:schemeClr>
+    </dgm:fillClrLst>
+    <dgm:linClrLst meth="repeat">
+      <a:schemeClr val="accent6"/>
+    </dgm:linClrLst>
+    <dgm:effectClrLst/>
+    <dgm:txLinClrLst/>
+    <dgm:txFillClrLst meth="repeat">
+      <a:schemeClr val="lt1"/>
+    </dgm:txFillClrLst>
+    <dgm:txEffectClrLst/>
+  </dgm:styleLbl>
+  <dgm:styleLbl name="fgShp">
+    <dgm:fillClrLst meth="repeat">
+      <a:schemeClr val="accent6">
+        <a:tint val="60000"/>
+      </a:schemeClr>
+    </dgm:fillClrLst>
+    <dgm:linClrLst meth="repeat">
+      <a:schemeClr val="lt1"/>
+    </dgm:linClrLst>
+    <dgm:effectClrLst/>
+    <dgm:txLinClrLst/>
+    <dgm:txFillClrLst meth="repeat">
+      <a:schemeClr val="dk1"/>
+    </dgm:txFillClrLst>
+    <dgm:txEffectClrLst/>
+  </dgm:styleLbl>
+  <dgm:styleLbl name="revTx">
+    <dgm:fillClrLst meth="repeat">
+      <a:schemeClr val="lt1">
+        <a:alpha val="0"/>
+      </a:schemeClr>
+    </dgm:fillClrLst>
+    <dgm:linClrLst meth="repeat">
+      <a:schemeClr val="dk1">
+        <a:alpha val="0"/>
+      </a:schemeClr>
+    </dgm:linClrLst>
+    <dgm:effectClrLst/>
+    <dgm:txLinClrLst/>
+    <dgm:txFillClrLst meth="repeat">
+      <a:schemeClr val="tx1"/>
+    </dgm:txFillClrLst>
+    <dgm:txEffectClrLst/>
+  </dgm:styleLbl>
+</dgm:colorsDef>
+</file>
+
+<file path=ppt/diagrams/colors2.xml><?xml version="1.0" encoding="utf-8"?>
+<dgm:colorsDef xmlns:dgm="http://schemas.openxmlformats.org/drawingml/2006/diagram" xmlns:a="http://schemas.openxmlformats.org/drawingml/2006/main" uniqueId="urn:microsoft.com/office/officeart/2005/8/colors/accent6_2">
+  <dgm:title val=""/>
+  <dgm:desc val=""/>
+  <dgm:catLst>
+    <dgm:cat type="accent6" pri="11200"/>
+  </dgm:catLst>
+  <dgm:styleLbl name="node0">
+    <dgm:fillClrLst meth="repeat">
+      <a:schemeClr val="accent6"/>
+    </dgm:fillClrLst>
+    <dgm:linClrLst meth="repeat">
+      <a:schemeClr val="lt1"/>
+    </dgm:linClrLst>
+    <dgm:effectClrLst/>
+    <dgm:txLinClrLst/>
+    <dgm:txFillClrLst/>
+    <dgm:txEffectClrLst/>
+  </dgm:styleLbl>
+  <dgm:styleLbl name="node1">
+    <dgm:fillClrLst meth="repeat">
+      <a:schemeClr val="accent6"/>
+    </dgm:fillClrLst>
+    <dgm:linClrLst meth="repeat">
+      <a:schemeClr val="lt1"/>
+    </dgm:linClrLst>
+    <dgm:effectClrLst/>
+    <dgm:txLinClrLst/>
+    <dgm:txFillClrLst/>
+    <dgm:txEffectClrLst/>
+  </dgm:styleLbl>
+  <dgm:styleLbl name="alignNode1">
+    <dgm:fillClrLst meth="repeat">
+      <a:schemeClr val="accent6"/>
+    </dgm:fillClrLst>
+    <dgm:linClrLst meth="repeat">
+      <a:schemeClr val="accent6"/>
+    </dgm:linClrLst>
+    <dgm:effectClrLst/>
+    <dgm:txLinClrLst/>
+    <dgm:txFillClrLst/>
+    <dgm:txEffectClrLst/>
+  </dgm:styleLbl>
+  <dgm:styleLbl name="lnNode1">
+    <dgm:fillClrLst meth="repeat">
+      <a:schemeClr val="accent6"/>
+    </dgm:fillClrLst>
+    <dgm:linClrLst meth="repeat">
+      <a:schemeClr val="lt1"/>
+    </dgm:linClrLst>
+    <dgm:effectClrLst/>
+    <dgm:txLinClrLst/>
+    <dgm:txFillClrLst/>
+    <dgm:txEffectClrLst/>
+  </dgm:styleLbl>
+  <dgm:styleLbl name="vennNode1">
+    <dgm:fillClrLst meth="repeat">
+      <a:schemeClr val="accent6">
+        <a:alpha val="50000"/>
+      </a:schemeClr>
+    </dgm:fillClrLst>
+    <dgm:linClrLst meth="repeat">
+      <a:schemeClr val="lt1"/>
+    </dgm:linClrLst>
+    <dgm:effectClrLst/>
+    <dgm:txLinClrLst/>
+    <dgm:txFillClrLst/>
+    <dgm:txEffectClrLst/>
+  </dgm:styleLbl>
+  <dgm:styleLbl name="node2">
+    <dgm:fillClrLst meth="repeat">
+      <a:schemeClr val="accent6"/>
+    </dgm:fillClrLst>
+    <dgm:linClrLst meth="repeat">
+      <a:schemeClr val="lt1"/>
+    </dgm:linClrLst>
+    <dgm:effectClrLst/>
+    <dgm:txLinClrLst/>
+    <dgm:txFillClrLst/>
+    <dgm:txEffectClrLst/>
+  </dgm:styleLbl>
+  <dgm:styleLbl name="node3">
+    <dgm:fillClrLst meth="repeat">
+      <a:schemeClr val="accent6"/>
+    </dgm:fillClrLst>
+    <dgm:linClrLst meth="repeat">
+      <a:schemeClr val="lt1"/>
+    </dgm:linClrLst>
+    <dgm:effectClrLst/>
+    <dgm:txLinClrLst/>
+    <dgm:txFillClrLst/>
+    <dgm:txEffectClrLst/>
+  </dgm:styleLbl>
+  <dgm:styleLbl name="node4">
+    <dgm:fillClrLst meth="repeat">
+      <a:schemeClr val="accent6"/>
+    </dgm:fillClrLst>
+    <dgm:linClrLst meth="repeat">
+      <a:schemeClr val="lt1"/>
+    </dgm:linClrLst>
+    <dgm:effectClrLst/>
+    <dgm:txLinClrLst/>
+    <dgm:txFillClrLst/>
+    <dgm:txEffectClrLst/>
+  </dgm:styleLbl>
+  <dgm:styleLbl name="fgImgPlace1">
+    <dgm:fillClrLst meth="repeat">
+      <a:schemeClr val="accent6">
+        <a:tint val="50000"/>
+      </a:schemeClr>
+    </dgm:fillClrLst>
+    <dgm:linClrLst meth="repeat">
+      <a:schemeClr val="lt1"/>
+    </dgm:linClrLst>
+    <dgm:effectClrLst/>
+    <dgm:txLinClrLst/>
+    <dgm:txFillClrLst meth="repeat">
+      <a:schemeClr val="lt1"/>
+    </dgm:txFillClrLst>
+    <dgm:txEffectClrLst/>
+  </dgm:styleLbl>
+  <dgm:styleLbl name="alignImgPlace1">
+    <dgm:fillClrLst meth="repeat">
+      <a:schemeClr val="accent6">
+        <a:tint val="50000"/>
+      </a:schemeClr>
+    </dgm:fillClrLst>
+    <dgm:linClrLst meth="repeat">
+      <a:schemeClr val="lt1"/>
+    </dgm:linClrLst>
+    <dgm:effectClrLst/>
+    <dgm:txLinClrLst/>
+    <dgm:txFillClrLst meth="repeat">
+      <a:schemeClr val="lt1"/>
+    </dgm:txFillClrLst>
+    <dgm:txEffectClrLst/>
+  </dgm:styleLbl>
+  <dgm:styleLbl name="bgImgPlace1">
+    <dgm:fillClrLst meth="repeat">
+      <a:schemeClr val="accent6">
+        <a:tint val="50000"/>
+      </a:schemeClr>
+    </dgm:fillClrLst>
+    <dgm:linClrLst meth="repeat">
+      <a:schemeClr val="lt1"/>
+    </dgm:linClrLst>
+    <dgm:effectClrLst/>
+    <dgm:txLinClrLst/>
+    <dgm:txFillClrLst meth="repeat">
+      <a:schemeClr val="lt1"/>
+    </dgm:txFillClrLst>
+    <dgm:txEffectClrLst/>
+  </dgm:styleLbl>
+  <dgm:styleLbl name="sibTrans2D1">
+    <dgm:fillClrLst meth="repeat">
+      <a:schemeClr val="accent6">
+        <a:tint val="60000"/>
+      </a:schemeClr>
+    </dgm:fillClrLst>
+    <dgm:linClrLst meth="repeat">
+      <a:schemeClr val="accent6">
+        <a:tint val="60000"/>
+      </a:schemeClr>
+    </dgm:linClrLst>
+    <dgm:effectClrLst/>
+    <dgm:txLinClrLst/>
+    <dgm:txFillClrLst/>
+    <dgm:txEffectClrLst/>
+  </dgm:styleLbl>
+  <dgm:styleLbl name="fgSibTrans2D1">
+    <dgm:fillClrLst meth="repeat">
+      <a:schemeClr val="accent6">
+        <a:tint val="60000"/>
+      </a:schemeClr>
+    </dgm:fillClrLst>
+    <dgm:linClrLst meth="repeat">
+      <a:schemeClr val="accent6">
+        <a:tint val="60000"/>
+      </a:schemeClr>
+    </dgm:linClrLst>
+    <dgm:effectClrLst/>
+    <dgm:txLinClrLst/>
+    <dgm:txFillClrLst/>
+    <dgm:txEffectClrLst/>
+  </dgm:styleLbl>
+  <dgm:styleLbl name="bgSibTrans2D1">
+    <dgm:fillClrLst meth="repeat">
+      <a:schemeClr val="accent6">
+        <a:tint val="60000"/>
+      </a:schemeClr>
+    </dgm:fillClrLst>
+    <dgm:linClrLst meth="repeat">
+      <a:schemeClr val="accent6">
+        <a:tint val="60000"/>
+      </a:schemeClr>
+    </dgm:linClrLst>
+    <dgm:effectClrLst/>
+    <dgm:txLinClrLst/>
+    <dgm:txFillClrLst/>
+    <dgm:txEffectClrLst/>
+  </dgm:styleLbl>
+  <dgm:styleLbl name="sibTrans1D1">
+    <dgm:fillClrLst meth="repeat">
+      <a:schemeClr val="accent6"/>
+    </dgm:fillClrLst>
+    <dgm:linClrLst meth="repeat">
+      <a:schemeClr val="accent6"/>
+    </dgm:linClrLst>
+    <dgm:effectClrLst/>
+    <dgm:txLinClrLst/>
+    <dgm:txFillClrLst meth="repeat">
+      <a:schemeClr val="tx1"/>
+    </dgm:txFillClrLst>
+    <dgm:txEffectClrLst/>
+  </dgm:styleLbl>
+  <dgm:styleLbl name="callout">
+    <dgm:fillClrLst meth="repeat">
+      <a:schemeClr val="accent6"/>
+    </dgm:fillClrLst>
+    <dgm:linClrLst meth="repeat">
+      <a:schemeClr val="accent6">
+        <a:tint val="50000"/>
+      </a:schemeClr>
+    </dgm:linClrLst>
+    <dgm:effectClrLst/>
+    <dgm:txLinClrLst/>
+    <dgm:txFillClrLst meth="repeat">
+      <a:schemeClr val="tx1"/>
+    </dgm:txFillClrLst>
+    <dgm:txEffectClrLst/>
+  </dgm:styleLbl>
+  <dgm:styleLbl name="asst0">
+    <dgm:fillClrLst meth="repeat">
+      <a:schemeClr val="accent6"/>
+    </dgm:fillClrLst>
+    <dgm:linClrLst meth="repeat">
+      <a:schemeClr val="lt1"/>
+    </dgm:linClrLst>
+    <dgm:effectClrLst/>
+    <dgm:txLinClrLst/>
+    <dgm:txFillClrLst/>
+    <dgm:txEffectClrLst/>
+  </dgm:styleLbl>
+  <dgm:styleLbl name="asst1">
+    <dgm:fillClrLst meth="repeat">
+      <a:schemeClr val="accent6"/>
+    </dgm:fillClrLst>
+    <dgm:linClrLst meth="repeat">
+      <a:schemeClr val="lt1"/>
+    </dgm:linClrLst>
+    <dgm:effectClrLst/>
+    <dgm:txLinClrLst/>
+    <dgm:txFillClrLst/>
+    <dgm:txEffectClrLst/>
+  </dgm:styleLbl>
+  <dgm:styleLbl name="asst2">
+    <dgm:fillClrLst meth="repeat">
+      <a:schemeClr val="accent6"/>
+    </dgm:fillClrLst>
+    <dgm:linClrLst meth="repeat">
+      <a:schemeClr val="lt1"/>
+    </dgm:linClrLst>
+    <dgm:effectClrLst/>
+    <dgm:txLinClrLst/>
+    <dgm:txFillClrLst/>
+    <dgm:txEffectClrLst/>
+  </dgm:styleLbl>
+  <dgm:styleLbl name="asst3">
+    <dgm:fillClrLst meth="repeat">
+      <a:schemeClr val="accent6"/>
+    </dgm:fillClrLst>
+    <dgm:linClrLst meth="repeat">
+      <a:schemeClr val="lt1"/>
+    </dgm:linClrLst>
+    <dgm:effectClrLst/>
+    <dgm:txLinClrLst/>
+    <dgm:txFillClrLst/>
+    <dgm:txEffectClrLst/>
+  </dgm:styleLbl>
+  <dgm:styleLbl name="asst4">
+    <dgm:fillClrLst meth="repeat">
+      <a:schemeClr val="accent6"/>
+    </dgm:fillClrLst>
+    <dgm:linClrLst meth="repeat">
+      <a:schemeClr val="lt1"/>
+    </dgm:linClrLst>
+    <dgm:effectClrLst/>
+    <dgm:txLinClrLst/>
+    <dgm:txFillClrLst/>
+    <dgm:txEffectClrLst/>
+  </dgm:styleLbl>
+  <dgm:styleLbl name="parChTrans2D1">
+    <dgm:fillClrLst meth="repeat">
+      <a:schemeClr val="accent6">
+        <a:tint val="60000"/>
+      </a:schemeClr>
+    </dgm:fillClrLst>
+    <dgm:linClrLst meth="repeat">
+      <a:schemeClr val="accent6">
+        <a:tint val="60000"/>
+      </a:schemeClr>
+    </dgm:linClrLst>
+    <dgm:effectClrLst/>
+    <dgm:txLinClrLst/>
+    <dgm:txFillClrLst meth="repeat">
+      <a:schemeClr val="lt1"/>
+    </dgm:txFillClrLst>
+    <dgm:txEffectClrLst/>
+  </dgm:styleLbl>
+  <dgm:styleLbl name="parChTrans2D2">
+    <dgm:fillClrLst meth="repeat">
+      <a:schemeClr val="accent6"/>
+    </dgm:fillClrLst>
+    <dgm:linClrLst meth="repeat">
+      <a:schemeClr val="accent6"/>
+    </dgm:linClrLst>
+    <dgm:effectClrLst/>
+    <dgm:txLinClrLst/>
+    <dgm:txFillClrLst meth="repeat">
+      <a:schemeClr val="lt1"/>
+    </dgm:txFillClrLst>
+    <dgm:txEffectClrLst/>
+  </dgm:styleLbl>
+  <dgm:styleLbl name="parChTrans2D3">
+    <dgm:fillClrLst meth="repeat">
+      <a:schemeClr val="accent6"/>
+    </dgm:fillClrLst>
+    <dgm:linClrLst meth="repeat">
+      <a:schemeClr val="accent6"/>
+    </dgm:linClrLst>
+    <dgm:effectClrLst/>
+    <dgm:txLinClrLst/>
+    <dgm:txFillClrLst meth="repeat">
+      <a:schemeClr val="lt1"/>
+    </dgm:txFillClrLst>
+    <dgm:txEffectClrLst/>
+  </dgm:styleLbl>
+  <dgm:styleLbl name="parChTrans2D4">
+    <dgm:fillClrLst meth="repeat">
+      <a:schemeClr val="accent6"/>
+    </dgm:fillClrLst>
+    <dgm:linClrLst meth="repeat">
+      <a:schemeClr val="accent6"/>
+    </dgm:linClrLst>
+    <dgm:effectClrLst/>
+    <dgm:txLinClrLst/>
+    <dgm:txFillClrLst meth="repeat">
+      <a:schemeClr val="lt1"/>
+    </dgm:txFillClrLst>
+    <dgm:txEffectClrLst/>
+  </dgm:styleLbl>
+  <dgm:styleLbl name="parChTrans1D1">
+    <dgm:fillClrLst meth="repeat">
+      <a:schemeClr val="accent6"/>
+    </dgm:fillClrLst>
+    <dgm:linClrLst meth="repeat">
+      <a:schemeClr val="accent6">
+        <a:shade val="60000"/>
+      </a:schemeClr>
+    </dgm:linClrLst>
+    <dgm:effectClrLst/>
+    <dgm:txLinClrLst/>
+    <dgm:txFillClrLst meth="repeat">
+      <a:schemeClr val="tx1"/>
+    </dgm:txFillClrLst>
+    <dgm:txEffectClrLst/>
+  </dgm:styleLbl>
+  <dgm:styleLbl name="parChTrans1D2">
+    <dgm:fillClrLst meth="repeat">
+      <a:schemeClr val="accent6"/>
+    </dgm:fillClrLst>
+    <dgm:linClrLst meth="repeat">
+      <a:schemeClr val="accent6">
+        <a:shade val="60000"/>
+      </a:schemeClr>
+    </dgm:linClrLst>
+    <dgm:effectClrLst/>
+    <dgm:txLinClrLst/>
+    <dgm:txFillClrLst meth="repeat">
+      <a:schemeClr val="tx1"/>
+    </dgm:txFillClrLst>
+    <dgm:txEffectClrLst/>
+  </dgm:styleLbl>
+  <dgm:styleLbl name="parChTrans1D3">
+    <dgm:fillClrLst meth="repeat">
+      <a:schemeClr val="accent6"/>
+    </dgm:fillClrLst>
+    <dgm:linClrLst meth="repeat">
+      <a:schemeClr val="accent6">
+        <a:shade val="80000"/>
+      </a:schemeClr>
+    </dgm:linClrLst>
+    <dgm:effectClrLst/>
+    <dgm:txLinClrLst/>
+    <dgm:txFillClrLst meth="repeat">
+      <a:schemeClr val="tx1"/>
+    </dgm:txFillClrLst>
+    <dgm:txEffectClrLst/>
+  </dgm:styleLbl>
+  <dgm:styleLbl name="parChTrans1D4">
+    <dgm:fillClrLst meth="repeat">
+      <a:schemeClr val="accent6"/>
+    </dgm:fillClrLst>
+    <dgm:linClrLst meth="repeat">
+      <a:schemeClr val="accent6">
+        <a:shade val="80000"/>
+      </a:schemeClr>
+    </dgm:linClrLst>
+    <dgm:effectClrLst/>
+    <dgm:txLinClrLst/>
+    <dgm:txFillClrLst meth="repeat">
+      <a:schemeClr val="tx1"/>
+    </dgm:txFillClrLst>
+    <dgm:txEffectClrLst/>
+  </dgm:styleLbl>
+  <dgm:styleLbl name="fgAcc1">
+    <dgm:fillClrLst meth="repeat">
+      <a:schemeClr val="lt1">
+        <a:alpha val="90000"/>
+      </a:schemeClr>
+    </dgm:fillClrLst>
+    <dgm:linClrLst meth="repeat">
+      <a:schemeClr val="accent6"/>
+    </dgm:linClrLst>
+    <dgm:effectClrLst/>
+    <dgm:txLinClrLst/>
+    <dgm:txFillClrLst meth="repeat">
+      <a:schemeClr val="dk1"/>
+    </dgm:txFillClrLst>
+    <dgm:txEffectClrLst/>
+  </dgm:styleLbl>
+  <dgm:styleLbl name="conFgAcc1">
+    <dgm:fillClrLst meth="repeat">
+      <a:schemeClr val="lt1">
+        <a:alpha val="90000"/>
+      </a:schemeClr>
+    </dgm:fillClrLst>
+    <dgm:linClrLst meth="repeat">
+      <a:schemeClr val="accent6"/>
+    </dgm:linClrLst>
+    <dgm:effectClrLst/>
+    <dgm:txLinClrLst/>
+    <dgm:txFillClrLst meth="repeat">
+      <a:schemeClr val="dk1"/>
+    </dgm:txFillClrLst>
+    <dgm:txEffectClrLst/>
+  </dgm:styleLbl>
+  <dgm:styleLbl name="alignAcc1">
+    <dgm:fillClrLst meth="repeat">
+      <a:schemeClr val="lt1">
+        <a:alpha val="90000"/>
+      </a:schemeClr>
+    </dgm:fillClrLst>
+    <dgm:linClrLst meth="repeat">
+      <a:schemeClr val="accent6"/>
+    </dgm:linClrLst>
+    <dgm:effectClrLst/>
+    <dgm:txLinClrLst/>
+    <dgm:txFillClrLst meth="repeat">
+      <a:schemeClr val="dk1"/>
+    </dgm:txFillClrLst>
+    <dgm:txEffectClrLst/>
+  </dgm:styleLbl>
+  <dgm:styleLbl name="trAlignAcc1">
+    <dgm:fillClrLst meth="repeat">
+      <a:schemeClr val="lt1">
+        <a:alpha val="40000"/>
+      </a:schemeClr>
+    </dgm:fillClrLst>
+    <dgm:linClrLst meth="repeat">
+      <a:schemeClr val="accent6"/>
+    </dgm:linClrLst>
+    <dgm:effectClrLst/>
+    <dgm:txLinClrLst/>
+    <dgm:txFillClrLst meth="repeat">
+      <a:schemeClr val="dk1"/>
+    </dgm:txFillClrLst>
+    <dgm:txEffectClrLst/>
+  </dgm:styleLbl>
+  <dgm:styleLbl name="bgAcc1">
+    <dgm:fillClrLst meth="repeat">
+      <a:schemeClr val="lt1">
+        <a:alpha val="90000"/>
+      </a:schemeClr>
+    </dgm:fillClrLst>
+    <dgm:linClrLst meth="repeat">
+      <a:schemeClr val="accent6"/>
+    </dgm:linClrLst>
+    <dgm:effectClrLst/>
+    <dgm:txLinClrLst/>
+    <dgm:txFillClrLst meth="repeat">
+      <a:schemeClr val="dk1"/>
+    </dgm:txFillClrLst>
+    <dgm:txEffectClrLst/>
+  </dgm:styleLbl>
+  <dgm:styleLbl name="solidFgAcc1">
+    <dgm:fillClrLst meth="repeat">
+      <a:schemeClr val="lt1"/>
+    </dgm:fillClrLst>
+    <dgm:linClrLst meth="repeat">
+      <a:schemeClr val="accent6"/>
+    </dgm:linClrLst>
+    <dgm:effectClrLst/>
+    <dgm:txLinClrLst/>
+    <dgm:txFillClrLst meth="repeat">
+      <a:schemeClr val="dk1"/>
+    </dgm:txFillClrLst>
+    <dgm:txEffectClrLst/>
+  </dgm:styleLbl>
+  <dgm:styleLbl name="solidAlignAcc1">
+    <dgm:fillClrLst meth="repeat">
+      <a:schemeClr val="lt1"/>
+    </dgm:fillClrLst>
+    <dgm:linClrLst meth="repeat">
+      <a:schemeClr val="accent6"/>
+    </dgm:linClrLst>
+    <dgm:effectClrLst/>
+    <dgm:txLinClrLst/>
+    <dgm:txFillClrLst meth="repeat">
+      <a:schemeClr val="dk1"/>
+    </dgm:txFillClrLst>
+    <dgm:txEffectClrLst/>
+  </dgm:styleLbl>
+  <dgm:styleLbl name="solidBgAcc1">
+    <dgm:fillClrLst meth="repeat">
+      <a:schemeClr val="lt1"/>
+    </dgm:fillClrLst>
+    <dgm:linClrLst meth="repeat">
+      <a:schemeClr val="accent6"/>
+    </dgm:linClrLst>
+    <dgm:effectClrLst/>
+    <dgm:txLinClrLst/>
+    <dgm:txFillClrLst meth="repeat">
+      <a:schemeClr val="dk1"/>
+    </dgm:txFillClrLst>
+    <dgm:txEffectClrLst/>
+  </dgm:styleLbl>
+  <dgm:styleLbl name="fgAccFollowNode1">
+    <dgm:fillClrLst meth="repeat">
+      <a:schemeClr val="accent6">
+        <a:alpha val="90000"/>
+        <a:tint val="40000"/>
+      </a:schemeClr>
+    </dgm:fillClrLst>
+    <dgm:linClrLst meth="repeat">
+      <a:schemeClr val="accent6">
+        <a:alpha val="90000"/>
+        <a:tint val="40000"/>
+      </a:schemeClr>
+    </dgm:linClrLst>
+    <dgm:effectClrLst/>
+    <dgm:txLinClrLst/>
+    <dgm:txFillClrLst meth="repeat">
+      <a:schemeClr val="dk1"/>
+    </dgm:txFillClrLst>
+    <dgm:txEffectClrLst/>
+  </dgm:styleLbl>
+  <dgm:styleLbl name="alignAccFollowNode1">
+    <dgm:fillClrLst meth="repeat">
+      <a:schemeClr val="accent6">
+        <a:alpha val="90000"/>
+        <a:tint val="40000"/>
+      </a:schemeClr>
+    </dgm:fillClrLst>
+    <dgm:linClrLst meth="repeat">
+      <a:schemeClr val="accent6">
+        <a:alpha val="90000"/>
+        <a:tint val="40000"/>
+      </a:schemeClr>
+    </dgm:linClrLst>
+    <dgm:effectClrLst/>
+    <dgm:txLinClrLst/>
+    <dgm:txFillClrLst meth="repeat">
+      <a:schemeClr val="dk1"/>
+    </dgm:txFillClrLst>
+    <dgm:txEffectClrLst/>
+  </dgm:styleLbl>
+  <dgm:styleLbl name="bgAccFollowNode1">
+    <dgm:fillClrLst meth="repeat">
+      <a:schemeClr val="accent6">
+        <a:alpha val="90000"/>
+        <a:tint val="40000"/>
+      </a:schemeClr>
+    </dgm:fillClrLst>
+    <dgm:linClrLst meth="repeat">
+      <a:schemeClr val="accent6">
+        <a:alpha val="90000"/>
+        <a:tint val="40000"/>
+      </a:schemeClr>
+    </dgm:linClrLst>
+    <dgm:effectClrLst/>
+    <dgm:txLinClrLst/>
+    <dgm:txFillClrLst meth="repeat">
+      <a:schemeClr val="dk1"/>
+    </dgm:txFillClrLst>
+    <dgm:txEffectClrLst/>
+  </dgm:styleLbl>
+  <dgm:styleLbl name="fgAcc0">
+    <dgm:fillClrLst meth="repeat">
+      <a:schemeClr val="lt1">
+        <a:alpha val="90000"/>
+      </a:schemeClr>
+    </dgm:fillClrLst>
+    <dgm:linClrLst meth="repeat">
+      <a:schemeClr val="accent6"/>
+    </dgm:linClrLst>
+    <dgm:effectClrLst/>
+    <dgm:txLinClrLst/>
+    <dgm:txFillClrLst meth="repeat">
+      <a:schemeClr val="dk1"/>
+    </dgm:txFillClrLst>
+    <dgm:txEffectClrLst/>
+  </dgm:styleLbl>
+  <dgm:styleLbl name="fgAcc2">
+    <dgm:fillClrLst meth="repeat">
+      <a:schemeClr val="lt1">
+        <a:alpha val="90000"/>
+      </a:schemeClr>
+    </dgm:fillClrLst>
+    <dgm:linClrLst meth="repeat">
+      <a:schemeClr val="accent6"/>
+    </dgm:linClrLst>
+    <dgm:effectClrLst/>
+    <dgm:txLinClrLst/>
+    <dgm:txFillClrLst meth="repeat">
+      <a:schemeClr val="dk1"/>
+    </dgm:txFillClrLst>
+    <dgm:txEffectClrLst/>
+  </dgm:styleLbl>
+  <dgm:styleLbl name="fgAcc3">
+    <dgm:fillClrLst meth="repeat">
+      <a:schemeClr val="lt1">
+        <a:alpha val="90000"/>
+      </a:schemeClr>
+    </dgm:fillClrLst>
+    <dgm:linClrLst meth="repeat">
+      <a:schemeClr val="accent6"/>
+    </dgm:linClrLst>
+    <dgm:effectClrLst/>
+    <dgm:txLinClrLst/>
+    <dgm:txFillClrLst meth="repeat">
+      <a:schemeClr val="dk1"/>
+    </dgm:txFillClrLst>
+    <dgm:txEffectClrLst/>
+  </dgm:styleLbl>
+  <dgm:styleLbl name="fgAcc4">
+    <dgm:fillClrLst meth="repeat">
+      <a:schemeClr val="lt1">
+        <a:alpha val="90000"/>
+      </a:schemeClr>
+    </dgm:fillClrLst>
+    <dgm:linClrLst meth="repeat">
+      <a:schemeClr val="accent6"/>
+    </dgm:linClrLst>
+    <dgm:effectClrLst/>
+    <dgm:txLinClrLst/>
+    <dgm:txFillClrLst meth="repeat">
+      <a:schemeClr val="dk1"/>
+    </dgm:txFillClrLst>
+    <dgm:txEffectClrLst/>
+  </dgm:styleLbl>
+  <dgm:styleLbl name="bgShp">
+    <dgm:fillClrLst meth="repeat">
+      <a:schemeClr val="accent6">
+        <a:tint val="40000"/>
+      </a:schemeClr>
+    </dgm:fillClrLst>
+    <dgm:linClrLst meth="repeat">
+      <a:schemeClr val="accent6"/>
+    </dgm:linClrLst>
+    <dgm:effectClrLst/>
+    <dgm:txLinClrLst/>
+    <dgm:txFillClrLst meth="repeat">
+      <a:schemeClr val="dk1"/>
+    </dgm:txFillClrLst>
+    <dgm:txEffectClrLst/>
+  </dgm:styleLbl>
+  <dgm:styleLbl name="dkBgShp">
+    <dgm:fillClrLst meth="repeat">
+      <a:schemeClr val="accent6">
+        <a:shade val="80000"/>
+      </a:schemeClr>
+    </dgm:fillClrLst>
+    <dgm:linClrLst meth="repeat">
+      <a:schemeClr val="accent6"/>
+    </dgm:linClrLst>
+    <dgm:effectClrLst/>
+    <dgm:txLinClrLst/>
+    <dgm:txFillClrLst meth="repeat">
+      <a:schemeClr val="lt1"/>
+    </dgm:txFillClrLst>
+    <dgm:txEffectClrLst/>
+  </dgm:styleLbl>
+  <dgm:styleLbl name="trBgShp">
+    <dgm:fillClrLst meth="repeat">
+      <a:schemeClr val="accent6">
+        <a:tint val="50000"/>
+        <a:alpha val="40000"/>
+      </a:schemeClr>
+    </dgm:fillClrLst>
+    <dgm:linClrLst meth="repeat">
+      <a:schemeClr val="accent6"/>
+    </dgm:linClrLst>
+    <dgm:effectClrLst/>
+    <dgm:txLinClrLst/>
+    <dgm:txFillClrLst meth="repeat">
+      <a:schemeClr val="lt1"/>
+    </dgm:txFillClrLst>
+    <dgm:txEffectClrLst/>
+  </dgm:styleLbl>
+  <dgm:styleLbl name="fgShp">
+    <dgm:fillClrLst meth="repeat">
+      <a:schemeClr val="accent6">
+        <a:tint val="60000"/>
+      </a:schemeClr>
+    </dgm:fillClrLst>
+    <dgm:linClrLst meth="repeat">
+      <a:schemeClr val="lt1"/>
+    </dgm:linClrLst>
+    <dgm:effectClrLst/>
+    <dgm:txLinClrLst/>
+    <dgm:txFillClrLst meth="repeat">
+      <a:schemeClr val="dk1"/>
+    </dgm:txFillClrLst>
+    <dgm:txEffectClrLst/>
+  </dgm:styleLbl>
+  <dgm:styleLbl name="revTx">
+    <dgm:fillClrLst meth="repeat">
+      <a:schemeClr val="lt1">
+        <a:alpha val="0"/>
+      </a:schemeClr>
+    </dgm:fillClrLst>
+    <dgm:linClrLst meth="repeat">
+      <a:schemeClr val="dk1">
+        <a:alpha val="0"/>
+      </a:schemeClr>
+    </dgm:linClrLst>
+    <dgm:effectClrLst/>
+    <dgm:txLinClrLst/>
+    <dgm:txFillClrLst meth="repeat">
+      <a:schemeClr val="tx1"/>
+    </dgm:txFillClrLst>
+    <dgm:txEffectClrLst/>
+  </dgm:styleLbl>
+</dgm:colorsDef>
+</file>
+
+<file path=ppt/diagrams/data1.xml><?xml version="1.0" encoding="utf-8"?>
+<dgm:dataModel xmlns:dgm="http://schemas.openxmlformats.org/drawingml/2006/diagram" xmlns:a="http://schemas.openxmlformats.org/drawingml/2006/main">
+  <dgm:ptLst>
+    <dgm:pt modelId="{F7F96578-69C2-4331-9C2D-F8E486E5141A}" type="doc">
+      <dgm:prSet loTypeId="urn:microsoft.com/office/officeart/2005/8/layout/cycle7" loCatId="cycle" qsTypeId="urn:microsoft.com/office/officeart/2005/8/quickstyle/simple1" qsCatId="simple" csTypeId="urn:microsoft.com/office/officeart/2005/8/colors/accent6_2" csCatId="accent6" phldr="1"/>
+      <dgm:spPr/>
+      <dgm:t>
+        <a:bodyPr/>
+        <a:lstStyle/>
+        <a:p>
+          <a:endParaRPr lang="en-US"/>
+        </a:p>
+      </dgm:t>
+    </dgm:pt>
+    <dgm:pt modelId="{9312C4DE-CD97-4C8E-BEC9-BD2D604F0ECC}">
+      <dgm:prSet phldrT="[Text]"/>
+      <dgm:spPr/>
+      <dgm:t>
+        <a:bodyPr/>
+        <a:lstStyle/>
+        <a:p>
+          <a:r>
+            <a:rPr lang="en-US" dirty="0" smtClean="0"/>
+            <a:t>Understand Terms in Context</a:t>
+          </a:r>
+          <a:endParaRPr lang="en-US" dirty="0"/>
+        </a:p>
+      </dgm:t>
+    </dgm:pt>
+    <dgm:pt modelId="{29A34C81-3742-4A1C-8053-40B2B9E8EED7}" type="parTrans" cxnId="{8DA45E62-3006-4005-B545-3865F8A18136}">
+      <dgm:prSet/>
+      <dgm:spPr/>
+      <dgm:t>
+        <a:bodyPr/>
+        <a:lstStyle/>
+        <a:p>
+          <a:endParaRPr lang="en-US"/>
+        </a:p>
+      </dgm:t>
+    </dgm:pt>
+    <dgm:pt modelId="{570D95BD-31CA-4A3B-A920-14E82BBABB56}" type="sibTrans" cxnId="{8DA45E62-3006-4005-B545-3865F8A18136}">
+      <dgm:prSet/>
+      <dgm:spPr/>
+      <dgm:t>
+        <a:bodyPr/>
+        <a:lstStyle/>
+        <a:p>
+          <a:endParaRPr lang="en-US"/>
+        </a:p>
+      </dgm:t>
+    </dgm:pt>
+    <dgm:pt modelId="{9D8B238B-A895-429B-8A78-DC1E29FE1164}">
+      <dgm:prSet phldrT="[Text]"/>
+      <dgm:spPr/>
+      <dgm:t>
+        <a:bodyPr/>
+        <a:lstStyle/>
+        <a:p>
+          <a:r>
+            <a:rPr lang="en-US" dirty="0" smtClean="0"/>
+            <a:t>Build Regular Expressions to Capture Categories</a:t>
+          </a:r>
+          <a:endParaRPr lang="en-US" dirty="0"/>
+        </a:p>
+      </dgm:t>
+    </dgm:pt>
+    <dgm:pt modelId="{BB96BEEC-B081-4B0B-AD46-7CCE885EAEAF}" type="parTrans" cxnId="{2347574B-2766-4629-8D14-DB77D2EBE0CF}">
+      <dgm:prSet/>
+      <dgm:spPr/>
+      <dgm:t>
+        <a:bodyPr/>
+        <a:lstStyle/>
+        <a:p>
+          <a:endParaRPr lang="en-US"/>
+        </a:p>
+      </dgm:t>
+    </dgm:pt>
+    <dgm:pt modelId="{619DE848-D1CE-467B-BC73-23A2AC1EA3EB}" type="sibTrans" cxnId="{2347574B-2766-4629-8D14-DB77D2EBE0CF}">
+      <dgm:prSet/>
+      <dgm:spPr/>
+      <dgm:t>
+        <a:bodyPr/>
+        <a:lstStyle/>
+        <a:p>
+          <a:endParaRPr lang="en-US"/>
+        </a:p>
+      </dgm:t>
+    </dgm:pt>
+    <dgm:pt modelId="{A78118B7-4D32-4C73-86A1-4335CA1CE170}">
+      <dgm:prSet phldrT="[Text]"/>
+      <dgm:spPr/>
+      <dgm:t>
+        <a:bodyPr/>
+        <a:lstStyle/>
+        <a:p>
+          <a:r>
+            <a:rPr lang="en-US" dirty="0" smtClean="0"/>
+            <a:t>Describe Categories</a:t>
+          </a:r>
+          <a:endParaRPr lang="en-US" dirty="0"/>
+        </a:p>
+      </dgm:t>
+    </dgm:pt>
+    <dgm:pt modelId="{D51F3989-1000-427C-98B9-0BA8DDDD09FD}" type="parTrans" cxnId="{DCCB32A8-ABFE-4E24-9C43-A17AA3F9E258}">
+      <dgm:prSet/>
+      <dgm:spPr/>
+      <dgm:t>
+        <a:bodyPr/>
+        <a:lstStyle/>
+        <a:p>
+          <a:endParaRPr lang="en-US"/>
+        </a:p>
+      </dgm:t>
+    </dgm:pt>
+    <dgm:pt modelId="{CC3C8CE3-2373-433F-ADFA-70C312F93362}" type="sibTrans" cxnId="{DCCB32A8-ABFE-4E24-9C43-A17AA3F9E258}">
+      <dgm:prSet/>
+      <dgm:spPr/>
+      <dgm:t>
+        <a:bodyPr/>
+        <a:lstStyle/>
+        <a:p>
+          <a:endParaRPr lang="en-US"/>
+        </a:p>
+      </dgm:t>
+    </dgm:pt>
+    <dgm:pt modelId="{DF2CA64E-CA58-4998-B137-8052DFA7BA94}" type="pres">
+      <dgm:prSet presAssocID="{F7F96578-69C2-4331-9C2D-F8E486E5141A}" presName="Name0" presStyleCnt="0">
+        <dgm:presLayoutVars>
+          <dgm:dir/>
+          <dgm:resizeHandles val="exact"/>
+        </dgm:presLayoutVars>
+      </dgm:prSet>
+      <dgm:spPr/>
+    </dgm:pt>
+    <dgm:pt modelId="{83A47827-8C93-4A80-80B9-C2315281BF3F}" type="pres">
+      <dgm:prSet presAssocID="{9312C4DE-CD97-4C8E-BEC9-BD2D604F0ECC}" presName="node" presStyleLbl="node1" presStyleIdx="0" presStyleCnt="3">
+        <dgm:presLayoutVars>
+          <dgm:bulletEnabled val="1"/>
+        </dgm:presLayoutVars>
+      </dgm:prSet>
+      <dgm:spPr/>
+    </dgm:pt>
+    <dgm:pt modelId="{70406540-4A20-41A2-A819-6ECDB9628D4A}" type="pres">
+      <dgm:prSet presAssocID="{570D95BD-31CA-4A3B-A920-14E82BBABB56}" presName="sibTrans" presStyleLbl="sibTrans2D1" presStyleIdx="0" presStyleCnt="3"/>
+      <dgm:spPr/>
+    </dgm:pt>
+    <dgm:pt modelId="{D2314FB2-0FC6-429E-86D1-5FA53312A967}" type="pres">
+      <dgm:prSet presAssocID="{570D95BD-31CA-4A3B-A920-14E82BBABB56}" presName="connectorText" presStyleLbl="sibTrans2D1" presStyleIdx="0" presStyleCnt="3"/>
+      <dgm:spPr/>
+    </dgm:pt>
+    <dgm:pt modelId="{D9FA8687-314B-4D7D-82EC-4ABB5E3F9E5E}" type="pres">
+      <dgm:prSet presAssocID="{9D8B238B-A895-429B-8A78-DC1E29FE1164}" presName="node" presStyleLbl="node1" presStyleIdx="1" presStyleCnt="3" custRadScaleRad="92569" custRadScaleInc="-42002">
+        <dgm:presLayoutVars>
+          <dgm:bulletEnabled val="1"/>
+        </dgm:presLayoutVars>
+      </dgm:prSet>
+      <dgm:spPr/>
+    </dgm:pt>
+    <dgm:pt modelId="{1B6E2D85-4F73-4050-B527-EAFD98CD98A1}" type="pres">
+      <dgm:prSet presAssocID="{619DE848-D1CE-467B-BC73-23A2AC1EA3EB}" presName="sibTrans" presStyleLbl="sibTrans2D1" presStyleIdx="1" presStyleCnt="3"/>
+      <dgm:spPr/>
+    </dgm:pt>
+    <dgm:pt modelId="{201A9363-CC31-40BB-8553-4CA3F65E03C3}" type="pres">
+      <dgm:prSet presAssocID="{619DE848-D1CE-467B-BC73-23A2AC1EA3EB}" presName="connectorText" presStyleLbl="sibTrans2D1" presStyleIdx="1" presStyleCnt="3"/>
+      <dgm:spPr/>
+    </dgm:pt>
+    <dgm:pt modelId="{04DC8AA7-8414-4579-AC66-E4946D6FE6F6}" type="pres">
+      <dgm:prSet presAssocID="{A78118B7-4D32-4C73-86A1-4335CA1CE170}" presName="node" presStyleLbl="node1" presStyleIdx="2" presStyleCnt="3" custRadScaleRad="89843" custRadScaleInc="41865">
+        <dgm:presLayoutVars>
+          <dgm:bulletEnabled val="1"/>
+        </dgm:presLayoutVars>
+      </dgm:prSet>
+      <dgm:spPr/>
+    </dgm:pt>
+    <dgm:pt modelId="{29217C78-B82D-4363-9771-4C049092B75D}" type="pres">
+      <dgm:prSet presAssocID="{CC3C8CE3-2373-433F-ADFA-70C312F93362}" presName="sibTrans" presStyleLbl="sibTrans2D1" presStyleIdx="2" presStyleCnt="3"/>
+      <dgm:spPr/>
+    </dgm:pt>
+    <dgm:pt modelId="{A00D2CF8-A667-49AF-9CE2-3E3C3A1BA5A1}" type="pres">
+      <dgm:prSet presAssocID="{CC3C8CE3-2373-433F-ADFA-70C312F93362}" presName="connectorText" presStyleLbl="sibTrans2D1" presStyleIdx="2" presStyleCnt="3"/>
+      <dgm:spPr/>
+    </dgm:pt>
+  </dgm:ptLst>
+  <dgm:cxnLst>
+    <dgm:cxn modelId="{D64D50E7-2FE0-4B16-B8C3-3B0FF1657C7B}" type="presOf" srcId="{570D95BD-31CA-4A3B-A920-14E82BBABB56}" destId="{D2314FB2-0FC6-429E-86D1-5FA53312A967}" srcOrd="1" destOrd="0" presId="urn:microsoft.com/office/officeart/2005/8/layout/cycle7"/>
+    <dgm:cxn modelId="{B9EBD0E2-ED1C-4489-970A-D665B16907A4}" type="presOf" srcId="{A78118B7-4D32-4C73-86A1-4335CA1CE170}" destId="{04DC8AA7-8414-4579-AC66-E4946D6FE6F6}" srcOrd="0" destOrd="0" presId="urn:microsoft.com/office/officeart/2005/8/layout/cycle7"/>
+    <dgm:cxn modelId="{BF9C8590-98EB-4663-8E23-86EE0B29B587}" type="presOf" srcId="{570D95BD-31CA-4A3B-A920-14E82BBABB56}" destId="{70406540-4A20-41A2-A819-6ECDB9628D4A}" srcOrd="0" destOrd="0" presId="urn:microsoft.com/office/officeart/2005/8/layout/cycle7"/>
+    <dgm:cxn modelId="{D97DEE89-4559-4091-86C8-CB0853BD1A84}" type="presOf" srcId="{CC3C8CE3-2373-433F-ADFA-70C312F93362}" destId="{29217C78-B82D-4363-9771-4C049092B75D}" srcOrd="0" destOrd="0" presId="urn:microsoft.com/office/officeart/2005/8/layout/cycle7"/>
+    <dgm:cxn modelId="{DCCB32A8-ABFE-4E24-9C43-A17AA3F9E258}" srcId="{F7F96578-69C2-4331-9C2D-F8E486E5141A}" destId="{A78118B7-4D32-4C73-86A1-4335CA1CE170}" srcOrd="2" destOrd="0" parTransId="{D51F3989-1000-427C-98B9-0BA8DDDD09FD}" sibTransId="{CC3C8CE3-2373-433F-ADFA-70C312F93362}"/>
+    <dgm:cxn modelId="{97FB1BEE-E293-4C5F-8D81-EE061569A381}" type="presOf" srcId="{F7F96578-69C2-4331-9C2D-F8E486E5141A}" destId="{DF2CA64E-CA58-4998-B137-8052DFA7BA94}" srcOrd="0" destOrd="0" presId="urn:microsoft.com/office/officeart/2005/8/layout/cycle7"/>
+    <dgm:cxn modelId="{21C8E4A4-5413-43E6-9705-66F1BA08D24A}" type="presOf" srcId="{9312C4DE-CD97-4C8E-BEC9-BD2D604F0ECC}" destId="{83A47827-8C93-4A80-80B9-C2315281BF3F}" srcOrd="0" destOrd="0" presId="urn:microsoft.com/office/officeart/2005/8/layout/cycle7"/>
+    <dgm:cxn modelId="{69AF1884-2B62-4E82-9D3E-515AAA6CF31A}" type="presOf" srcId="{619DE848-D1CE-467B-BC73-23A2AC1EA3EB}" destId="{201A9363-CC31-40BB-8553-4CA3F65E03C3}" srcOrd="1" destOrd="0" presId="urn:microsoft.com/office/officeart/2005/8/layout/cycle7"/>
+    <dgm:cxn modelId="{2347574B-2766-4629-8D14-DB77D2EBE0CF}" srcId="{F7F96578-69C2-4331-9C2D-F8E486E5141A}" destId="{9D8B238B-A895-429B-8A78-DC1E29FE1164}" srcOrd="1" destOrd="0" parTransId="{BB96BEEC-B081-4B0B-AD46-7CCE885EAEAF}" sibTransId="{619DE848-D1CE-467B-BC73-23A2AC1EA3EB}"/>
+    <dgm:cxn modelId="{452DDD4D-63BB-47EA-BBF5-39AA799FA750}" type="presOf" srcId="{CC3C8CE3-2373-433F-ADFA-70C312F93362}" destId="{A00D2CF8-A667-49AF-9CE2-3E3C3A1BA5A1}" srcOrd="1" destOrd="0" presId="urn:microsoft.com/office/officeart/2005/8/layout/cycle7"/>
+    <dgm:cxn modelId="{8DA45E62-3006-4005-B545-3865F8A18136}" srcId="{F7F96578-69C2-4331-9C2D-F8E486E5141A}" destId="{9312C4DE-CD97-4C8E-BEC9-BD2D604F0ECC}" srcOrd="0" destOrd="0" parTransId="{29A34C81-3742-4A1C-8053-40B2B9E8EED7}" sibTransId="{570D95BD-31CA-4A3B-A920-14E82BBABB56}"/>
+    <dgm:cxn modelId="{6F87F18C-CCBB-400B-80CA-7B91358CFD7C}" type="presOf" srcId="{9D8B238B-A895-429B-8A78-DC1E29FE1164}" destId="{D9FA8687-314B-4D7D-82EC-4ABB5E3F9E5E}" srcOrd="0" destOrd="0" presId="urn:microsoft.com/office/officeart/2005/8/layout/cycle7"/>
+    <dgm:cxn modelId="{D6E5E7B5-216D-48C2-ACF6-E99B5CB7D473}" type="presOf" srcId="{619DE848-D1CE-467B-BC73-23A2AC1EA3EB}" destId="{1B6E2D85-4F73-4050-B527-EAFD98CD98A1}" srcOrd="0" destOrd="0" presId="urn:microsoft.com/office/officeart/2005/8/layout/cycle7"/>
+    <dgm:cxn modelId="{BDAA92BB-D48D-4C92-9714-2CA6A4A0BCDF}" type="presParOf" srcId="{DF2CA64E-CA58-4998-B137-8052DFA7BA94}" destId="{83A47827-8C93-4A80-80B9-C2315281BF3F}" srcOrd="0" destOrd="0" presId="urn:microsoft.com/office/officeart/2005/8/layout/cycle7"/>
+    <dgm:cxn modelId="{17C18221-37E0-4EC1-891C-029DFEDE489D}" type="presParOf" srcId="{DF2CA64E-CA58-4998-B137-8052DFA7BA94}" destId="{70406540-4A20-41A2-A819-6ECDB9628D4A}" srcOrd="1" destOrd="0" presId="urn:microsoft.com/office/officeart/2005/8/layout/cycle7"/>
+    <dgm:cxn modelId="{E6A02EA4-576B-4D8A-A596-11B3036D282A}" type="presParOf" srcId="{70406540-4A20-41A2-A819-6ECDB9628D4A}" destId="{D2314FB2-0FC6-429E-86D1-5FA53312A967}" srcOrd="0" destOrd="0" presId="urn:microsoft.com/office/officeart/2005/8/layout/cycle7"/>
+    <dgm:cxn modelId="{770737A3-756E-4749-9200-05BB61097F3B}" type="presParOf" srcId="{DF2CA64E-CA58-4998-B137-8052DFA7BA94}" destId="{D9FA8687-314B-4D7D-82EC-4ABB5E3F9E5E}" srcOrd="2" destOrd="0" presId="urn:microsoft.com/office/officeart/2005/8/layout/cycle7"/>
+    <dgm:cxn modelId="{089865DE-B4E7-420B-A215-0663E937E4C5}" type="presParOf" srcId="{DF2CA64E-CA58-4998-B137-8052DFA7BA94}" destId="{1B6E2D85-4F73-4050-B527-EAFD98CD98A1}" srcOrd="3" destOrd="0" presId="urn:microsoft.com/office/officeart/2005/8/layout/cycle7"/>
+    <dgm:cxn modelId="{01E6E945-8DAA-4FB4-A669-336DE2A6DA32}" type="presParOf" srcId="{1B6E2D85-4F73-4050-B527-EAFD98CD98A1}" destId="{201A9363-CC31-40BB-8553-4CA3F65E03C3}" srcOrd="0" destOrd="0" presId="urn:microsoft.com/office/officeart/2005/8/layout/cycle7"/>
+    <dgm:cxn modelId="{70459924-0932-4F5A-AF65-528D7EAC219D}" type="presParOf" srcId="{DF2CA64E-CA58-4998-B137-8052DFA7BA94}" destId="{04DC8AA7-8414-4579-AC66-E4946D6FE6F6}" srcOrd="4" destOrd="0" presId="urn:microsoft.com/office/officeart/2005/8/layout/cycle7"/>
+    <dgm:cxn modelId="{A147EB25-B1BB-4394-8602-F2FFF2E46D5B}" type="presParOf" srcId="{DF2CA64E-CA58-4998-B137-8052DFA7BA94}" destId="{29217C78-B82D-4363-9771-4C049092B75D}" srcOrd="5" destOrd="0" presId="urn:microsoft.com/office/officeart/2005/8/layout/cycle7"/>
+    <dgm:cxn modelId="{4926EAF1-45CA-4056-A5E8-218BD4DB3052}" type="presParOf" srcId="{29217C78-B82D-4363-9771-4C049092B75D}" destId="{A00D2CF8-A667-49AF-9CE2-3E3C3A1BA5A1}" srcOrd="0" destOrd="0" presId="urn:microsoft.com/office/officeart/2005/8/layout/cycle7"/>
+  </dgm:cxnLst>
+  <dgm:bg/>
+  <dgm:whole/>
+  <dgm:extLst>
+    <a:ext uri="http://schemas.microsoft.com/office/drawing/2008/diagram">
+      <dsp:dataModelExt xmlns:dsp="http://schemas.microsoft.com/office/drawing/2008/diagram" relId="rId6" minVer="http://schemas.openxmlformats.org/drawingml/2006/diagram"/>
+    </a:ext>
+  </dgm:extLst>
+</dgm:dataModel>
+</file>
+
+<file path=ppt/diagrams/data2.xml><?xml version="1.0" encoding="utf-8"?>
+<dgm:dataModel xmlns:dgm="http://schemas.openxmlformats.org/drawingml/2006/diagram" xmlns:a="http://schemas.openxmlformats.org/drawingml/2006/main">
+  <dgm:ptLst>
+    <dgm:pt modelId="{F7F96578-69C2-4331-9C2D-F8E486E5141A}" type="doc">
+      <dgm:prSet loTypeId="urn:microsoft.com/office/officeart/2005/8/layout/cycle7" loCatId="cycle" qsTypeId="urn:microsoft.com/office/officeart/2005/8/quickstyle/simple1" qsCatId="simple" csTypeId="urn:microsoft.com/office/officeart/2005/8/colors/accent6_2" csCatId="accent6" phldr="1"/>
+      <dgm:spPr/>
+      <dgm:t>
+        <a:bodyPr/>
+        <a:lstStyle/>
+        <a:p>
+          <a:endParaRPr lang="en-US"/>
+        </a:p>
+      </dgm:t>
+    </dgm:pt>
+    <dgm:pt modelId="{9312C4DE-CD97-4C8E-BEC9-BD2D604F0ECC}">
+      <dgm:prSet phldrT="[Text]"/>
+      <dgm:spPr/>
+      <dgm:t>
+        <a:bodyPr/>
+        <a:lstStyle/>
+        <a:p>
+          <a:r>
+            <a:rPr lang="en-US" dirty="0" smtClean="0"/>
+            <a:t>Understand Terms in Context</a:t>
+          </a:r>
+          <a:endParaRPr lang="en-US" dirty="0"/>
+        </a:p>
+      </dgm:t>
+    </dgm:pt>
+    <dgm:pt modelId="{29A34C81-3742-4A1C-8053-40B2B9E8EED7}" type="parTrans" cxnId="{8DA45E62-3006-4005-B545-3865F8A18136}">
+      <dgm:prSet/>
+      <dgm:spPr/>
+      <dgm:t>
+        <a:bodyPr/>
+        <a:lstStyle/>
+        <a:p>
+          <a:endParaRPr lang="en-US"/>
+        </a:p>
+      </dgm:t>
+    </dgm:pt>
+    <dgm:pt modelId="{570D95BD-31CA-4A3B-A920-14E82BBABB56}" type="sibTrans" cxnId="{8DA45E62-3006-4005-B545-3865F8A18136}">
+      <dgm:prSet/>
+      <dgm:spPr/>
+      <dgm:t>
+        <a:bodyPr/>
+        <a:lstStyle/>
+        <a:p>
+          <a:endParaRPr lang="en-US"/>
+        </a:p>
+      </dgm:t>
+    </dgm:pt>
+    <dgm:pt modelId="{9D8B238B-A895-429B-8A78-DC1E29FE1164}">
+      <dgm:prSet phldrT="[Text]"/>
+      <dgm:spPr/>
+      <dgm:t>
+        <a:bodyPr/>
+        <a:lstStyle/>
+        <a:p>
+          <a:r>
+            <a:rPr lang="en-US" dirty="0" smtClean="0"/>
+            <a:t>Build Regular Expressions to Capture Categories</a:t>
+          </a:r>
+          <a:endParaRPr lang="en-US" dirty="0"/>
+        </a:p>
+      </dgm:t>
+    </dgm:pt>
+    <dgm:pt modelId="{BB96BEEC-B081-4B0B-AD46-7CCE885EAEAF}" type="parTrans" cxnId="{2347574B-2766-4629-8D14-DB77D2EBE0CF}">
+      <dgm:prSet/>
+      <dgm:spPr/>
+      <dgm:t>
+        <a:bodyPr/>
+        <a:lstStyle/>
+        <a:p>
+          <a:endParaRPr lang="en-US"/>
+        </a:p>
+      </dgm:t>
+    </dgm:pt>
+    <dgm:pt modelId="{619DE848-D1CE-467B-BC73-23A2AC1EA3EB}" type="sibTrans" cxnId="{2347574B-2766-4629-8D14-DB77D2EBE0CF}">
+      <dgm:prSet/>
+      <dgm:spPr/>
+      <dgm:t>
+        <a:bodyPr/>
+        <a:lstStyle/>
+        <a:p>
+          <a:endParaRPr lang="en-US"/>
+        </a:p>
+      </dgm:t>
+    </dgm:pt>
+    <dgm:pt modelId="{A78118B7-4D32-4C73-86A1-4335CA1CE170}">
+      <dgm:prSet phldrT="[Text]"/>
+      <dgm:spPr/>
+      <dgm:t>
+        <a:bodyPr/>
+        <a:lstStyle/>
+        <a:p>
+          <a:r>
+            <a:rPr lang="en-US" dirty="0" smtClean="0"/>
+            <a:t>Describe Categories</a:t>
+          </a:r>
+          <a:endParaRPr lang="en-US" dirty="0"/>
+        </a:p>
+      </dgm:t>
+    </dgm:pt>
+    <dgm:pt modelId="{D51F3989-1000-427C-98B9-0BA8DDDD09FD}" type="parTrans" cxnId="{DCCB32A8-ABFE-4E24-9C43-A17AA3F9E258}">
+      <dgm:prSet/>
+      <dgm:spPr/>
+      <dgm:t>
+        <a:bodyPr/>
+        <a:lstStyle/>
+        <a:p>
+          <a:endParaRPr lang="en-US"/>
+        </a:p>
+      </dgm:t>
+    </dgm:pt>
+    <dgm:pt modelId="{CC3C8CE3-2373-433F-ADFA-70C312F93362}" type="sibTrans" cxnId="{DCCB32A8-ABFE-4E24-9C43-A17AA3F9E258}">
+      <dgm:prSet/>
+      <dgm:spPr/>
+      <dgm:t>
+        <a:bodyPr/>
+        <a:lstStyle/>
+        <a:p>
+          <a:endParaRPr lang="en-US"/>
+        </a:p>
+      </dgm:t>
+    </dgm:pt>
+    <dgm:pt modelId="{DF2CA64E-CA58-4998-B137-8052DFA7BA94}" type="pres">
+      <dgm:prSet presAssocID="{F7F96578-69C2-4331-9C2D-F8E486E5141A}" presName="Name0" presStyleCnt="0">
+        <dgm:presLayoutVars>
+          <dgm:dir/>
+          <dgm:resizeHandles val="exact"/>
+        </dgm:presLayoutVars>
+      </dgm:prSet>
+      <dgm:spPr/>
+    </dgm:pt>
+    <dgm:pt modelId="{83A47827-8C93-4A80-80B9-C2315281BF3F}" type="pres">
+      <dgm:prSet presAssocID="{9312C4DE-CD97-4C8E-BEC9-BD2D604F0ECC}" presName="node" presStyleLbl="node1" presStyleIdx="0" presStyleCnt="3">
+        <dgm:presLayoutVars>
+          <dgm:bulletEnabled val="1"/>
+        </dgm:presLayoutVars>
+      </dgm:prSet>
+      <dgm:spPr/>
+    </dgm:pt>
+    <dgm:pt modelId="{70406540-4A20-41A2-A819-6ECDB9628D4A}" type="pres">
+      <dgm:prSet presAssocID="{570D95BD-31CA-4A3B-A920-14E82BBABB56}" presName="sibTrans" presStyleLbl="sibTrans2D1" presStyleIdx="0" presStyleCnt="3"/>
+      <dgm:spPr/>
+    </dgm:pt>
+    <dgm:pt modelId="{D2314FB2-0FC6-429E-86D1-5FA53312A967}" type="pres">
+      <dgm:prSet presAssocID="{570D95BD-31CA-4A3B-A920-14E82BBABB56}" presName="connectorText" presStyleLbl="sibTrans2D1" presStyleIdx="0" presStyleCnt="3"/>
+      <dgm:spPr/>
+    </dgm:pt>
+    <dgm:pt modelId="{D9FA8687-314B-4D7D-82EC-4ABB5E3F9E5E}" type="pres">
+      <dgm:prSet presAssocID="{9D8B238B-A895-429B-8A78-DC1E29FE1164}" presName="node" presStyleLbl="node1" presStyleIdx="1" presStyleCnt="3" custRadScaleRad="92569" custRadScaleInc="-42002">
+        <dgm:presLayoutVars>
+          <dgm:bulletEnabled val="1"/>
+        </dgm:presLayoutVars>
+      </dgm:prSet>
+      <dgm:spPr/>
+    </dgm:pt>
+    <dgm:pt modelId="{1B6E2D85-4F73-4050-B527-EAFD98CD98A1}" type="pres">
+      <dgm:prSet presAssocID="{619DE848-D1CE-467B-BC73-23A2AC1EA3EB}" presName="sibTrans" presStyleLbl="sibTrans2D1" presStyleIdx="1" presStyleCnt="3"/>
+      <dgm:spPr/>
+    </dgm:pt>
+    <dgm:pt modelId="{201A9363-CC31-40BB-8553-4CA3F65E03C3}" type="pres">
+      <dgm:prSet presAssocID="{619DE848-D1CE-467B-BC73-23A2AC1EA3EB}" presName="connectorText" presStyleLbl="sibTrans2D1" presStyleIdx="1" presStyleCnt="3"/>
+      <dgm:spPr/>
+    </dgm:pt>
+    <dgm:pt modelId="{04DC8AA7-8414-4579-AC66-E4946D6FE6F6}" type="pres">
+      <dgm:prSet presAssocID="{A78118B7-4D32-4C73-86A1-4335CA1CE170}" presName="node" presStyleLbl="node1" presStyleIdx="2" presStyleCnt="3" custRadScaleRad="89843" custRadScaleInc="41865">
+        <dgm:presLayoutVars>
+          <dgm:bulletEnabled val="1"/>
+        </dgm:presLayoutVars>
+      </dgm:prSet>
+      <dgm:spPr/>
+    </dgm:pt>
+    <dgm:pt modelId="{29217C78-B82D-4363-9771-4C049092B75D}" type="pres">
+      <dgm:prSet presAssocID="{CC3C8CE3-2373-433F-ADFA-70C312F93362}" presName="sibTrans" presStyleLbl="sibTrans2D1" presStyleIdx="2" presStyleCnt="3"/>
+      <dgm:spPr/>
+    </dgm:pt>
+    <dgm:pt modelId="{A00D2CF8-A667-49AF-9CE2-3E3C3A1BA5A1}" type="pres">
+      <dgm:prSet presAssocID="{CC3C8CE3-2373-433F-ADFA-70C312F93362}" presName="connectorText" presStyleLbl="sibTrans2D1" presStyleIdx="2" presStyleCnt="3"/>
+      <dgm:spPr/>
+    </dgm:pt>
+  </dgm:ptLst>
+  <dgm:cxnLst>
+    <dgm:cxn modelId="{EAF1A626-57A4-4B23-A995-B94182E612C4}" type="presOf" srcId="{619DE848-D1CE-467B-BC73-23A2AC1EA3EB}" destId="{1B6E2D85-4F73-4050-B527-EAFD98CD98A1}" srcOrd="0" destOrd="0" presId="urn:microsoft.com/office/officeart/2005/8/layout/cycle7"/>
+    <dgm:cxn modelId="{CE2ED65D-B532-49FE-A8E0-DCF9ABD9BE51}" type="presOf" srcId="{570D95BD-31CA-4A3B-A920-14E82BBABB56}" destId="{70406540-4A20-41A2-A819-6ECDB9628D4A}" srcOrd="0" destOrd="0" presId="urn:microsoft.com/office/officeart/2005/8/layout/cycle7"/>
+    <dgm:cxn modelId="{CBA914B2-1186-44FC-B03C-E5231E3CE013}" type="presOf" srcId="{570D95BD-31CA-4A3B-A920-14E82BBABB56}" destId="{D2314FB2-0FC6-429E-86D1-5FA53312A967}" srcOrd="1" destOrd="0" presId="urn:microsoft.com/office/officeart/2005/8/layout/cycle7"/>
+    <dgm:cxn modelId="{BD5A37D0-5E38-4840-83E8-CB6F220EA6FE}" type="presOf" srcId="{619DE848-D1CE-467B-BC73-23A2AC1EA3EB}" destId="{201A9363-CC31-40BB-8553-4CA3F65E03C3}" srcOrd="1" destOrd="0" presId="urn:microsoft.com/office/officeart/2005/8/layout/cycle7"/>
+    <dgm:cxn modelId="{BB81A0A1-7852-4EEA-8253-F7DA52467E2D}" type="presOf" srcId="{A78118B7-4D32-4C73-86A1-4335CA1CE170}" destId="{04DC8AA7-8414-4579-AC66-E4946D6FE6F6}" srcOrd="0" destOrd="0" presId="urn:microsoft.com/office/officeart/2005/8/layout/cycle7"/>
+    <dgm:cxn modelId="{DCCB32A8-ABFE-4E24-9C43-A17AA3F9E258}" srcId="{F7F96578-69C2-4331-9C2D-F8E486E5141A}" destId="{A78118B7-4D32-4C73-86A1-4335CA1CE170}" srcOrd="2" destOrd="0" parTransId="{D51F3989-1000-427C-98B9-0BA8DDDD09FD}" sibTransId="{CC3C8CE3-2373-433F-ADFA-70C312F93362}"/>
+    <dgm:cxn modelId="{B26E6DC3-9AD1-498C-BA7D-44D58B94C880}" type="presOf" srcId="{9D8B238B-A895-429B-8A78-DC1E29FE1164}" destId="{D9FA8687-314B-4D7D-82EC-4ABB5E3F9E5E}" srcOrd="0" destOrd="0" presId="urn:microsoft.com/office/officeart/2005/8/layout/cycle7"/>
+    <dgm:cxn modelId="{7270F1C5-DC88-46E2-B816-5E89C2BE03E9}" type="presOf" srcId="{CC3C8CE3-2373-433F-ADFA-70C312F93362}" destId="{A00D2CF8-A667-49AF-9CE2-3E3C3A1BA5A1}" srcOrd="1" destOrd="0" presId="urn:microsoft.com/office/officeart/2005/8/layout/cycle7"/>
+    <dgm:cxn modelId="{2F48B5B6-A83F-4ED0-ACC2-1D63054B853E}" type="presOf" srcId="{F7F96578-69C2-4331-9C2D-F8E486E5141A}" destId="{DF2CA64E-CA58-4998-B137-8052DFA7BA94}" srcOrd="0" destOrd="0" presId="urn:microsoft.com/office/officeart/2005/8/layout/cycle7"/>
+    <dgm:cxn modelId="{F35F8188-A48E-4B29-B05E-FA061F94BC32}" type="presOf" srcId="{9312C4DE-CD97-4C8E-BEC9-BD2D604F0ECC}" destId="{83A47827-8C93-4A80-80B9-C2315281BF3F}" srcOrd="0" destOrd="0" presId="urn:microsoft.com/office/officeart/2005/8/layout/cycle7"/>
+    <dgm:cxn modelId="{2347574B-2766-4629-8D14-DB77D2EBE0CF}" srcId="{F7F96578-69C2-4331-9C2D-F8E486E5141A}" destId="{9D8B238B-A895-429B-8A78-DC1E29FE1164}" srcOrd="1" destOrd="0" parTransId="{BB96BEEC-B081-4B0B-AD46-7CCE885EAEAF}" sibTransId="{619DE848-D1CE-467B-BC73-23A2AC1EA3EB}"/>
+    <dgm:cxn modelId="{8E365EC5-EE50-4D33-96A7-76D2BA95DAD6}" type="presOf" srcId="{CC3C8CE3-2373-433F-ADFA-70C312F93362}" destId="{29217C78-B82D-4363-9771-4C049092B75D}" srcOrd="0" destOrd="0" presId="urn:microsoft.com/office/officeart/2005/8/layout/cycle7"/>
+    <dgm:cxn modelId="{8DA45E62-3006-4005-B545-3865F8A18136}" srcId="{F7F96578-69C2-4331-9C2D-F8E486E5141A}" destId="{9312C4DE-CD97-4C8E-BEC9-BD2D604F0ECC}" srcOrd="0" destOrd="0" parTransId="{29A34C81-3742-4A1C-8053-40B2B9E8EED7}" sibTransId="{570D95BD-31CA-4A3B-A920-14E82BBABB56}"/>
+    <dgm:cxn modelId="{CE8E0831-7F0E-4FC9-918C-A093537244E3}" type="presParOf" srcId="{DF2CA64E-CA58-4998-B137-8052DFA7BA94}" destId="{83A47827-8C93-4A80-80B9-C2315281BF3F}" srcOrd="0" destOrd="0" presId="urn:microsoft.com/office/officeart/2005/8/layout/cycle7"/>
+    <dgm:cxn modelId="{7DCE9D5E-48A3-4C1D-8D36-5B6D5B25DA2A}" type="presParOf" srcId="{DF2CA64E-CA58-4998-B137-8052DFA7BA94}" destId="{70406540-4A20-41A2-A819-6ECDB9628D4A}" srcOrd="1" destOrd="0" presId="urn:microsoft.com/office/officeart/2005/8/layout/cycle7"/>
+    <dgm:cxn modelId="{8693E6A4-D59D-486B-BA4C-223DED9DAF21}" type="presParOf" srcId="{70406540-4A20-41A2-A819-6ECDB9628D4A}" destId="{D2314FB2-0FC6-429E-86D1-5FA53312A967}" srcOrd="0" destOrd="0" presId="urn:microsoft.com/office/officeart/2005/8/layout/cycle7"/>
+    <dgm:cxn modelId="{6E5894F0-21AD-4949-88EE-061BF134EF30}" type="presParOf" srcId="{DF2CA64E-CA58-4998-B137-8052DFA7BA94}" destId="{D9FA8687-314B-4D7D-82EC-4ABB5E3F9E5E}" srcOrd="2" destOrd="0" presId="urn:microsoft.com/office/officeart/2005/8/layout/cycle7"/>
+    <dgm:cxn modelId="{3C5EA513-2FEB-4BCC-BE94-A8A71627CAE8}" type="presParOf" srcId="{DF2CA64E-CA58-4998-B137-8052DFA7BA94}" destId="{1B6E2D85-4F73-4050-B527-EAFD98CD98A1}" srcOrd="3" destOrd="0" presId="urn:microsoft.com/office/officeart/2005/8/layout/cycle7"/>
+    <dgm:cxn modelId="{CCA79FF8-62BF-486A-A424-F4710503F7C8}" type="presParOf" srcId="{1B6E2D85-4F73-4050-B527-EAFD98CD98A1}" destId="{201A9363-CC31-40BB-8553-4CA3F65E03C3}" srcOrd="0" destOrd="0" presId="urn:microsoft.com/office/officeart/2005/8/layout/cycle7"/>
+    <dgm:cxn modelId="{CAD9A26F-C6DA-4BE9-9F20-8D602142A879}" type="presParOf" srcId="{DF2CA64E-CA58-4998-B137-8052DFA7BA94}" destId="{04DC8AA7-8414-4579-AC66-E4946D6FE6F6}" srcOrd="4" destOrd="0" presId="urn:microsoft.com/office/officeart/2005/8/layout/cycle7"/>
+    <dgm:cxn modelId="{1C6406A2-090F-4DC7-9E5A-E040B3B65046}" type="presParOf" srcId="{DF2CA64E-CA58-4998-B137-8052DFA7BA94}" destId="{29217C78-B82D-4363-9771-4C049092B75D}" srcOrd="5" destOrd="0" presId="urn:microsoft.com/office/officeart/2005/8/layout/cycle7"/>
+    <dgm:cxn modelId="{1BBF8CF4-A083-4E1F-BB38-D823937976EA}" type="presParOf" srcId="{29217C78-B82D-4363-9771-4C049092B75D}" destId="{A00D2CF8-A667-49AF-9CE2-3E3C3A1BA5A1}" srcOrd="0" destOrd="0" presId="urn:microsoft.com/office/officeart/2005/8/layout/cycle7"/>
+  </dgm:cxnLst>
+  <dgm:bg/>
+  <dgm:whole/>
+  <dgm:extLst>
+    <a:ext uri="http://schemas.microsoft.com/office/drawing/2008/diagram">
+      <dsp:dataModelExt xmlns:dsp="http://schemas.microsoft.com/office/drawing/2008/diagram" relId="rId6" minVer="http://schemas.openxmlformats.org/drawingml/2006/diagram"/>
+    </a:ext>
+  </dgm:extLst>
+</dgm:dataModel>
+</file>
+
+<file path=ppt/diagrams/drawing1.xml><?xml version="1.0" encoding="utf-8"?>
+<dsp:drawing xmlns:dgm="http://schemas.openxmlformats.org/drawingml/2006/diagram" xmlns:dsp="http://schemas.microsoft.com/office/drawing/2008/diagram" xmlns:a="http://schemas.openxmlformats.org/drawingml/2006/main">
+  <dsp:spTree>
+    <dsp:nvGrpSpPr>
+      <dsp:cNvPr id="0" name=""/>
+      <dsp:cNvGrpSpPr/>
+    </dsp:nvGrpSpPr>
+    <dsp:grpSpPr/>
+    <dsp:sp modelId="{83A47827-8C93-4A80-80B9-C2315281BF3F}">
+      <dsp:nvSpPr>
+        <dsp:cNvPr id="0" name=""/>
+        <dsp:cNvSpPr/>
+      </dsp:nvSpPr>
+      <dsp:spPr>
+        <a:xfrm>
+          <a:off x="2662874" y="1518"/>
+          <a:ext cx="2328380" cy="1164190"/>
+        </a:xfrm>
+        <a:prstGeom prst="roundRect">
+          <a:avLst>
+            <a:gd name="adj" fmla="val 10000"/>
+          </a:avLst>
+        </a:prstGeom>
+        <a:solidFill>
+          <a:schemeClr val="accent6">
+            <a:hueOff val="0"/>
+            <a:satOff val="0"/>
+            <a:lumOff val="0"/>
+            <a:alphaOff val="0"/>
+          </a:schemeClr>
+        </a:solidFill>
+        <a:ln w="12700" cap="flat" cmpd="sng" algn="ctr">
+          <a:solidFill>
+            <a:schemeClr val="lt1">
+              <a:hueOff val="0"/>
+              <a:satOff val="0"/>
+              <a:lumOff val="0"/>
+              <a:alphaOff val="0"/>
+            </a:schemeClr>
+          </a:solidFill>
+          <a:prstDash val="solid"/>
+          <a:miter lim="800000"/>
+        </a:ln>
+        <a:effectLst/>
+      </dsp:spPr>
+      <dsp:style>
+        <a:lnRef idx="2">
+          <a:scrgbClr r="0" g="0" b="0"/>
+        </a:lnRef>
+        <a:fillRef idx="1">
+          <a:scrgbClr r="0" g="0" b="0"/>
+        </a:fillRef>
+        <a:effectRef idx="0">
+          <a:scrgbClr r="0" g="0" b="0"/>
+        </a:effectRef>
+        <a:fontRef idx="minor">
+          <a:schemeClr val="lt1"/>
+        </a:fontRef>
+      </dsp:style>
+      <dsp:txBody>
+        <a:bodyPr spcFirstLastPara="0" vert="horz" wrap="square" lIns="80010" tIns="80010" rIns="80010" bIns="80010" numCol="1" spcCol="1270" anchor="ctr" anchorCtr="0">
+          <a:noAutofit/>
+        </a:bodyPr>
+        <a:lstStyle/>
+        <a:p>
+          <a:pPr lvl="0" algn="ctr" defTabSz="933450">
+            <a:lnSpc>
+              <a:spcPct val="90000"/>
+            </a:lnSpc>
+            <a:spcBef>
+              <a:spcPct val="0"/>
+            </a:spcBef>
+            <a:spcAft>
+              <a:spcPct val="35000"/>
+            </a:spcAft>
+          </a:pPr>
+          <a:r>
+            <a:rPr lang="en-US" sz="2100" kern="1200" dirty="0" smtClean="0"/>
+            <a:t>Understand Terms in Context</a:t>
+          </a:r>
+          <a:endParaRPr lang="en-US" sz="2100" kern="1200" dirty="0"/>
+        </a:p>
+      </dsp:txBody>
+      <dsp:txXfrm>
+        <a:off x="2696972" y="35616"/>
+        <a:ext cx="2260184" cy="1095994"/>
+      </dsp:txXfrm>
+    </dsp:sp>
+    <dsp:sp modelId="{70406540-4A20-41A2-A819-6ECDB9628D4A}">
+      <dsp:nvSpPr>
+        <dsp:cNvPr id="0" name=""/>
+        <dsp:cNvSpPr/>
+      </dsp:nvSpPr>
+      <dsp:spPr>
+        <a:xfrm rot="2965901">
+          <a:off x="4213337" y="1576271"/>
+          <a:ext cx="1276023" cy="407466"/>
+        </a:xfrm>
+        <a:prstGeom prst="leftRightArrow">
+          <a:avLst>
+            <a:gd name="adj1" fmla="val 60000"/>
+            <a:gd name="adj2" fmla="val 50000"/>
+          </a:avLst>
+        </a:prstGeom>
+        <a:solidFill>
+          <a:schemeClr val="accent6">
+            <a:tint val="60000"/>
+            <a:hueOff val="0"/>
+            <a:satOff val="0"/>
+            <a:lumOff val="0"/>
+            <a:alphaOff val="0"/>
+          </a:schemeClr>
+        </a:solidFill>
+        <a:ln>
+          <a:noFill/>
+        </a:ln>
+        <a:effectLst/>
+      </dsp:spPr>
+      <dsp:style>
+        <a:lnRef idx="0">
+          <a:scrgbClr r="0" g="0" b="0"/>
+        </a:lnRef>
+        <a:fillRef idx="1">
+          <a:scrgbClr r="0" g="0" b="0"/>
+        </a:fillRef>
+        <a:effectRef idx="0">
+          <a:scrgbClr r="0" g="0" b="0"/>
+        </a:effectRef>
+        <a:fontRef idx="minor">
+          <a:schemeClr val="lt1"/>
+        </a:fontRef>
+      </dsp:style>
+      <dsp:txBody>
+        <a:bodyPr spcFirstLastPara="0" vert="horz" wrap="square" lIns="0" tIns="0" rIns="0" bIns="0" numCol="1" spcCol="1270" anchor="ctr" anchorCtr="0">
+          <a:noAutofit/>
+        </a:bodyPr>
+        <a:lstStyle/>
+        <a:p>
+          <a:pPr lvl="0" algn="ctr" defTabSz="755650">
+            <a:lnSpc>
+              <a:spcPct val="90000"/>
+            </a:lnSpc>
+            <a:spcBef>
+              <a:spcPct val="0"/>
+            </a:spcBef>
+            <a:spcAft>
+              <a:spcPct val="35000"/>
+            </a:spcAft>
+          </a:pPr>
+          <a:endParaRPr lang="en-US" sz="1700" kern="1200"/>
+        </a:p>
+      </dsp:txBody>
+      <dsp:txXfrm>
+        <a:off x="4335577" y="1657764"/>
+        <a:ext cx="1031543" cy="244480"/>
+      </dsp:txXfrm>
+    </dsp:sp>
+    <dsp:sp modelId="{D9FA8687-314B-4D7D-82EC-4ABB5E3F9E5E}">
+      <dsp:nvSpPr>
+        <dsp:cNvPr id="0" name=""/>
+        <dsp:cNvSpPr/>
+      </dsp:nvSpPr>
+      <dsp:spPr>
+        <a:xfrm>
+          <a:off x="4711442" y="2394300"/>
+          <a:ext cx="2328380" cy="1164190"/>
+        </a:xfrm>
+        <a:prstGeom prst="roundRect">
+          <a:avLst>
+            <a:gd name="adj" fmla="val 10000"/>
+          </a:avLst>
+        </a:prstGeom>
+        <a:solidFill>
+          <a:schemeClr val="accent6">
+            <a:hueOff val="0"/>
+            <a:satOff val="0"/>
+            <a:lumOff val="0"/>
+            <a:alphaOff val="0"/>
+          </a:schemeClr>
+        </a:solidFill>
+        <a:ln w="12700" cap="flat" cmpd="sng" algn="ctr">
+          <a:solidFill>
+            <a:schemeClr val="lt1">
+              <a:hueOff val="0"/>
+              <a:satOff val="0"/>
+              <a:lumOff val="0"/>
+              <a:alphaOff val="0"/>
+            </a:schemeClr>
+          </a:solidFill>
+          <a:prstDash val="solid"/>
+          <a:miter lim="800000"/>
+        </a:ln>
+        <a:effectLst/>
+      </dsp:spPr>
+      <dsp:style>
+        <a:lnRef idx="2">
+          <a:scrgbClr r="0" g="0" b="0"/>
+        </a:lnRef>
+        <a:fillRef idx="1">
+          <a:scrgbClr r="0" g="0" b="0"/>
+        </a:fillRef>
+        <a:effectRef idx="0">
+          <a:scrgbClr r="0" g="0" b="0"/>
+        </a:effectRef>
+        <a:fontRef idx="minor">
+          <a:schemeClr val="lt1"/>
+        </a:fontRef>
+      </dsp:style>
+      <dsp:txBody>
+        <a:bodyPr spcFirstLastPara="0" vert="horz" wrap="square" lIns="80010" tIns="80010" rIns="80010" bIns="80010" numCol="1" spcCol="1270" anchor="ctr" anchorCtr="0">
+          <a:noAutofit/>
+        </a:bodyPr>
+        <a:lstStyle/>
+        <a:p>
+          <a:pPr lvl="0" algn="ctr" defTabSz="933450">
+            <a:lnSpc>
+              <a:spcPct val="90000"/>
+            </a:lnSpc>
+            <a:spcBef>
+              <a:spcPct val="0"/>
+            </a:spcBef>
+            <a:spcAft>
+              <a:spcPct val="35000"/>
+            </a:spcAft>
+          </a:pPr>
+          <a:r>
+            <a:rPr lang="en-US" sz="2100" kern="1200" dirty="0" smtClean="0"/>
+            <a:t>Build Regular Expressions to Capture Categories</a:t>
+          </a:r>
+          <a:endParaRPr lang="en-US" sz="2100" kern="1200" dirty="0"/>
+        </a:p>
+      </dsp:txBody>
+      <dsp:txXfrm>
+        <a:off x="4745540" y="2428398"/>
+        <a:ext cx="2260184" cy="1095994"/>
+      </dsp:txXfrm>
+    </dsp:sp>
+    <dsp:sp modelId="{1B6E2D85-4F73-4050-B527-EAFD98CD98A1}">
+      <dsp:nvSpPr>
+        <dsp:cNvPr id="0" name=""/>
+        <dsp:cNvSpPr/>
+      </dsp:nvSpPr>
+      <dsp:spPr>
+        <a:xfrm rot="10801884">
+          <a:off x="3219337" y="2771556"/>
+          <a:ext cx="1276023" cy="407466"/>
+        </a:xfrm>
+        <a:prstGeom prst="leftRightArrow">
+          <a:avLst>
+            <a:gd name="adj1" fmla="val 60000"/>
+            <a:gd name="adj2" fmla="val 50000"/>
+          </a:avLst>
+        </a:prstGeom>
+        <a:solidFill>
+          <a:schemeClr val="accent6">
+            <a:tint val="60000"/>
+            <a:hueOff val="0"/>
+            <a:satOff val="0"/>
+            <a:lumOff val="0"/>
+            <a:alphaOff val="0"/>
+          </a:schemeClr>
+        </a:solidFill>
+        <a:ln>
+          <a:noFill/>
+        </a:ln>
+        <a:effectLst/>
+      </dsp:spPr>
+      <dsp:style>
+        <a:lnRef idx="0">
+          <a:scrgbClr r="0" g="0" b="0"/>
+        </a:lnRef>
+        <a:fillRef idx="1">
+          <a:scrgbClr r="0" g="0" b="0"/>
+        </a:fillRef>
+        <a:effectRef idx="0">
+          <a:scrgbClr r="0" g="0" b="0"/>
+        </a:effectRef>
+        <a:fontRef idx="minor">
+          <a:schemeClr val="lt1"/>
+        </a:fontRef>
+      </dsp:style>
+      <dsp:txBody>
+        <a:bodyPr spcFirstLastPara="0" vert="horz" wrap="square" lIns="0" tIns="0" rIns="0" bIns="0" numCol="1" spcCol="1270" anchor="ctr" anchorCtr="0">
+          <a:noAutofit/>
+        </a:bodyPr>
+        <a:lstStyle/>
+        <a:p>
+          <a:pPr lvl="0" algn="ctr" defTabSz="755650">
+            <a:lnSpc>
+              <a:spcPct val="90000"/>
+            </a:lnSpc>
+            <a:spcBef>
+              <a:spcPct val="0"/>
+            </a:spcBef>
+            <a:spcAft>
+              <a:spcPct val="35000"/>
+            </a:spcAft>
+          </a:pPr>
+          <a:endParaRPr lang="en-US" sz="1700" kern="1200"/>
+        </a:p>
+      </dsp:txBody>
+      <dsp:txXfrm rot="10800000">
+        <a:off x="3341577" y="2853049"/>
+        <a:ext cx="1031543" cy="244480"/>
+      </dsp:txXfrm>
+    </dsp:sp>
+    <dsp:sp modelId="{04DC8AA7-8414-4579-AC66-E4946D6FE6F6}">
+      <dsp:nvSpPr>
+        <dsp:cNvPr id="0" name=""/>
+        <dsp:cNvSpPr/>
+      </dsp:nvSpPr>
+      <dsp:spPr>
+        <a:xfrm>
+          <a:off x="674875" y="2392088"/>
+          <a:ext cx="2328380" cy="1164190"/>
+        </a:xfrm>
+        <a:prstGeom prst="roundRect">
+          <a:avLst>
+            <a:gd name="adj" fmla="val 10000"/>
+          </a:avLst>
+        </a:prstGeom>
+        <a:solidFill>
+          <a:schemeClr val="accent6">
+            <a:hueOff val="0"/>
+            <a:satOff val="0"/>
+            <a:lumOff val="0"/>
+            <a:alphaOff val="0"/>
+          </a:schemeClr>
+        </a:solidFill>
+        <a:ln w="12700" cap="flat" cmpd="sng" algn="ctr">
+          <a:solidFill>
+            <a:schemeClr val="lt1">
+              <a:hueOff val="0"/>
+              <a:satOff val="0"/>
+              <a:lumOff val="0"/>
+              <a:alphaOff val="0"/>
+            </a:schemeClr>
+          </a:solidFill>
+          <a:prstDash val="solid"/>
+          <a:miter lim="800000"/>
+        </a:ln>
+        <a:effectLst/>
+      </dsp:spPr>
+      <dsp:style>
+        <a:lnRef idx="2">
+          <a:scrgbClr r="0" g="0" b="0"/>
+        </a:lnRef>
+        <a:fillRef idx="1">
+          <a:scrgbClr r="0" g="0" b="0"/>
+        </a:fillRef>
+        <a:effectRef idx="0">
+          <a:scrgbClr r="0" g="0" b="0"/>
+        </a:effectRef>
+        <a:fontRef idx="minor">
+          <a:schemeClr val="lt1"/>
+        </a:fontRef>
+      </dsp:style>
+      <dsp:txBody>
+        <a:bodyPr spcFirstLastPara="0" vert="horz" wrap="square" lIns="80010" tIns="80010" rIns="80010" bIns="80010" numCol="1" spcCol="1270" anchor="ctr" anchorCtr="0">
+          <a:noAutofit/>
+        </a:bodyPr>
+        <a:lstStyle/>
+        <a:p>
+          <a:pPr lvl="0" algn="ctr" defTabSz="933450">
+            <a:lnSpc>
+              <a:spcPct val="90000"/>
+            </a:lnSpc>
+            <a:spcBef>
+              <a:spcPct val="0"/>
+            </a:spcBef>
+            <a:spcAft>
+              <a:spcPct val="35000"/>
+            </a:spcAft>
+          </a:pPr>
+          <a:r>
+            <a:rPr lang="en-US" sz="2100" kern="1200" dirty="0" smtClean="0"/>
+            <a:t>Describe Categories</a:t>
+          </a:r>
+          <a:endParaRPr lang="en-US" sz="2100" kern="1200" dirty="0"/>
+        </a:p>
+      </dsp:txBody>
+      <dsp:txXfrm>
+        <a:off x="708973" y="2426186"/>
+        <a:ext cx="2260184" cy="1095994"/>
+      </dsp:txXfrm>
+    </dsp:sp>
+    <dsp:sp modelId="{29217C78-B82D-4363-9771-4C049092B75D}">
+      <dsp:nvSpPr>
+        <dsp:cNvPr id="0" name=""/>
+        <dsp:cNvSpPr/>
+      </dsp:nvSpPr>
+      <dsp:spPr>
+        <a:xfrm rot="18584816">
+          <a:off x="2195053" y="1575165"/>
+          <a:ext cx="1276023" cy="407466"/>
+        </a:xfrm>
+        <a:prstGeom prst="leftRightArrow">
+          <a:avLst>
+            <a:gd name="adj1" fmla="val 60000"/>
+            <a:gd name="adj2" fmla="val 50000"/>
+          </a:avLst>
+        </a:prstGeom>
+        <a:solidFill>
+          <a:schemeClr val="accent6">
+            <a:tint val="60000"/>
+            <a:hueOff val="0"/>
+            <a:satOff val="0"/>
+            <a:lumOff val="0"/>
+            <a:alphaOff val="0"/>
+          </a:schemeClr>
+        </a:solidFill>
+        <a:ln>
+          <a:noFill/>
+        </a:ln>
+        <a:effectLst/>
+      </dsp:spPr>
+      <dsp:style>
+        <a:lnRef idx="0">
+          <a:scrgbClr r="0" g="0" b="0"/>
+        </a:lnRef>
+        <a:fillRef idx="1">
+          <a:scrgbClr r="0" g="0" b="0"/>
+        </a:fillRef>
+        <a:effectRef idx="0">
+          <a:scrgbClr r="0" g="0" b="0"/>
+        </a:effectRef>
+        <a:fontRef idx="minor">
+          <a:schemeClr val="lt1"/>
+        </a:fontRef>
+      </dsp:style>
+      <dsp:txBody>
+        <a:bodyPr spcFirstLastPara="0" vert="horz" wrap="square" lIns="0" tIns="0" rIns="0" bIns="0" numCol="1" spcCol="1270" anchor="ctr" anchorCtr="0">
+          <a:noAutofit/>
+        </a:bodyPr>
+        <a:lstStyle/>
+        <a:p>
+          <a:pPr lvl="0" algn="ctr" defTabSz="755650">
+            <a:lnSpc>
+              <a:spcPct val="90000"/>
+            </a:lnSpc>
+            <a:spcBef>
+              <a:spcPct val="0"/>
+            </a:spcBef>
+            <a:spcAft>
+              <a:spcPct val="35000"/>
+            </a:spcAft>
+          </a:pPr>
+          <a:endParaRPr lang="en-US" sz="1700" kern="1200"/>
+        </a:p>
+      </dsp:txBody>
+      <dsp:txXfrm>
+        <a:off x="2317293" y="1656658"/>
+        <a:ext cx="1031543" cy="244480"/>
+      </dsp:txXfrm>
+    </dsp:sp>
+  </dsp:spTree>
+</dsp:drawing>
+</file>
+
+<file path=ppt/diagrams/drawing2.xml><?xml version="1.0" encoding="utf-8"?>
+<dsp:drawing xmlns:dgm="http://schemas.openxmlformats.org/drawingml/2006/diagram" xmlns:dsp="http://schemas.microsoft.com/office/drawing/2008/diagram" xmlns:a="http://schemas.openxmlformats.org/drawingml/2006/main">
+  <dsp:spTree>
+    <dsp:nvGrpSpPr>
+      <dsp:cNvPr id="0" name=""/>
+      <dsp:cNvGrpSpPr/>
+    </dsp:nvGrpSpPr>
+    <dsp:grpSpPr/>
+    <dsp:sp modelId="{83A47827-8C93-4A80-80B9-C2315281BF3F}">
+      <dsp:nvSpPr>
+        <dsp:cNvPr id="0" name=""/>
+        <dsp:cNvSpPr/>
+      </dsp:nvSpPr>
+      <dsp:spPr>
+        <a:xfrm>
+          <a:off x="2662874" y="1518"/>
+          <a:ext cx="2328380" cy="1164190"/>
+        </a:xfrm>
+        <a:prstGeom prst="roundRect">
+          <a:avLst>
+            <a:gd name="adj" fmla="val 10000"/>
+          </a:avLst>
+        </a:prstGeom>
+        <a:solidFill>
+          <a:schemeClr val="accent6">
+            <a:hueOff val="0"/>
+            <a:satOff val="0"/>
+            <a:lumOff val="0"/>
+            <a:alphaOff val="0"/>
+          </a:schemeClr>
+        </a:solidFill>
+        <a:ln w="12700" cap="flat" cmpd="sng" algn="ctr">
+          <a:solidFill>
+            <a:schemeClr val="lt1">
+              <a:hueOff val="0"/>
+              <a:satOff val="0"/>
+              <a:lumOff val="0"/>
+              <a:alphaOff val="0"/>
+            </a:schemeClr>
+          </a:solidFill>
+          <a:prstDash val="solid"/>
+          <a:miter lim="800000"/>
+        </a:ln>
+        <a:effectLst/>
+      </dsp:spPr>
+      <dsp:style>
+        <a:lnRef idx="2">
+          <a:scrgbClr r="0" g="0" b="0"/>
+        </a:lnRef>
+        <a:fillRef idx="1">
+          <a:scrgbClr r="0" g="0" b="0"/>
+        </a:fillRef>
+        <a:effectRef idx="0">
+          <a:scrgbClr r="0" g="0" b="0"/>
+        </a:effectRef>
+        <a:fontRef idx="minor">
+          <a:schemeClr val="lt1"/>
+        </a:fontRef>
+      </dsp:style>
+      <dsp:txBody>
+        <a:bodyPr spcFirstLastPara="0" vert="horz" wrap="square" lIns="80010" tIns="80010" rIns="80010" bIns="80010" numCol="1" spcCol="1270" anchor="ctr" anchorCtr="0">
+          <a:noAutofit/>
+        </a:bodyPr>
+        <a:lstStyle/>
+        <a:p>
+          <a:pPr lvl="0" algn="ctr" defTabSz="933450">
+            <a:lnSpc>
+              <a:spcPct val="90000"/>
+            </a:lnSpc>
+            <a:spcBef>
+              <a:spcPct val="0"/>
+            </a:spcBef>
+            <a:spcAft>
+              <a:spcPct val="35000"/>
+            </a:spcAft>
+          </a:pPr>
+          <a:r>
+            <a:rPr lang="en-US" sz="2100" kern="1200" dirty="0" smtClean="0"/>
+            <a:t>Understand Terms in Context</a:t>
+          </a:r>
+          <a:endParaRPr lang="en-US" sz="2100" kern="1200" dirty="0"/>
+        </a:p>
+      </dsp:txBody>
+      <dsp:txXfrm>
+        <a:off x="2696972" y="35616"/>
+        <a:ext cx="2260184" cy="1095994"/>
+      </dsp:txXfrm>
+    </dsp:sp>
+    <dsp:sp modelId="{70406540-4A20-41A2-A819-6ECDB9628D4A}">
+      <dsp:nvSpPr>
+        <dsp:cNvPr id="0" name=""/>
+        <dsp:cNvSpPr/>
+      </dsp:nvSpPr>
+      <dsp:spPr>
+        <a:xfrm rot="2965901">
+          <a:off x="4213337" y="1576271"/>
+          <a:ext cx="1276023" cy="407466"/>
+        </a:xfrm>
+        <a:prstGeom prst="leftRightArrow">
+          <a:avLst>
+            <a:gd name="adj1" fmla="val 60000"/>
+            <a:gd name="adj2" fmla="val 50000"/>
+          </a:avLst>
+        </a:prstGeom>
+        <a:solidFill>
+          <a:schemeClr val="accent6">
+            <a:tint val="60000"/>
+            <a:hueOff val="0"/>
+            <a:satOff val="0"/>
+            <a:lumOff val="0"/>
+            <a:alphaOff val="0"/>
+          </a:schemeClr>
+        </a:solidFill>
+        <a:ln>
+          <a:noFill/>
+        </a:ln>
+        <a:effectLst/>
+      </dsp:spPr>
+      <dsp:style>
+        <a:lnRef idx="0">
+          <a:scrgbClr r="0" g="0" b="0"/>
+        </a:lnRef>
+        <a:fillRef idx="1">
+          <a:scrgbClr r="0" g="0" b="0"/>
+        </a:fillRef>
+        <a:effectRef idx="0">
+          <a:scrgbClr r="0" g="0" b="0"/>
+        </a:effectRef>
+        <a:fontRef idx="minor">
+          <a:schemeClr val="lt1"/>
+        </a:fontRef>
+      </dsp:style>
+      <dsp:txBody>
+        <a:bodyPr spcFirstLastPara="0" vert="horz" wrap="square" lIns="0" tIns="0" rIns="0" bIns="0" numCol="1" spcCol="1270" anchor="ctr" anchorCtr="0">
+          <a:noAutofit/>
+        </a:bodyPr>
+        <a:lstStyle/>
+        <a:p>
+          <a:pPr lvl="0" algn="ctr" defTabSz="755650">
+            <a:lnSpc>
+              <a:spcPct val="90000"/>
+            </a:lnSpc>
+            <a:spcBef>
+              <a:spcPct val="0"/>
+            </a:spcBef>
+            <a:spcAft>
+              <a:spcPct val="35000"/>
+            </a:spcAft>
+          </a:pPr>
+          <a:endParaRPr lang="en-US" sz="1700" kern="1200"/>
+        </a:p>
+      </dsp:txBody>
+      <dsp:txXfrm>
+        <a:off x="4335577" y="1657764"/>
+        <a:ext cx="1031543" cy="244480"/>
+      </dsp:txXfrm>
+    </dsp:sp>
+    <dsp:sp modelId="{D9FA8687-314B-4D7D-82EC-4ABB5E3F9E5E}">
+      <dsp:nvSpPr>
+        <dsp:cNvPr id="0" name=""/>
+        <dsp:cNvSpPr/>
+      </dsp:nvSpPr>
+      <dsp:spPr>
+        <a:xfrm>
+          <a:off x="4711442" y="2394300"/>
+          <a:ext cx="2328380" cy="1164190"/>
+        </a:xfrm>
+        <a:prstGeom prst="roundRect">
+          <a:avLst>
+            <a:gd name="adj" fmla="val 10000"/>
+          </a:avLst>
+        </a:prstGeom>
+        <a:solidFill>
+          <a:schemeClr val="accent6">
+            <a:hueOff val="0"/>
+            <a:satOff val="0"/>
+            <a:lumOff val="0"/>
+            <a:alphaOff val="0"/>
+          </a:schemeClr>
+        </a:solidFill>
+        <a:ln w="12700" cap="flat" cmpd="sng" algn="ctr">
+          <a:solidFill>
+            <a:schemeClr val="lt1">
+              <a:hueOff val="0"/>
+              <a:satOff val="0"/>
+              <a:lumOff val="0"/>
+              <a:alphaOff val="0"/>
+            </a:schemeClr>
+          </a:solidFill>
+          <a:prstDash val="solid"/>
+          <a:miter lim="800000"/>
+        </a:ln>
+        <a:effectLst/>
+      </dsp:spPr>
+      <dsp:style>
+        <a:lnRef idx="2">
+          <a:scrgbClr r="0" g="0" b="0"/>
+        </a:lnRef>
+        <a:fillRef idx="1">
+          <a:scrgbClr r="0" g="0" b="0"/>
+        </a:fillRef>
+        <a:effectRef idx="0">
+          <a:scrgbClr r="0" g="0" b="0"/>
+        </a:effectRef>
+        <a:fontRef idx="minor">
+          <a:schemeClr val="lt1"/>
+        </a:fontRef>
+      </dsp:style>
+      <dsp:txBody>
+        <a:bodyPr spcFirstLastPara="0" vert="horz" wrap="square" lIns="80010" tIns="80010" rIns="80010" bIns="80010" numCol="1" spcCol="1270" anchor="ctr" anchorCtr="0">
+          <a:noAutofit/>
+        </a:bodyPr>
+        <a:lstStyle/>
+        <a:p>
+          <a:pPr lvl="0" algn="ctr" defTabSz="933450">
+            <a:lnSpc>
+              <a:spcPct val="90000"/>
+            </a:lnSpc>
+            <a:spcBef>
+              <a:spcPct val="0"/>
+            </a:spcBef>
+            <a:spcAft>
+              <a:spcPct val="35000"/>
+            </a:spcAft>
+          </a:pPr>
+          <a:r>
+            <a:rPr lang="en-US" sz="2100" kern="1200" dirty="0" smtClean="0"/>
+            <a:t>Build Regular Expressions to Capture Categories</a:t>
+          </a:r>
+          <a:endParaRPr lang="en-US" sz="2100" kern="1200" dirty="0"/>
+        </a:p>
+      </dsp:txBody>
+      <dsp:txXfrm>
+        <a:off x="4745540" y="2428398"/>
+        <a:ext cx="2260184" cy="1095994"/>
+      </dsp:txXfrm>
+    </dsp:sp>
+    <dsp:sp modelId="{1B6E2D85-4F73-4050-B527-EAFD98CD98A1}">
+      <dsp:nvSpPr>
+        <dsp:cNvPr id="0" name=""/>
+        <dsp:cNvSpPr/>
+      </dsp:nvSpPr>
+      <dsp:spPr>
+        <a:xfrm rot="10801884">
+          <a:off x="3219337" y="2771556"/>
+          <a:ext cx="1276023" cy="407466"/>
+        </a:xfrm>
+        <a:prstGeom prst="leftRightArrow">
+          <a:avLst>
+            <a:gd name="adj1" fmla="val 60000"/>
+            <a:gd name="adj2" fmla="val 50000"/>
+          </a:avLst>
+        </a:prstGeom>
+        <a:solidFill>
+          <a:schemeClr val="accent6">
+            <a:tint val="60000"/>
+            <a:hueOff val="0"/>
+            <a:satOff val="0"/>
+            <a:lumOff val="0"/>
+            <a:alphaOff val="0"/>
+          </a:schemeClr>
+        </a:solidFill>
+        <a:ln>
+          <a:noFill/>
+        </a:ln>
+        <a:effectLst/>
+      </dsp:spPr>
+      <dsp:style>
+        <a:lnRef idx="0">
+          <a:scrgbClr r="0" g="0" b="0"/>
+        </a:lnRef>
+        <a:fillRef idx="1">
+          <a:scrgbClr r="0" g="0" b="0"/>
+        </a:fillRef>
+        <a:effectRef idx="0">
+          <a:scrgbClr r="0" g="0" b="0"/>
+        </a:effectRef>
+        <a:fontRef idx="minor">
+          <a:schemeClr val="lt1"/>
+        </a:fontRef>
+      </dsp:style>
+      <dsp:txBody>
+        <a:bodyPr spcFirstLastPara="0" vert="horz" wrap="square" lIns="0" tIns="0" rIns="0" bIns="0" numCol="1" spcCol="1270" anchor="ctr" anchorCtr="0">
+          <a:noAutofit/>
+        </a:bodyPr>
+        <a:lstStyle/>
+        <a:p>
+          <a:pPr lvl="0" algn="ctr" defTabSz="755650">
+            <a:lnSpc>
+              <a:spcPct val="90000"/>
+            </a:lnSpc>
+            <a:spcBef>
+              <a:spcPct val="0"/>
+            </a:spcBef>
+            <a:spcAft>
+              <a:spcPct val="35000"/>
+            </a:spcAft>
+          </a:pPr>
+          <a:endParaRPr lang="en-US" sz="1700" kern="1200"/>
+        </a:p>
+      </dsp:txBody>
+      <dsp:txXfrm rot="10800000">
+        <a:off x="3341577" y="2853049"/>
+        <a:ext cx="1031543" cy="244480"/>
+      </dsp:txXfrm>
+    </dsp:sp>
+    <dsp:sp modelId="{04DC8AA7-8414-4579-AC66-E4946D6FE6F6}">
+      <dsp:nvSpPr>
+        <dsp:cNvPr id="0" name=""/>
+        <dsp:cNvSpPr/>
+      </dsp:nvSpPr>
+      <dsp:spPr>
+        <a:xfrm>
+          <a:off x="674875" y="2392088"/>
+          <a:ext cx="2328380" cy="1164190"/>
+        </a:xfrm>
+        <a:prstGeom prst="roundRect">
+          <a:avLst>
+            <a:gd name="adj" fmla="val 10000"/>
+          </a:avLst>
+        </a:prstGeom>
+        <a:solidFill>
+          <a:schemeClr val="accent6">
+            <a:hueOff val="0"/>
+            <a:satOff val="0"/>
+            <a:lumOff val="0"/>
+            <a:alphaOff val="0"/>
+          </a:schemeClr>
+        </a:solidFill>
+        <a:ln w="12700" cap="flat" cmpd="sng" algn="ctr">
+          <a:solidFill>
+            <a:schemeClr val="lt1">
+              <a:hueOff val="0"/>
+              <a:satOff val="0"/>
+              <a:lumOff val="0"/>
+              <a:alphaOff val="0"/>
+            </a:schemeClr>
+          </a:solidFill>
+          <a:prstDash val="solid"/>
+          <a:miter lim="800000"/>
+        </a:ln>
+        <a:effectLst/>
+      </dsp:spPr>
+      <dsp:style>
+        <a:lnRef idx="2">
+          <a:scrgbClr r="0" g="0" b="0"/>
+        </a:lnRef>
+        <a:fillRef idx="1">
+          <a:scrgbClr r="0" g="0" b="0"/>
+        </a:fillRef>
+        <a:effectRef idx="0">
+          <a:scrgbClr r="0" g="0" b="0"/>
+        </a:effectRef>
+        <a:fontRef idx="minor">
+          <a:schemeClr val="lt1"/>
+        </a:fontRef>
+      </dsp:style>
+      <dsp:txBody>
+        <a:bodyPr spcFirstLastPara="0" vert="horz" wrap="square" lIns="80010" tIns="80010" rIns="80010" bIns="80010" numCol="1" spcCol="1270" anchor="ctr" anchorCtr="0">
+          <a:noAutofit/>
+        </a:bodyPr>
+        <a:lstStyle/>
+        <a:p>
+          <a:pPr lvl="0" algn="ctr" defTabSz="933450">
+            <a:lnSpc>
+              <a:spcPct val="90000"/>
+            </a:lnSpc>
+            <a:spcBef>
+              <a:spcPct val="0"/>
+            </a:spcBef>
+            <a:spcAft>
+              <a:spcPct val="35000"/>
+            </a:spcAft>
+          </a:pPr>
+          <a:r>
+            <a:rPr lang="en-US" sz="2100" kern="1200" dirty="0" smtClean="0"/>
+            <a:t>Describe Categories</a:t>
+          </a:r>
+          <a:endParaRPr lang="en-US" sz="2100" kern="1200" dirty="0"/>
+        </a:p>
+      </dsp:txBody>
+      <dsp:txXfrm>
+        <a:off x="708973" y="2426186"/>
+        <a:ext cx="2260184" cy="1095994"/>
+      </dsp:txXfrm>
+    </dsp:sp>
+    <dsp:sp modelId="{29217C78-B82D-4363-9771-4C049092B75D}">
+      <dsp:nvSpPr>
+        <dsp:cNvPr id="0" name=""/>
+        <dsp:cNvSpPr/>
+      </dsp:nvSpPr>
+      <dsp:spPr>
+        <a:xfrm rot="18584816">
+          <a:off x="2195053" y="1575165"/>
+          <a:ext cx="1276023" cy="407466"/>
+        </a:xfrm>
+        <a:prstGeom prst="leftRightArrow">
+          <a:avLst>
+            <a:gd name="adj1" fmla="val 60000"/>
+            <a:gd name="adj2" fmla="val 50000"/>
+          </a:avLst>
+        </a:prstGeom>
+        <a:solidFill>
+          <a:schemeClr val="accent6">
+            <a:tint val="60000"/>
+            <a:hueOff val="0"/>
+            <a:satOff val="0"/>
+            <a:lumOff val="0"/>
+            <a:alphaOff val="0"/>
+          </a:schemeClr>
+        </a:solidFill>
+        <a:ln>
+          <a:noFill/>
+        </a:ln>
+        <a:effectLst/>
+      </dsp:spPr>
+      <dsp:style>
+        <a:lnRef idx="0">
+          <a:scrgbClr r="0" g="0" b="0"/>
+        </a:lnRef>
+        <a:fillRef idx="1">
+          <a:scrgbClr r="0" g="0" b="0"/>
+        </a:fillRef>
+        <a:effectRef idx="0">
+          <a:scrgbClr r="0" g="0" b="0"/>
+        </a:effectRef>
+        <a:fontRef idx="minor">
+          <a:schemeClr val="lt1"/>
+        </a:fontRef>
+      </dsp:style>
+      <dsp:txBody>
+        <a:bodyPr spcFirstLastPara="0" vert="horz" wrap="square" lIns="0" tIns="0" rIns="0" bIns="0" numCol="1" spcCol="1270" anchor="ctr" anchorCtr="0">
+          <a:noAutofit/>
+        </a:bodyPr>
+        <a:lstStyle/>
+        <a:p>
+          <a:pPr lvl="0" algn="ctr" defTabSz="755650">
+            <a:lnSpc>
+              <a:spcPct val="90000"/>
+            </a:lnSpc>
+            <a:spcBef>
+              <a:spcPct val="0"/>
+            </a:spcBef>
+            <a:spcAft>
+              <a:spcPct val="35000"/>
+            </a:spcAft>
+          </a:pPr>
+          <a:endParaRPr lang="en-US" sz="1700" kern="1200"/>
+        </a:p>
+      </dsp:txBody>
+      <dsp:txXfrm>
+        <a:off x="2317293" y="1656658"/>
+        <a:ext cx="1031543" cy="244480"/>
+      </dsp:txXfrm>
+    </dsp:sp>
+  </dsp:spTree>
+</dsp:drawing>
+</file>
+
+<file path=ppt/diagrams/layout1.xml><?xml version="1.0" encoding="utf-8"?>
+<dgm:layoutDef xmlns:dgm="http://schemas.openxmlformats.org/drawingml/2006/diagram" xmlns:a="http://schemas.openxmlformats.org/drawingml/2006/main" uniqueId="urn:microsoft.com/office/officeart/2005/8/layout/cycle7">
+  <dgm:title val=""/>
+  <dgm:desc val=""/>
+  <dgm:catLst>
+    <dgm:cat type="cycle" pri="6000"/>
+  </dgm:catLst>
+  <dgm:sampData>
+    <dgm:dataModel>
+      <dgm:ptLst>
+        <dgm:pt modelId="0" type="doc"/>
+        <dgm:pt modelId="1">
+          <dgm:prSet phldr="1"/>
+        </dgm:pt>
+        <dgm:pt modelId="2">
+          <dgm:prSet phldr="1"/>
+        </dgm:pt>
+        <dgm:pt modelId="3">
+          <dgm:prSet phldr="1"/>
+        </dgm:pt>
+      </dgm:ptLst>
+      <dgm:cxnLst>
+        <dgm:cxn modelId="6" srcId="0" destId="1" srcOrd="0" destOrd="0"/>
+        <dgm:cxn modelId="7" srcId="0" destId="2" srcOrd="1" destOrd="0"/>
+        <dgm:cxn modelId="8" srcId="0" destId="3" srcOrd="2" destOrd="0"/>
+      </dgm:cxnLst>
+      <dgm:bg/>
+      <dgm:whole/>
+    </dgm:dataModel>
+  </dgm:sampData>
+  <dgm:styleData>
+    <dgm:dataModel>
+      <dgm:ptLst>
+        <dgm:pt modelId="0" type="doc"/>
+        <dgm:pt modelId="1"/>
+        <dgm:pt modelId="2"/>
+        <dgm:pt modelId="3"/>
+      </dgm:ptLst>
+      <dgm:cxnLst>
+        <dgm:cxn modelId="4" srcId="0" destId="1" srcOrd="0" destOrd="0"/>
+        <dgm:cxn modelId="5" srcId="0" destId="2" srcOrd="1" destOrd="0"/>
+        <dgm:cxn modelId="6" srcId="0" destId="3" srcOrd="2" destOrd="0"/>
+      </dgm:cxnLst>
+      <dgm:bg/>
+      <dgm:whole/>
+    </dgm:dataModel>
+  </dgm:styleData>
+  <dgm:clrData>
+    <dgm:dataModel>
+      <dgm:ptLst>
+        <dgm:pt modelId="0" type="doc"/>
+        <dgm:pt modelId="1"/>
+        <dgm:pt modelId="2"/>
+        <dgm:pt modelId="3"/>
+        <dgm:pt modelId="4"/>
+        <dgm:pt modelId="5"/>
+        <dgm:pt modelId="6"/>
+      </dgm:ptLst>
+      <dgm:cxnLst>
+        <dgm:cxn modelId="7" srcId="0" destId="1" srcOrd="0" destOrd="0"/>
+        <dgm:cxn modelId="8" srcId="0" destId="2" srcOrd="1" destOrd="0"/>
+        <dgm:cxn modelId="9" srcId="0" destId="3" srcOrd="2" destOrd="0"/>
+        <dgm:cxn modelId="10" srcId="0" destId="4" srcOrd="3" destOrd="0"/>
+        <dgm:cxn modelId="11" srcId="0" destId="5" srcOrd="4" destOrd="0"/>
+        <dgm:cxn modelId="12" srcId="0" destId="6" srcOrd="5" destOrd="0"/>
+      </dgm:cxnLst>
+      <dgm:bg/>
+      <dgm:whole/>
+    </dgm:dataModel>
+  </dgm:clrData>
+  <dgm:layoutNode name="Name0">
+    <dgm:varLst>
+      <dgm:dir/>
+      <dgm:resizeHandles val="exact"/>
+    </dgm:varLst>
+    <dgm:choose name="Name1">
+      <dgm:if name="Name2" func="var" arg="dir" op="equ" val="norm">
+        <dgm:alg type="cycle">
+          <dgm:param type="stAng" val="0"/>
+          <dgm:param type="spanAng" val="360"/>
+        </dgm:alg>
+      </dgm:if>
+      <dgm:else name="Name3">
+        <dgm:alg type="cycle">
+          <dgm:param type="stAng" val="0"/>
+          <dgm:param type="spanAng" val="-360"/>
+        </dgm:alg>
+      </dgm:else>
+    </dgm:choose>
+    <dgm:shape xmlns:r="http://schemas.openxmlformats.org/officeDocument/2006/relationships" r:blip="">
+      <dgm:adjLst/>
+    </dgm:shape>
+    <dgm:presOf/>
+    <dgm:constrLst>
+      <dgm:constr type="diam" refType="w"/>
+      <dgm:constr type="w" for="ch" ptType="node" refType="w"/>
+      <dgm:constr type="primFontSz" for="ch" ptType="node" op="equ" val="65"/>
+      <dgm:constr type="w" for="ch" forName="sibTrans" refType="w" refFor="ch" refPtType="node" op="equ" fact="0.35"/>
+      <dgm:constr type="connDist" for="ch" forName="sibTrans" op="equ"/>
+      <dgm:constr type="primFontSz" for="des" forName="connectorText" op="equ" val="55"/>
+      <dgm:constr type="primFontSz" for="des" forName="connectorText" refType="primFontSz" refFor="ch" refPtType="node" op="lte" fact="0.8"/>
+      <dgm:constr type="sibSp" refType="w" refFor="ch" refPtType="node" op="equ" fact="0.65"/>
+    </dgm:constrLst>
+    <dgm:ruleLst/>
+    <dgm:forEach name="nodesForEach" axis="ch" ptType="node">
+      <dgm:layoutNode name="node">
+        <dgm:varLst>
+          <dgm:bulletEnabled val="1"/>
+        </dgm:varLst>
+        <dgm:alg type="tx"/>
+        <dgm:shape xmlns:r="http://schemas.openxmlformats.org/officeDocument/2006/relationships" type="roundRect" r:blip="">
+          <dgm:adjLst>
+            <dgm:adj idx="1" val="0.1"/>
+          </dgm:adjLst>
+        </dgm:shape>
+        <dgm:presOf axis="desOrSelf" ptType="node"/>
+        <dgm:constrLst>
+          <dgm:constr type="h" refType="w" fact="0.5"/>
+          <dgm:constr type="tMarg" refType="primFontSz" fact="0.3"/>
+          <dgm:constr type="bMarg" refType="primFontSz" fact="0.3"/>
+          <dgm:constr type="lMarg" refType="primFontSz" fact="0.3"/>
+          <dgm:constr type="rMarg" refType="primFontSz" fact="0.3"/>
+        </dgm:constrLst>
+        <dgm:ruleLst>
+          <dgm:rule type="primFontSz" val="5" fact="NaN" max="NaN"/>
+        </dgm:ruleLst>
+      </dgm:layoutNode>
+      <dgm:choose name="Name4">
+        <dgm:if name="Name5" axis="par ch" ptType="doc node" func="cnt" op="gt" val="1">
+          <dgm:forEach name="sibTransForEach" axis="followSib" ptType="sibTrans" hideLastTrans="0" cnt="1">
+            <dgm:layoutNode name="sibTrans">
+              <dgm:choose name="Name6">
+                <dgm:if name="Name7" axis="par ch" ptType="doc node" func="posEven" op="equ" val="1">
+                  <dgm:alg type="conn">
+                    <dgm:param type="begPts" val="radial"/>
+                    <dgm:param type="endPts" val="radial"/>
+                    <dgm:param type="begSty" val="arr"/>
+                    <dgm:param type="endSty" val="arr"/>
+                  </dgm:alg>
+                </dgm:if>
+                <dgm:else name="Name8">
+                  <dgm:alg type="conn">
+                    <dgm:param type="begPts" val="auto"/>
+                    <dgm:param type="endPts" val="auto"/>
+                    <dgm:param type="begSty" val="arr"/>
+                    <dgm:param type="endSty" val="arr"/>
+                  </dgm:alg>
+                </dgm:else>
+              </dgm:choose>
+              <dgm:shape xmlns:r="http://schemas.openxmlformats.org/officeDocument/2006/relationships" type="conn" r:blip="">
+                <dgm:adjLst/>
+              </dgm:shape>
+              <dgm:presOf axis="self"/>
+              <dgm:constrLst>
+                <dgm:constr type="h" refType="w" fact="0.5"/>
+                <dgm:constr type="connDist"/>
+                <dgm:constr type="begPad" refType="connDist" fact="0.1"/>
+                <dgm:constr type="endPad" refType="connDist" fact="0.1"/>
+              </dgm:constrLst>
+              <dgm:ruleLst/>
+              <dgm:layoutNode name="connectorText">
+                <dgm:alg type="tx">
+                  <dgm:param type="autoTxRot" val="grav"/>
+                </dgm:alg>
+                <dgm:shape xmlns:r="http://schemas.openxmlformats.org/officeDocument/2006/relationships" type="conn" r:blip="" hideGeom="1">
+                  <dgm:adjLst/>
+                </dgm:shape>
+                <dgm:presOf axis="self"/>
+                <dgm:constrLst>
+                  <dgm:constr type="lMarg"/>
+                  <dgm:constr type="rMarg"/>
+                  <dgm:constr type="tMarg"/>
+                  <dgm:constr type="bMarg"/>
+                </dgm:constrLst>
+                <dgm:ruleLst>
+                  <dgm:rule type="primFontSz" val="5" fact="NaN" max="NaN"/>
+                </dgm:ruleLst>
+              </dgm:layoutNode>
+            </dgm:layoutNode>
+          </dgm:forEach>
+        </dgm:if>
+        <dgm:else name="Name9"/>
+      </dgm:choose>
+    </dgm:forEach>
+  </dgm:layoutNode>
+</dgm:layoutDef>
+</file>
+
+<file path=ppt/diagrams/layout2.xml><?xml version="1.0" encoding="utf-8"?>
+<dgm:layoutDef xmlns:dgm="http://schemas.openxmlformats.org/drawingml/2006/diagram" xmlns:a="http://schemas.openxmlformats.org/drawingml/2006/main" uniqueId="urn:microsoft.com/office/officeart/2005/8/layout/cycle7">
+  <dgm:title val=""/>
+  <dgm:desc val=""/>
+  <dgm:catLst>
+    <dgm:cat type="cycle" pri="6000"/>
+  </dgm:catLst>
+  <dgm:sampData>
+    <dgm:dataModel>
+      <dgm:ptLst>
+        <dgm:pt modelId="0" type="doc"/>
+        <dgm:pt modelId="1">
+          <dgm:prSet phldr="1"/>
+        </dgm:pt>
+        <dgm:pt modelId="2">
+          <dgm:prSet phldr="1"/>
+        </dgm:pt>
+        <dgm:pt modelId="3">
+          <dgm:prSet phldr="1"/>
+        </dgm:pt>
+      </dgm:ptLst>
+      <dgm:cxnLst>
+        <dgm:cxn modelId="6" srcId="0" destId="1" srcOrd="0" destOrd="0"/>
+        <dgm:cxn modelId="7" srcId="0" destId="2" srcOrd="1" destOrd="0"/>
+        <dgm:cxn modelId="8" srcId="0" destId="3" srcOrd="2" destOrd="0"/>
+      </dgm:cxnLst>
+      <dgm:bg/>
+      <dgm:whole/>
+    </dgm:dataModel>
+  </dgm:sampData>
+  <dgm:styleData>
+    <dgm:dataModel>
+      <dgm:ptLst>
+        <dgm:pt modelId="0" type="doc"/>
+        <dgm:pt modelId="1"/>
+        <dgm:pt modelId="2"/>
+        <dgm:pt modelId="3"/>
+      </dgm:ptLst>
+      <dgm:cxnLst>
+        <dgm:cxn modelId="4" srcId="0" destId="1" srcOrd="0" destOrd="0"/>
+        <dgm:cxn modelId="5" srcId="0" destId="2" srcOrd="1" destOrd="0"/>
+        <dgm:cxn modelId="6" srcId="0" destId="3" srcOrd="2" destOrd="0"/>
+      </dgm:cxnLst>
+      <dgm:bg/>
+      <dgm:whole/>
+    </dgm:dataModel>
+  </dgm:styleData>
+  <dgm:clrData>
+    <dgm:dataModel>
+      <dgm:ptLst>
+        <dgm:pt modelId="0" type="doc"/>
+        <dgm:pt modelId="1"/>
+        <dgm:pt modelId="2"/>
+        <dgm:pt modelId="3"/>
+        <dgm:pt modelId="4"/>
+        <dgm:pt modelId="5"/>
+        <dgm:pt modelId="6"/>
+      </dgm:ptLst>
+      <dgm:cxnLst>
+        <dgm:cxn modelId="7" srcId="0" destId="1" srcOrd="0" destOrd="0"/>
+        <dgm:cxn modelId="8" srcId="0" destId="2" srcOrd="1" destOrd="0"/>
+        <dgm:cxn modelId="9" srcId="0" destId="3" srcOrd="2" destOrd="0"/>
+        <dgm:cxn modelId="10" srcId="0" destId="4" srcOrd="3" destOrd="0"/>
+        <dgm:cxn modelId="11" srcId="0" destId="5" srcOrd="4" destOrd="0"/>
+        <dgm:cxn modelId="12" srcId="0" destId="6" srcOrd="5" destOrd="0"/>
+      </dgm:cxnLst>
+      <dgm:bg/>
+      <dgm:whole/>
+    </dgm:dataModel>
+  </dgm:clrData>
+  <dgm:layoutNode name="Name0">
+    <dgm:varLst>
+      <dgm:dir/>
+      <dgm:resizeHandles val="exact"/>
+    </dgm:varLst>
+    <dgm:choose name="Name1">
+      <dgm:if name="Name2" func="var" arg="dir" op="equ" val="norm">
+        <dgm:alg type="cycle">
+          <dgm:param type="stAng" val="0"/>
+          <dgm:param type="spanAng" val="360"/>
+        </dgm:alg>
+      </dgm:if>
+      <dgm:else name="Name3">
+        <dgm:alg type="cycle">
+          <dgm:param type="stAng" val="0"/>
+          <dgm:param type="spanAng" val="-360"/>
+        </dgm:alg>
+      </dgm:else>
+    </dgm:choose>
+    <dgm:shape xmlns:r="http://schemas.openxmlformats.org/officeDocument/2006/relationships" r:blip="">
+      <dgm:adjLst/>
+    </dgm:shape>
+    <dgm:presOf/>
+    <dgm:constrLst>
+      <dgm:constr type="diam" refType="w"/>
+      <dgm:constr type="w" for="ch" ptType="node" refType="w"/>
+      <dgm:constr type="primFontSz" for="ch" ptType="node" op="equ" val="65"/>
+      <dgm:constr type="w" for="ch" forName="sibTrans" refType="w" refFor="ch" refPtType="node" op="equ" fact="0.35"/>
+      <dgm:constr type="connDist" for="ch" forName="sibTrans" op="equ"/>
+      <dgm:constr type="primFontSz" for="des" forName="connectorText" op="equ" val="55"/>
+      <dgm:constr type="primFontSz" for="des" forName="connectorText" refType="primFontSz" refFor="ch" refPtType="node" op="lte" fact="0.8"/>
+      <dgm:constr type="sibSp" refType="w" refFor="ch" refPtType="node" op="equ" fact="0.65"/>
+    </dgm:constrLst>
+    <dgm:ruleLst/>
+    <dgm:forEach name="nodesForEach" axis="ch" ptType="node">
+      <dgm:layoutNode name="node">
+        <dgm:varLst>
+          <dgm:bulletEnabled val="1"/>
+        </dgm:varLst>
+        <dgm:alg type="tx"/>
+        <dgm:shape xmlns:r="http://schemas.openxmlformats.org/officeDocument/2006/relationships" type="roundRect" r:blip="">
+          <dgm:adjLst>
+            <dgm:adj idx="1" val="0.1"/>
+          </dgm:adjLst>
+        </dgm:shape>
+        <dgm:presOf axis="desOrSelf" ptType="node"/>
+        <dgm:constrLst>
+          <dgm:constr type="h" refType="w" fact="0.5"/>
+          <dgm:constr type="tMarg" refType="primFontSz" fact="0.3"/>
+          <dgm:constr type="bMarg" refType="primFontSz" fact="0.3"/>
+          <dgm:constr type="lMarg" refType="primFontSz" fact="0.3"/>
+          <dgm:constr type="rMarg" refType="primFontSz" fact="0.3"/>
+        </dgm:constrLst>
+        <dgm:ruleLst>
+          <dgm:rule type="primFontSz" val="5" fact="NaN" max="NaN"/>
+        </dgm:ruleLst>
+      </dgm:layoutNode>
+      <dgm:choose name="Name4">
+        <dgm:if name="Name5" axis="par ch" ptType="doc node" func="cnt" op="gt" val="1">
+          <dgm:forEach name="sibTransForEach" axis="followSib" ptType="sibTrans" hideLastTrans="0" cnt="1">
+            <dgm:layoutNode name="sibTrans">
+              <dgm:choose name="Name6">
+                <dgm:if name="Name7" axis="par ch" ptType="doc node" func="posEven" op="equ" val="1">
+                  <dgm:alg type="conn">
+                    <dgm:param type="begPts" val="radial"/>
+                    <dgm:param type="endPts" val="radial"/>
+                    <dgm:param type="begSty" val="arr"/>
+                    <dgm:param type="endSty" val="arr"/>
+                  </dgm:alg>
+                </dgm:if>
+                <dgm:else name="Name8">
+                  <dgm:alg type="conn">
+                    <dgm:param type="begPts" val="auto"/>
+                    <dgm:param type="endPts" val="auto"/>
+                    <dgm:param type="begSty" val="arr"/>
+                    <dgm:param type="endSty" val="arr"/>
+                  </dgm:alg>
+                </dgm:else>
+              </dgm:choose>
+              <dgm:shape xmlns:r="http://schemas.openxmlformats.org/officeDocument/2006/relationships" type="conn" r:blip="">
+                <dgm:adjLst/>
+              </dgm:shape>
+              <dgm:presOf axis="self"/>
+              <dgm:constrLst>
+                <dgm:constr type="h" refType="w" fact="0.5"/>
+                <dgm:constr type="connDist"/>
+                <dgm:constr type="begPad" refType="connDist" fact="0.1"/>
+                <dgm:constr type="endPad" refType="connDist" fact="0.1"/>
+              </dgm:constrLst>
+              <dgm:ruleLst/>
+              <dgm:layoutNode name="connectorText">
+                <dgm:alg type="tx">
+                  <dgm:param type="autoTxRot" val="grav"/>
+                </dgm:alg>
+                <dgm:shape xmlns:r="http://schemas.openxmlformats.org/officeDocument/2006/relationships" type="conn" r:blip="" hideGeom="1">
+                  <dgm:adjLst/>
+                </dgm:shape>
+                <dgm:presOf axis="self"/>
+                <dgm:constrLst>
+                  <dgm:constr type="lMarg"/>
+                  <dgm:constr type="rMarg"/>
+                  <dgm:constr type="tMarg"/>
+                  <dgm:constr type="bMarg"/>
+                </dgm:constrLst>
+                <dgm:ruleLst>
+                  <dgm:rule type="primFontSz" val="5" fact="NaN" max="NaN"/>
+                </dgm:ruleLst>
+              </dgm:layoutNode>
+            </dgm:layoutNode>
+          </dgm:forEach>
+        </dgm:if>
+        <dgm:else name="Name9"/>
+      </dgm:choose>
+    </dgm:forEach>
+  </dgm:layoutNode>
+</dgm:layoutDef>
+</file>
+
+<file path=ppt/diagrams/quickStyle1.xml><?xml version="1.0" encoding="utf-8"?>
+<dgm:styleDef xmlns:dgm="http://schemas.openxmlformats.org/drawingml/2006/diagram" xmlns:a="http://schemas.openxmlformats.org/drawingml/2006/main" uniqueId="urn:microsoft.com/office/officeart/2005/8/quickstyle/simple1">
+  <dgm:title val=""/>
+  <dgm:desc val=""/>
+  <dgm:catLst>
+    <dgm:cat type="simple" pri="10100"/>
+  </dgm:catLst>
+  <dgm:scene3d>
+    <a:camera prst="orthographicFront"/>
+    <a:lightRig rig="threePt" dir="t"/>
+  </dgm:scene3d>
+  <dgm:styleLbl name="node0">
+    <dgm:scene3d>
+      <a:camera prst="orthographicFront"/>
+      <a:lightRig rig="threePt" dir="t"/>
+    </dgm:scene3d>
+    <dgm:sp3d/>
+    <dgm:txPr/>
+    <dgm:style>
+      <a:lnRef idx="2">
+        <a:scrgbClr r="0" g="0" b="0"/>
+      </a:lnRef>
+      <a:fillRef idx="1">
+        <a:scrgbClr r="0" g="0" b="0"/>
+      </a:fillRef>
+      <a:effectRef idx="0">
+        <a:scrgbClr r="0" g="0" b="0"/>
+      </a:effectRef>
+      <a:fontRef idx="minor">
+        <a:schemeClr val="lt1"/>
+      </a:fontRef>
+    </dgm:style>
+  </dgm:styleLbl>
+  <dgm:styleLbl name="lnNode1">
+    <dgm:scene3d>
+      <a:camera prst="orthographicFront"/>
+      <a:lightRig rig="threePt" dir="t"/>
+    </dgm:scene3d>
+    <dgm:sp3d/>
+    <dgm:txPr/>
+    <dgm:style>
+      <a:lnRef idx="2">
+        <a:scrgbClr r="0" g="0" b="0"/>
+      </a:lnRef>
+      <a:fillRef idx="1">
+        <a:scrgbClr r="0" g="0" b="0"/>
+      </a:fillRef>
+      <a:effectRef idx="0">
+        <a:scrgbClr r="0" g="0" b="0"/>
+      </a:effectRef>
+      <a:fontRef idx="minor">
+        <a:schemeClr val="lt1"/>
+      </a:fontRef>
+    </dgm:style>
+  </dgm:styleLbl>
+  <dgm:styleLbl name="vennNode1">
+    <dgm:scene3d>
+      <a:camera prst="orthographicFront"/>
+      <a:lightRig rig="threePt" dir="t"/>
+    </dgm:scene3d>
+    <dgm:sp3d/>
+    <dgm:txPr/>
+    <dgm:style>
+      <a:lnRef idx="2">
+        <a:scrgbClr r="0" g="0" b="0"/>
+      </a:lnRef>
+      <a:fillRef idx="1">
+        <a:scrgbClr r="0" g="0" b="0"/>
+      </a:fillRef>
+      <a:effectRef idx="0">
+        <a:scrgbClr r="0" g="0" b="0"/>
+      </a:effectRef>
+      <a:fontRef idx="minor">
+        <a:schemeClr val="tx1"/>
+      </a:fontRef>
+    </dgm:style>
+  </dgm:styleLbl>
+  <dgm:styleLbl name="alignNode1">
+    <dgm:scene3d>
+      <a:camera prst="orthographicFront"/>
+      <a:lightRig rig="threePt" dir="t"/>
+    </dgm:scene3d>
+    <dgm:sp3d/>
+    <dgm:txPr/>
+    <dgm:style>
+      <a:lnRef idx="2">
+        <a:scrgbClr r="0" g="0" b="0"/>
+      </a:lnRef>
+      <a:fillRef idx="1">
+        <a:scrgbClr r="0" g="0" b="0"/>
+      </a:fillRef>
+      <a:effectRef idx="0">
+        <a:scrgbClr r="0" g="0" b="0"/>
+      </a:effectRef>
+      <a:fontRef idx="minor">
+        <a:schemeClr val="lt1"/>
+      </a:fontRef>
+    </dgm:style>
+  </dgm:styleLbl>
+  <dgm:styleLbl name="node1">
+    <dgm:scene3d>
+      <a:camera prst="orthographicFront"/>
+      <a:lightRig rig="threePt" dir="t"/>
+    </dgm:scene3d>
+    <dgm:sp3d/>
+    <dgm:txPr/>
+    <dgm:style>
+      <a:lnRef idx="2">
+        <a:scrgbClr r="0" g="0" b="0"/>
+      </a:lnRef>
+      <a:fillRef idx="1">
+        <a:scrgbClr r="0" g="0" b="0"/>
+      </a:fillRef>
+      <a:effectRef idx="0">
+        <a:scrgbClr r="0" g="0" b="0"/>
+      </a:effectRef>
+      <a:fontRef idx="minor">
+        <a:schemeClr val="lt1"/>
+      </a:fontRef>
+    </dgm:style>
+  </dgm:styleLbl>
+  <dgm:styleLbl name="node2">
+    <dgm:scene3d>
+      <a:camera prst="orthographicFront"/>
+      <a:lightRig rig="threePt" dir="t"/>
+    </dgm:scene3d>
+    <dgm:sp3d/>
+    <dgm:txPr/>
+    <dgm:style>
+      <a:lnRef idx="2">
+        <a:scrgbClr r="0" g="0" b="0"/>
+      </a:lnRef>
+      <a:fillRef idx="1">
+        <a:scrgbClr r="0" g="0" b="0"/>
+      </a:fillRef>
+      <a:effectRef idx="0">
+        <a:scrgbClr r="0" g="0" b="0"/>
+      </a:effectRef>
+      <a:fontRef idx="minor">
+        <a:schemeClr val="lt1"/>
+      </a:fontRef>
+    </dgm:style>
+  </dgm:styleLbl>
+  <dgm:styleLbl name="node3">
+    <dgm:scene3d>
+      <a:camera prst="orthographicFront"/>
+      <a:lightRig rig="threePt" dir="t"/>
+    </dgm:scene3d>
+    <dgm:sp3d/>
+    <dgm:txPr/>
+    <dgm:style>
+      <a:lnRef idx="2">
+        <a:scrgbClr r="0" g="0" b="0"/>
+      </a:lnRef>
+      <a:fillRef idx="1">
+        <a:scrgbClr r="0" g="0" b="0"/>
+      </a:fillRef>
+      <a:effectRef idx="0">
+        <a:scrgbClr r="0" g="0" b="0"/>
+      </a:effectRef>
+      <a:fontRef idx="minor">
+        <a:schemeClr val="lt1"/>
+      </a:fontRef>
+    </dgm:style>
+  </dgm:styleLbl>
+  <dgm:styleLbl name="node4">
+    <dgm:scene3d>
+      <a:camera prst="orthographicFront"/>
+      <a:lightRig rig="threePt" dir="t"/>
+    </dgm:scene3d>
+    <dgm:sp3d/>
+    <dgm:txPr/>
+    <dgm:style>
+      <a:lnRef idx="2">
+        <a:scrgbClr r="0" g="0" b="0"/>
+      </a:lnRef>
+      <a:fillRef idx="1">
+        <a:scrgbClr r="0" g="0" b="0"/>
+      </a:fillRef>
+      <a:effectRef idx="0">
+        <a:scrgbClr r="0" g="0" b="0"/>
+      </a:effectRef>
+      <a:fontRef idx="minor">
+        <a:schemeClr val="lt1"/>
+      </a:fontRef>
+    </dgm:style>
+  </dgm:styleLbl>
+  <dgm:styleLbl name="fgImgPlace1">
+    <dgm:scene3d>
+      <a:camera prst="orthographicFront"/>
+      <a:lightRig rig="threePt" dir="t"/>
+    </dgm:scene3d>
+    <dgm:sp3d/>
+    <dgm:txPr/>
+    <dgm:style>
+      <a:lnRef idx="2">
+        <a:scrgbClr r="0" g="0" b="0"/>
+      </a:lnRef>
+      <a:fillRef idx="1">
+        <a:scrgbClr r="0" g="0" b="0"/>
+      </a:fillRef>
+      <a:effectRef idx="0">
+        <a:scrgbClr r="0" g="0" b="0"/>
+      </a:effectRef>
+      <a:fontRef idx="minor"/>
+    </dgm:style>
+  </dgm:styleLbl>
+  <dgm:styleLbl name="alignImgPlace1">
+    <dgm:scene3d>
+      <a:camera prst="orthographicFront"/>
+      <a:lightRig rig="threePt" dir="t"/>
+    </dgm:scene3d>
+    <dgm:sp3d/>
+    <dgm:txPr/>
+    <dgm:style>
+      <a:lnRef idx="2">
+        <a:scrgbClr r="0" g="0" b="0"/>
+      </a:lnRef>
+      <a:fillRef idx="1">
+        <a:scrgbClr r="0" g="0" b="0"/>
+      </a:fillRef>
+      <a:effectRef idx="0">
+        <a:scrgbClr r="0" g="0" b="0"/>
+      </a:effectRef>
+      <a:fontRef idx="minor"/>
+    </dgm:style>
+  </dgm:styleLbl>
+  <dgm:styleLbl name="bgImgPlace1">
+    <dgm:scene3d>
+      <a:camera prst="orthographicFront"/>
+      <a:lightRig rig="threePt" dir="t"/>
+    </dgm:scene3d>
+    <dgm:sp3d/>
+    <dgm:txPr/>
+    <dgm:style>
+      <a:lnRef idx="2">
+        <a:scrgbClr r="0" g="0" b="0"/>
+      </a:lnRef>
+      <a:fillRef idx="1">
+        <a:scrgbClr r="0" g="0" b="0"/>
+      </a:fillRef>
+      <a:effectRef idx="0">
+        <a:scrgbClr r="0" g="0" b="0"/>
+      </a:effectRef>
+      <a:fontRef idx="minor"/>
+    </dgm:style>
+  </dgm:styleLbl>
+  <dgm:styleLbl name="sibTrans2D1">
+    <dgm:scene3d>
+      <a:camera prst="orthographicFront"/>
+      <a:lightRig rig="threePt" dir="t"/>
+    </dgm:scene3d>
+    <dgm:sp3d/>
+    <dgm:txPr/>
+    <dgm:style>
+      <a:lnRef idx="0">
+        <a:scrgbClr r="0" g="0" b="0"/>
+      </a:lnRef>
+      <a:fillRef idx="1">
+        <a:scrgbClr r="0" g="0" b="0"/>
+      </a:fillRef>
+      <a:effectRef idx="0">
+        <a:scrgbClr r="0" g="0" b="0"/>
+      </a:effectRef>
+      <a:fontRef idx="minor">
+        <a:schemeClr val="lt1"/>
+      </a:fontRef>
+    </dgm:style>
+  </dgm:styleLbl>
+  <dgm:styleLbl name="fgSibTrans2D1">
+    <dgm:scene3d>
+      <a:camera prst="orthographicFront"/>
+      <a:lightRig rig="threePt" dir="t"/>
+    </dgm:scene3d>
+    <dgm:sp3d/>
+    <dgm:txPr/>
+    <dgm:style>
+      <a:lnRef idx="0">
+        <a:scrgbClr r="0" g="0" b="0"/>
+      </a:lnRef>
+      <a:fillRef idx="1">
+        <a:scrgbClr r="0" g="0" b="0"/>
+      </a:fillRef>
+      <a:effectRef idx="0">
+        <a:scrgbClr r="0" g="0" b="0"/>
+      </a:effectRef>
+      <a:fontRef idx="minor">
+        <a:schemeClr val="lt1"/>
+      </a:fontRef>
+    </dgm:style>
+  </dgm:styleLbl>
+  <dgm:styleLbl name="bgSibTrans2D1">
+    <dgm:scene3d>
+      <a:camera prst="orthographicFront"/>
+      <a:lightRig rig="threePt" dir="t"/>
+    </dgm:scene3d>
+    <dgm:sp3d/>
+    <dgm:txPr/>
+    <dgm:style>
+      <a:lnRef idx="0">
+        <a:scrgbClr r="0" g="0" b="0"/>
+      </a:lnRef>
+      <a:fillRef idx="1">
+        <a:scrgbClr r="0" g="0" b="0"/>
+      </a:fillRef>
+      <a:effectRef idx="0">
+        <a:scrgbClr r="0" g="0" b="0"/>
+      </a:effectRef>
+      <a:fontRef idx="minor">
+        <a:schemeClr val="lt1"/>
+      </a:fontRef>
+    </dgm:style>
+  </dgm:styleLbl>
+  <dgm:styleLbl name="sibTrans1D1">
+    <dgm:scene3d>
+      <a:camera prst="orthographicFront"/>
+      <a:lightRig rig="threePt" dir="t"/>
+    </dgm:scene3d>
+    <dgm:sp3d/>
+    <dgm:txPr/>
+    <dgm:style>
+      <a:lnRef idx="1">
+        <a:scrgbClr r="0" g="0" b="0"/>
+      </a:lnRef>
+      <a:fillRef idx="0">
+        <a:scrgbClr r="0" g="0" b="0"/>
+      </a:fillRef>
+      <a:effectRef idx="0">
+        <a:scrgbClr r="0" g="0" b="0"/>
+      </a:effectRef>
+      <a:fontRef idx="minor"/>
+    </dgm:style>
+  </dgm:styleLbl>
+  <dgm:styleLbl name="callout">
+    <dgm:scene3d>
+      <a:camera prst="orthographicFront"/>
+      <a:lightRig rig="threePt" dir="t"/>
+    </dgm:scene3d>
+    <dgm:sp3d/>
+    <dgm:txPr/>
+    <dgm:style>
+      <a:lnRef idx="2">
+        <a:scrgbClr r="0" g="0" b="0"/>
+      </a:lnRef>
+      <a:fillRef idx="1">
+        <a:scrgbClr r="0" g="0" b="0"/>
+      </a:fillRef>
+      <a:effectRef idx="0">
+        <a:scrgbClr r="0" g="0" b="0"/>
+      </a:effectRef>
+      <a:fontRef idx="minor"/>
+    </dgm:style>
+  </dgm:styleLbl>
+  <dgm:styleLbl name="asst0">
+    <dgm:scene3d>
+      <a:camera prst="orthographicFront"/>
+      <a:lightRig rig="threePt" dir="t"/>
+    </dgm:scene3d>
+    <dgm:sp3d/>
+    <dgm:txPr/>
+    <dgm:style>
+      <a:lnRef idx="2">
+        <a:scrgbClr r="0" g="0" b="0"/>
+      </a:lnRef>
+      <a:fillRef idx="1">
+        <a:scrgbClr r="0" g="0" b="0"/>
+      </a:fillRef>
+      <a:effectRef idx="0">
+        <a:scrgbClr r="0" g="0" b="0"/>
+      </a:effectRef>
+      <a:fontRef idx="minor">
+        <a:schemeClr val="lt1"/>
+      </a:fontRef>
+    </dgm:style>
+  </dgm:styleLbl>
+  <dgm:styleLbl name="asst1">
+    <dgm:scene3d>
+      <a:camera prst="orthographicFront"/>
+      <a:lightRig rig="threePt" dir="t"/>
+    </dgm:scene3d>
+    <dgm:sp3d/>
+    <dgm:txPr/>
+    <dgm:style>
+      <a:lnRef idx="2">
+        <a:scrgbClr r="0" g="0" b="0"/>
+      </a:lnRef>
+      <a:fillRef idx="1">
+        <a:scrgbClr r="0" g="0" b="0"/>
+      </a:fillRef>
+      <a:effectRef idx="0">
+        <a:scrgbClr r="0" g="0" b="0"/>
+      </a:effectRef>
+      <a:fontRef idx="minor">
+        <a:schemeClr val="lt1"/>
+      </a:fontRef>
+    </dgm:style>
+  </dgm:styleLbl>
+  <dgm:styleLbl name="asst2">
+    <dgm:scene3d>
+      <a:camera prst="orthographicFront"/>
+      <a:lightRig rig="threePt" dir="t"/>
+    </dgm:scene3d>
+    <dgm:sp3d/>
+    <dgm:txPr/>
+    <dgm:style>
+      <a:lnRef idx="2">
+        <a:scrgbClr r="0" g="0" b="0"/>
+      </a:lnRef>
+      <a:fillRef idx="1">
+        <a:scrgbClr r="0" g="0" b="0"/>
+      </a:fillRef>
+      <a:effectRef idx="0">
+        <a:scrgbClr r="0" g="0" b="0"/>
+      </a:effectRef>
+      <a:fontRef idx="minor">
+        <a:schemeClr val="lt1"/>
+      </a:fontRef>
+    </dgm:style>
+  </dgm:styleLbl>
+  <dgm:styleLbl name="asst3">
+    <dgm:scene3d>
+      <a:camera prst="orthographicFront"/>
+      <a:lightRig rig="threePt" dir="t"/>
+    </dgm:scene3d>
+    <dgm:sp3d/>
+    <dgm:txPr/>
+    <dgm:style>
+      <a:lnRef idx="2">
+        <a:scrgbClr r="0" g="0" b="0"/>
+      </a:lnRef>
+      <a:fillRef idx="1">
+        <a:scrgbClr r="0" g="0" b="0"/>
+      </a:fillRef>
+      <a:effectRef idx="0">
+        <a:scrgbClr r="0" g="0" b="0"/>
+      </a:effectRef>
+      <a:fontRef idx="minor">
+        <a:schemeClr val="lt1"/>
+      </a:fontRef>
+    </dgm:style>
+  </dgm:styleLbl>
+  <dgm:styleLbl name="asst4">
+    <dgm:scene3d>
+      <a:camera prst="orthographicFront"/>
+      <a:lightRig rig="threePt" dir="t"/>
+    </dgm:scene3d>
+    <dgm:sp3d/>
+    <dgm:txPr/>
+    <dgm:style>
+      <a:lnRef idx="2">
+        <a:scrgbClr r="0" g="0" b="0"/>
+      </a:lnRef>
+      <a:fillRef idx="1">
+        <a:scrgbClr r="0" g="0" b="0"/>
+      </a:fillRef>
+      <a:effectRef idx="0">
+        <a:scrgbClr r="0" g="0" b="0"/>
+      </a:effectRef>
+      <a:fontRef idx="minor">
+        <a:schemeClr val="lt1"/>
+      </a:fontRef>
+    </dgm:style>
+  </dgm:styleLbl>
+  <dgm:styleLbl name="parChTrans2D1">
+    <dgm:scene3d>
+      <a:camera prst="orthographicFront"/>
+      <a:lightRig rig="threePt" dir="t"/>
+    </dgm:scene3d>
+    <dgm:sp3d/>
+    <dgm:txPr/>
+    <dgm:style>
+      <a:lnRef idx="2">
+        <a:scrgbClr r="0" g="0" b="0"/>
+      </a:lnRef>
+      <a:fillRef idx="1">
+        <a:scrgbClr r="0" g="0" b="0"/>
+      </a:fillRef>
+      <a:effectRef idx="0">
+        <a:scrgbClr r="0" g="0" b="0"/>
+      </a:effectRef>
+      <a:fontRef idx="minor">
+        <a:schemeClr val="lt1"/>
+      </a:fontRef>
+    </dgm:style>
+  </dgm:styleLbl>
+  <dgm:styleLbl name="parChTrans2D2">
+    <dgm:scene3d>
+      <a:camera prst="orthographicFront"/>
+      <a:lightRig rig="threePt" dir="t"/>
+    </dgm:scene3d>
+    <dgm:sp3d/>
+    <dgm:txPr/>
+    <dgm:style>
+      <a:lnRef idx="2">
+        <a:scrgbClr r="0" g="0" b="0"/>
+      </a:lnRef>
+      <a:fillRef idx="1">
+        <a:scrgbClr r="0" g="0" b="0"/>
+      </a:fillRef>
+      <a:effectRef idx="0">
+        <a:scrgbClr r="0" g="0" b="0"/>
+      </a:effectRef>
+      <a:fontRef idx="minor">
+        <a:schemeClr val="lt1"/>
+      </a:fontRef>
+    </dgm:style>
+  </dgm:styleLbl>
+  <dgm:styleLbl name="parChTrans2D3">
+    <dgm:scene3d>
+      <a:camera prst="orthographicFront"/>
+      <a:lightRig rig="threePt" dir="t"/>
+    </dgm:scene3d>
+    <dgm:sp3d/>
+    <dgm:txPr/>
+    <dgm:style>
+      <a:lnRef idx="2">
+        <a:scrgbClr r="0" g="0" b="0"/>
+      </a:lnRef>
+      <a:fillRef idx="1">
+        <a:scrgbClr r="0" g="0" b="0"/>
+      </a:fillRef>
+      <a:effectRef idx="0">
+        <a:scrgbClr r="0" g="0" b="0"/>
+      </a:effectRef>
+      <a:fontRef idx="minor">
+        <a:schemeClr val="lt1"/>
+      </a:fontRef>
+    </dgm:style>
+  </dgm:styleLbl>
+  <dgm:styleLbl name="parChTrans2D4">
+    <dgm:scene3d>
+      <a:camera prst="orthographicFront"/>
+      <a:lightRig rig="threePt" dir="t"/>
+    </dgm:scene3d>
+    <dgm:sp3d/>
+    <dgm:txPr/>
+    <dgm:style>
+      <a:lnRef idx="2">
+        <a:scrgbClr r="0" g="0" b="0"/>
+      </a:lnRef>
+      <a:fillRef idx="1">
+        <a:scrgbClr r="0" g="0" b="0"/>
+      </a:fillRef>
+      <a:effectRef idx="0">
+        <a:scrgbClr r="0" g="0" b="0"/>
+      </a:effectRef>
+      <a:fontRef idx="minor">
+        <a:schemeClr val="lt1"/>
+      </a:fontRef>
+    </dgm:style>
+  </dgm:styleLbl>
+  <dgm:styleLbl name="parChTrans1D1">
+    <dgm:scene3d>
+      <a:camera prst="orthographicFront"/>
+      <a:lightRig rig="threePt" dir="t"/>
+    </dgm:scene3d>
+    <dgm:sp3d/>
+    <dgm:txPr/>
+    <dgm:style>
+      <a:lnRef idx="2">
+        <a:scrgbClr r="0" g="0" b="0"/>
+      </a:lnRef>
+      <a:fillRef idx="0">
+        <a:scrgbClr r="0" g="0" b="0"/>
+      </a:fillRef>
+      <a:effectRef idx="0">
+        <a:scrgbClr r="0" g="0" b="0"/>
+      </a:effectRef>
+      <a:fontRef idx="minor"/>
+    </dgm:style>
+  </dgm:styleLbl>
+  <dgm:styleLbl name="parChTrans1D2">
+    <dgm:scene3d>
+      <a:camera prst="orthographicFront"/>
+      <a:lightRig rig="threePt" dir="t"/>
+    </dgm:scene3d>
+    <dgm:sp3d/>
+    <dgm:txPr/>
+    <dgm:style>
+      <a:lnRef idx="2">
+        <a:scrgbClr r="0" g="0" b="0"/>
+      </a:lnRef>
+      <a:fillRef idx="0">
+        <a:scrgbClr r="0" g="0" b="0"/>
+      </a:fillRef>
+      <a:effectRef idx="0">
+        <a:scrgbClr r="0" g="0" b="0"/>
+      </a:effectRef>
+      <a:fontRef idx="minor"/>
+    </dgm:style>
+  </dgm:styleLbl>
+  <dgm:styleLbl name="parChTrans1D3">
+    <dgm:scene3d>
+      <a:camera prst="orthographicFront"/>
+      <a:lightRig rig="threePt" dir="t"/>
+    </dgm:scene3d>
+    <dgm:sp3d/>
+    <dgm:txPr/>
+    <dgm:style>
+      <a:lnRef idx="2">
+        <a:scrgbClr r="0" g="0" b="0"/>
+      </a:lnRef>
+      <a:fillRef idx="0">
+        <a:scrgbClr r="0" g="0" b="0"/>
+      </a:fillRef>
+      <a:effectRef idx="0">
+        <a:scrgbClr r="0" g="0" b="0"/>
+      </a:effectRef>
+      <a:fontRef idx="minor"/>
+    </dgm:style>
+  </dgm:styleLbl>
+  <dgm:styleLbl name="parChTrans1D4">
+    <dgm:scene3d>
+      <a:camera prst="orthographicFront"/>
+      <a:lightRig rig="threePt" dir="t"/>
+    </dgm:scene3d>
+    <dgm:sp3d/>
+    <dgm:txPr/>
+    <dgm:style>
+      <a:lnRef idx="2">
+        <a:scrgbClr r="0" g="0" b="0"/>
+      </a:lnRef>
+      <a:fillRef idx="0">
+        <a:scrgbClr r="0" g="0" b="0"/>
+      </a:fillRef>
+      <a:effectRef idx="0">
+        <a:scrgbClr r="0" g="0" b="0"/>
+      </a:effectRef>
+      <a:fontRef idx="minor"/>
+    </dgm:style>
+  </dgm:styleLbl>
+  <dgm:styleLbl name="fgAcc1">
+    <dgm:scene3d>
+      <a:camera prst="orthographicFront"/>
+      <a:lightRig rig="threePt" dir="t"/>
+    </dgm:scene3d>
+    <dgm:sp3d/>
+    <dgm:txPr/>
+    <dgm:style>
+      <a:lnRef idx="2">
+        <a:scrgbClr r="0" g="0" b="0"/>
+      </a:lnRef>
+      <a:fillRef idx="1">
+        <a:scrgbClr r="0" g="0" b="0"/>
+      </a:fillRef>
+      <a:effectRef idx="0">
+        <a:scrgbClr r="0" g="0" b="0"/>
+      </a:effectRef>
+      <a:fontRef idx="minor"/>
+    </dgm:style>
+  </dgm:styleLbl>
+  <dgm:styleLbl name="conFgAcc1">
+    <dgm:scene3d>
+      <a:camera prst="orthographicFront"/>
+      <a:lightRig rig="threePt" dir="t"/>
+    </dgm:scene3d>
+    <dgm:sp3d/>
+    <dgm:txPr/>
+    <dgm:style>
+      <a:lnRef idx="2">
+        <a:scrgbClr r="0" g="0" b="0"/>
+      </a:lnRef>
+      <a:fillRef idx="1">
+        <a:scrgbClr r="0" g="0" b="0"/>
+      </a:fillRef>
+      <a:effectRef idx="0">
+        <a:scrgbClr r="0" g="0" b="0"/>
+      </a:effectRef>
+      <a:fontRef idx="minor"/>
+    </dgm:style>
+  </dgm:styleLbl>
+  <dgm:styleLbl name="alignAcc1">
+    <dgm:scene3d>
+      <a:camera prst="orthographicFront"/>
+      <a:lightRig rig="threePt" dir="t"/>
+    </dgm:scene3d>
+    <dgm:sp3d/>
+    <dgm:txPr/>
+    <dgm:style>
+      <a:lnRef idx="2">
+        <a:scrgbClr r="0" g="0" b="0"/>
+      </a:lnRef>
+      <a:fillRef idx="1">
+        <a:scrgbClr r="0" g="0" b="0"/>
+      </a:fillRef>
+      <a:effectRef idx="0">
+        <a:scrgbClr r="0" g="0" b="0"/>
+      </a:effectRef>
+      <a:fontRef idx="minor"/>
+    </dgm:style>
+  </dgm:styleLbl>
+  <dgm:styleLbl name="trAlignAcc1">
+    <dgm:scene3d>
+      <a:camera prst="orthographicFront"/>
+      <a:lightRig rig="threePt" dir="t"/>
+    </dgm:scene3d>
+    <dgm:sp3d/>
+    <dgm:txPr/>
+    <dgm:style>
+      <a:lnRef idx="1">
+        <a:scrgbClr r="0" g="0" b="0"/>
+      </a:lnRef>
+      <a:fillRef idx="1">
+        <a:scrgbClr r="0" g="0" b="0"/>
+      </a:fillRef>
+      <a:effectRef idx="0">
+        <a:scrgbClr r="0" g="0" b="0"/>
+      </a:effectRef>
+      <a:fontRef idx="minor"/>
+    </dgm:style>
+  </dgm:styleLbl>
+  <dgm:styleLbl name="bgAcc1">
+    <dgm:scene3d>
+      <a:camera prst="orthographicFront"/>
+      <a:lightRig rig="threePt" dir="t"/>
+    </dgm:scene3d>
+    <dgm:sp3d/>
+    <dgm:txPr/>
+    <dgm:style>
+      <a:lnRef idx="2">
+        <a:scrgbClr r="0" g="0" b="0"/>
+      </a:lnRef>
+      <a:fillRef idx="1">
+        <a:scrgbClr r="0" g="0" b="0"/>
+      </a:fillRef>
+      <a:effectRef idx="0">
+        <a:scrgbClr r="0" g="0" b="0"/>
+      </a:effectRef>
+      <a:fontRef idx="minor"/>
+    </dgm:style>
+  </dgm:styleLbl>
+  <dgm:styleLbl name="solidFgAcc1">
+    <dgm:scene3d>
+      <a:camera prst="orthographicFront"/>
+      <a:lightRig rig="threePt" dir="t"/>
+    </dgm:scene3d>
+    <dgm:sp3d/>
+    <dgm:txPr/>
+    <dgm:style>
+      <a:lnRef idx="2">
+        <a:scrgbClr r="0" g="0" b="0"/>
+      </a:lnRef>
+      <a:fillRef idx="1">
+        <a:scrgbClr r="0" g="0" b="0"/>
+      </a:fillRef>
+      <a:effectRef idx="0">
+        <a:scrgbClr r="0" g="0" b="0"/>
+      </a:effectRef>
+      <a:fontRef idx="minor"/>
+    </dgm:style>
+  </dgm:styleLbl>
+  <dgm:styleLbl name="solidAlignAcc1">
+    <dgm:scene3d>
+      <a:camera prst="orthographicFront"/>
+      <a:lightRig rig="threePt" dir="t"/>
+    </dgm:scene3d>
+    <dgm:sp3d/>
+    <dgm:txPr/>
+    <dgm:style>
+      <a:lnRef idx="2">
+        <a:scrgbClr r="0" g="0" b="0"/>
+      </a:lnRef>
+      <a:fillRef idx="1">
+        <a:scrgbClr r="0" g="0" b="0"/>
+      </a:fillRef>
+      <a:effectRef idx="0">
+        <a:scrgbClr r="0" g="0" b="0"/>
+      </a:effectRef>
+      <a:fontRef idx="minor"/>
+    </dgm:style>
+  </dgm:styleLbl>
+  <dgm:styleLbl name="solidBgAcc1">
+    <dgm:scene3d>
+      <a:camera prst="orthographicFront"/>
+      <a:lightRig rig="threePt" dir="t"/>
+    </dgm:scene3d>
+    <dgm:sp3d/>
+    <dgm:txPr/>
+    <dgm:style>
+      <a:lnRef idx="2">
+        <a:scrgbClr r="0" g="0" b="0"/>
+      </a:lnRef>
+      <a:fillRef idx="1">
+        <a:scrgbClr r="0" g="0" b="0"/>
+      </a:fillRef>
+      <a:effectRef idx="0">
+        <a:scrgbClr r="0" g="0" b="0"/>
+      </a:effectRef>
+      <a:fontRef idx="minor"/>
+    </dgm:style>
+  </dgm:styleLbl>
+  <dgm:styleLbl name="fgAccFollowNode1">
+    <dgm:scene3d>
+      <a:camera prst="orthographicFront"/>
+      <a:lightRig rig="threePt" dir="t"/>
+    </dgm:scene3d>
+    <dgm:sp3d/>
+    <dgm:txPr/>
+    <dgm:style>
+      <a:lnRef idx="2">
+        <a:scrgbClr r="0" g="0" b="0"/>
+      </a:lnRef>
+      <a:fillRef idx="1">
+        <a:scrgbClr r="0" g="0" b="0"/>
+      </a:fillRef>
+      <a:effectRef idx="0">
+        <a:scrgbClr r="0" g="0" b="0"/>
+      </a:effectRef>
+      <a:fontRef idx="minor"/>
+    </dgm:style>
+  </dgm:styleLbl>
+  <dgm:styleLbl name="alignAccFollowNode1">
+    <dgm:scene3d>
+      <a:camera prst="orthographicFront"/>
+      <a:lightRig rig="threePt" dir="t"/>
+    </dgm:scene3d>
+    <dgm:sp3d/>
+    <dgm:txPr/>
+    <dgm:style>
+      <a:lnRef idx="2">
+        <a:scrgbClr r="0" g="0" b="0"/>
+      </a:lnRef>
+      <a:fillRef idx="1">
+        <a:scrgbClr r="0" g="0" b="0"/>
+      </a:fillRef>
+      <a:effectRef idx="0">
+        <a:scrgbClr r="0" g="0" b="0"/>
+      </a:effectRef>
+      <a:fontRef idx="minor"/>
+    </dgm:style>
+  </dgm:styleLbl>
+  <dgm:styleLbl name="bgAccFollowNode1">
+    <dgm:scene3d>
+      <a:camera prst="orthographicFront"/>
+      <a:lightRig rig="threePt" dir="t"/>
+    </dgm:scene3d>
+    <dgm:sp3d/>
+    <dgm:txPr/>
+    <dgm:style>
+      <a:lnRef idx="2">
+        <a:scrgbClr r="0" g="0" b="0"/>
+      </a:lnRef>
+      <a:fillRef idx="1">
+        <a:scrgbClr r="0" g="0" b="0"/>
+      </a:fillRef>
+      <a:effectRef idx="0">
+        <a:scrgbClr r="0" g="0" b="0"/>
+      </a:effectRef>
+      <a:fontRef idx="minor"/>
+    </dgm:style>
+  </dgm:styleLbl>
+  <dgm:styleLbl name="fgAcc0">
+    <dgm:scene3d>
+      <a:camera prst="orthographicFront"/>
+      <a:lightRig rig="threePt" dir="t"/>
+    </dgm:scene3d>
+    <dgm:sp3d/>
+    <dgm:txPr/>
+    <dgm:style>
+      <a:lnRef idx="2">
+        <a:scrgbClr r="0" g="0" b="0"/>
+      </a:lnRef>
+      <a:fillRef idx="1">
+        <a:scrgbClr r="0" g="0" b="0"/>
+      </a:fillRef>
+      <a:effectRef idx="0">
+        <a:scrgbClr r="0" g="0" b="0"/>
+      </a:effectRef>
+      <a:fontRef idx="minor"/>
+    </dgm:style>
+  </dgm:styleLbl>
+  <dgm:styleLbl name="fgAcc2">
+    <dgm:scene3d>
+      <a:camera prst="orthographicFront"/>
+      <a:lightRig rig="threePt" dir="t"/>
+    </dgm:scene3d>
+    <dgm:sp3d/>
+    <dgm:txPr/>
+    <dgm:style>
+      <a:lnRef idx="2">
+        <a:scrgbClr r="0" g="0" b="0"/>
+      </a:lnRef>
+      <a:fillRef idx="1">
+        <a:scrgbClr r="0" g="0" b="0"/>
+      </a:fillRef>
+      <a:effectRef idx="0">
+        <a:scrgbClr r="0" g="0" b="0"/>
+      </a:effectRef>
+      <a:fontRef idx="minor"/>
+    </dgm:style>
+  </dgm:styleLbl>
+  <dgm:styleLbl name="fgAcc3">
+    <dgm:scene3d>
+      <a:camera prst="orthographicFront"/>
+      <a:lightRig rig="threePt" dir="t"/>
+    </dgm:scene3d>
+    <dgm:sp3d/>
+    <dgm:txPr/>
+    <dgm:style>
+      <a:lnRef idx="2">
+        <a:scrgbClr r="0" g="0" b="0"/>
+      </a:lnRef>
+      <a:fillRef idx="1">
+        <a:scrgbClr r="0" g="0" b="0"/>
+      </a:fillRef>
+      <a:effectRef idx="0">
+        <a:scrgbClr r="0" g="0" b="0"/>
+      </a:effectRef>
+      <a:fontRef idx="minor"/>
+    </dgm:style>
+  </dgm:styleLbl>
+  <dgm:styleLbl name="fgAcc4">
+    <dgm:scene3d>
+      <a:camera prst="orthographicFront"/>
+      <a:lightRig rig="threePt" dir="t"/>
+    </dgm:scene3d>
+    <dgm:sp3d/>
+    <dgm:txPr/>
+    <dgm:style>
+      <a:lnRef idx="2">
+        <a:scrgbClr r="0" g="0" b="0"/>
+      </a:lnRef>
+      <a:fillRef idx="1">
+        <a:scrgbClr r="0" g="0" b="0"/>
+      </a:fillRef>
+      <a:effectRef idx="0">
+        <a:scrgbClr r="0" g="0" b="0"/>
+      </a:effectRef>
+      <a:fontRef idx="minor"/>
+    </dgm:style>
+  </dgm:styleLbl>
+  <dgm:styleLbl name="bgShp">
+    <dgm:scene3d>
+      <a:camera prst="orthographicFront"/>
+      <a:lightRig rig="threePt" dir="t"/>
+    </dgm:scene3d>
+    <dgm:sp3d/>
+    <dgm:txPr/>
+    <dgm:style>
+      <a:lnRef idx="0">
+        <a:scrgbClr r="0" g="0" b="0"/>
+      </a:lnRef>
+      <a:fillRef idx="1">
+        <a:scrgbClr r="0" g="0" b="0"/>
+      </a:fillRef>
+      <a:effectRef idx="0">
+        <a:scrgbClr r="0" g="0" b="0"/>
+      </a:effectRef>
+      <a:fontRef idx="minor"/>
+    </dgm:style>
+  </dgm:styleLbl>
+  <dgm:styleLbl name="dkBgShp">
+    <dgm:scene3d>
+      <a:camera prst="orthographicFront"/>
+      <a:lightRig rig="threePt" dir="t"/>
+    </dgm:scene3d>
+    <dgm:sp3d/>
+    <dgm:txPr/>
+    <dgm:style>
+      <a:lnRef idx="0">
+        <a:scrgbClr r="0" g="0" b="0"/>
+      </a:lnRef>
+      <a:fillRef idx="1">
+        <a:scrgbClr r="0" g="0" b="0"/>
+      </a:fillRef>
+      <a:effectRef idx="0">
+        <a:scrgbClr r="0" g="0" b="0"/>
+      </a:effectRef>
+      <a:fontRef idx="minor"/>
+    </dgm:style>
+  </dgm:styleLbl>
+  <dgm:styleLbl name="trBgShp">
+    <dgm:scene3d>
+      <a:camera prst="orthographicFront"/>
+      <a:lightRig rig="threePt" dir="t"/>
+    </dgm:scene3d>
+    <dgm:sp3d/>
+    <dgm:txPr/>
+    <dgm:style>
+      <a:lnRef idx="0">
+        <a:scrgbClr r="0" g="0" b="0"/>
+      </a:lnRef>
+      <a:fillRef idx="1">
+        <a:scrgbClr r="0" g="0" b="0"/>
+      </a:fillRef>
+      <a:effectRef idx="0">
+        <a:scrgbClr r="0" g="0" b="0"/>
+      </a:effectRef>
+      <a:fontRef idx="minor"/>
+    </dgm:style>
+  </dgm:styleLbl>
+  <dgm:styleLbl name="fgShp">
+    <dgm:scene3d>
+      <a:camera prst="orthographicFront"/>
+      <a:lightRig rig="threePt" dir="t"/>
+    </dgm:scene3d>
+    <dgm:sp3d/>
+    <dgm:txPr/>
+    <dgm:style>
+      <a:lnRef idx="2">
+        <a:scrgbClr r="0" g="0" b="0"/>
+      </a:lnRef>
+      <a:fillRef idx="1">
+        <a:scrgbClr r="0" g="0" b="0"/>
+      </a:fillRef>
+      <a:effectRef idx="0">
+        <a:scrgbClr r="0" g="0" b="0"/>
+      </a:effectRef>
+      <a:fontRef idx="minor"/>
+    </dgm:style>
+  </dgm:styleLbl>
+  <dgm:styleLbl name="revTx">
+    <dgm:scene3d>
+      <a:camera prst="orthographicFront"/>
+      <a:lightRig rig="threePt" dir="t"/>
+    </dgm:scene3d>
+    <dgm:sp3d/>
+    <dgm:txPr/>
+    <dgm:style>
+      <a:lnRef idx="0">
+        <a:scrgbClr r="0" g="0" b="0"/>
+      </a:lnRef>
+      <a:fillRef idx="0">
+        <a:scrgbClr r="0" g="0" b="0"/>
+      </a:fillRef>
+      <a:effectRef idx="0">
+        <a:scrgbClr r="0" g="0" b="0"/>
+      </a:effectRef>
+      <a:fontRef idx="minor"/>
+    </dgm:style>
+  </dgm:styleLbl>
+</dgm:styleDef>
+</file>
+
+<file path=ppt/diagrams/quickStyle2.xml><?xml version="1.0" encoding="utf-8"?>
+<dgm:styleDef xmlns:dgm="http://schemas.openxmlformats.org/drawingml/2006/diagram" xmlns:a="http://schemas.openxmlformats.org/drawingml/2006/main" uniqueId="urn:microsoft.com/office/officeart/2005/8/quickstyle/simple1">
+  <dgm:title val=""/>
+  <dgm:desc val=""/>
+  <dgm:catLst>
+    <dgm:cat type="simple" pri="10100"/>
+  </dgm:catLst>
+  <dgm:scene3d>
+    <a:camera prst="orthographicFront"/>
+    <a:lightRig rig="threePt" dir="t"/>
+  </dgm:scene3d>
+  <dgm:styleLbl name="node0">
+    <dgm:scene3d>
+      <a:camera prst="orthographicFront"/>
+      <a:lightRig rig="threePt" dir="t"/>
+    </dgm:scene3d>
+    <dgm:sp3d/>
+    <dgm:txPr/>
+    <dgm:style>
+      <a:lnRef idx="2">
+        <a:scrgbClr r="0" g="0" b="0"/>
+      </a:lnRef>
+      <a:fillRef idx="1">
+        <a:scrgbClr r="0" g="0" b="0"/>
+      </a:fillRef>
+      <a:effectRef idx="0">
+        <a:scrgbClr r="0" g="0" b="0"/>
+      </a:effectRef>
+      <a:fontRef idx="minor">
+        <a:schemeClr val="lt1"/>
+      </a:fontRef>
+    </dgm:style>
+  </dgm:styleLbl>
+  <dgm:styleLbl name="lnNode1">
+    <dgm:scene3d>
+      <a:camera prst="orthographicFront"/>
+      <a:lightRig rig="threePt" dir="t"/>
+    </dgm:scene3d>
+    <dgm:sp3d/>
+    <dgm:txPr/>
+    <dgm:style>
+      <a:lnRef idx="2">
+        <a:scrgbClr r="0" g="0" b="0"/>
+      </a:lnRef>
+      <a:fillRef idx="1">
+        <a:scrgbClr r="0" g="0" b="0"/>
+      </a:fillRef>
+      <a:effectRef idx="0">
+        <a:scrgbClr r="0" g="0" b="0"/>
+      </a:effectRef>
+      <a:fontRef idx="minor">
+        <a:schemeClr val="lt1"/>
+      </a:fontRef>
+    </dgm:style>
+  </dgm:styleLbl>
+  <dgm:styleLbl name="vennNode1">
+    <dgm:scene3d>
+      <a:camera prst="orthographicFront"/>
+      <a:lightRig rig="threePt" dir="t"/>
+    </dgm:scene3d>
+    <dgm:sp3d/>
+    <dgm:txPr/>
+    <dgm:style>
+      <a:lnRef idx="2">
+        <a:scrgbClr r="0" g="0" b="0"/>
+      </a:lnRef>
+      <a:fillRef idx="1">
+        <a:scrgbClr r="0" g="0" b="0"/>
+      </a:fillRef>
+      <a:effectRef idx="0">
+        <a:scrgbClr r="0" g="0" b="0"/>
+      </a:effectRef>
+      <a:fontRef idx="minor">
+        <a:schemeClr val="tx1"/>
+      </a:fontRef>
+    </dgm:style>
+  </dgm:styleLbl>
+  <dgm:styleLbl name="alignNode1">
+    <dgm:scene3d>
+      <a:camera prst="orthographicFront"/>
+      <a:lightRig rig="threePt" dir="t"/>
+    </dgm:scene3d>
+    <dgm:sp3d/>
+    <dgm:txPr/>
+    <dgm:style>
+      <a:lnRef idx="2">
+        <a:scrgbClr r="0" g="0" b="0"/>
+      </a:lnRef>
+      <a:fillRef idx="1">
+        <a:scrgbClr r="0" g="0" b="0"/>
+      </a:fillRef>
+      <a:effectRef idx="0">
+        <a:scrgbClr r="0" g="0" b="0"/>
+      </a:effectRef>
+      <a:fontRef idx="minor">
+        <a:schemeClr val="lt1"/>
+      </a:fontRef>
+    </dgm:style>
+  </dgm:styleLbl>
+  <dgm:styleLbl name="node1">
+    <dgm:scene3d>
+      <a:camera prst="orthographicFront"/>
+      <a:lightRig rig="threePt" dir="t"/>
+    </dgm:scene3d>
+    <dgm:sp3d/>
+    <dgm:txPr/>
+    <dgm:style>
+      <a:lnRef idx="2">
+        <a:scrgbClr r="0" g="0" b="0"/>
+      </a:lnRef>
+      <a:fillRef idx="1">
+        <a:scrgbClr r="0" g="0" b="0"/>
+      </a:fillRef>
+      <a:effectRef idx="0">
+        <a:scrgbClr r="0" g="0" b="0"/>
+      </a:effectRef>
+      <a:fontRef idx="minor">
+        <a:schemeClr val="lt1"/>
+      </a:fontRef>
+    </dgm:style>
+  </dgm:styleLbl>
+  <dgm:styleLbl name="node2">
+    <dgm:scene3d>
+      <a:camera prst="orthographicFront"/>
+      <a:lightRig rig="threePt" dir="t"/>
+    </dgm:scene3d>
+    <dgm:sp3d/>
+    <dgm:txPr/>
+    <dgm:style>
+      <a:lnRef idx="2">
+        <a:scrgbClr r="0" g="0" b="0"/>
+      </a:lnRef>
+      <a:fillRef idx="1">
+        <a:scrgbClr r="0" g="0" b="0"/>
+      </a:fillRef>
+      <a:effectRef idx="0">
+        <a:scrgbClr r="0" g="0" b="0"/>
+      </a:effectRef>
+      <a:fontRef idx="minor">
+        <a:schemeClr val="lt1"/>
+      </a:fontRef>
+    </dgm:style>
+  </dgm:styleLbl>
+  <dgm:styleLbl name="node3">
+    <dgm:scene3d>
+      <a:camera prst="orthographicFront"/>
+      <a:lightRig rig="threePt" dir="t"/>
+    </dgm:scene3d>
+    <dgm:sp3d/>
+    <dgm:txPr/>
+    <dgm:style>
+      <a:lnRef idx="2">
+        <a:scrgbClr r="0" g="0" b="0"/>
+      </a:lnRef>
+      <a:fillRef idx="1">
+        <a:scrgbClr r="0" g="0" b="0"/>
+      </a:fillRef>
+      <a:effectRef idx="0">
+        <a:scrgbClr r="0" g="0" b="0"/>
+      </a:effectRef>
+      <a:fontRef idx="minor">
+        <a:schemeClr val="lt1"/>
+      </a:fontRef>
+    </dgm:style>
+  </dgm:styleLbl>
+  <dgm:styleLbl name="node4">
+    <dgm:scene3d>
+      <a:camera prst="orthographicFront"/>
+      <a:lightRig rig="threePt" dir="t"/>
+    </dgm:scene3d>
+    <dgm:sp3d/>
+    <dgm:txPr/>
+    <dgm:style>
+      <a:lnRef idx="2">
+        <a:scrgbClr r="0" g="0" b="0"/>
+      </a:lnRef>
+      <a:fillRef idx="1">
+        <a:scrgbClr r="0" g="0" b="0"/>
+      </a:fillRef>
+      <a:effectRef idx="0">
+        <a:scrgbClr r="0" g="0" b="0"/>
+      </a:effectRef>
+      <a:fontRef idx="minor">
+        <a:schemeClr val="lt1"/>
+      </a:fontRef>
+    </dgm:style>
+  </dgm:styleLbl>
+  <dgm:styleLbl name="fgImgPlace1">
+    <dgm:scene3d>
+      <a:camera prst="orthographicFront"/>
+      <a:lightRig rig="threePt" dir="t"/>
+    </dgm:scene3d>
+    <dgm:sp3d/>
+    <dgm:txPr/>
+    <dgm:style>
+      <a:lnRef idx="2">
+        <a:scrgbClr r="0" g="0" b="0"/>
+      </a:lnRef>
+      <a:fillRef idx="1">
+        <a:scrgbClr r="0" g="0" b="0"/>
+      </a:fillRef>
+      <a:effectRef idx="0">
+        <a:scrgbClr r="0" g="0" b="0"/>
+      </a:effectRef>
+      <a:fontRef idx="minor"/>
+    </dgm:style>
+  </dgm:styleLbl>
+  <dgm:styleLbl name="alignImgPlace1">
+    <dgm:scene3d>
+      <a:camera prst="orthographicFront"/>
+      <a:lightRig rig="threePt" dir="t"/>
+    </dgm:scene3d>
+    <dgm:sp3d/>
+    <dgm:txPr/>
+    <dgm:style>
+      <a:lnRef idx="2">
+        <a:scrgbClr r="0" g="0" b="0"/>
+      </a:lnRef>
+      <a:fillRef idx="1">
+        <a:scrgbClr r="0" g="0" b="0"/>
+      </a:fillRef>
+      <a:effectRef idx="0">
+        <a:scrgbClr r="0" g="0" b="0"/>
+      </a:effectRef>
+      <a:fontRef idx="minor"/>
+    </dgm:style>
+  </dgm:styleLbl>
+  <dgm:styleLbl name="bgImgPlace1">
+    <dgm:scene3d>
+      <a:camera prst="orthographicFront"/>
+      <a:lightRig rig="threePt" dir="t"/>
+    </dgm:scene3d>
+    <dgm:sp3d/>
+    <dgm:txPr/>
+    <dgm:style>
+      <a:lnRef idx="2">
+        <a:scrgbClr r="0" g="0" b="0"/>
+      </a:lnRef>
+      <a:fillRef idx="1">
+        <a:scrgbClr r="0" g="0" b="0"/>
+      </a:fillRef>
+      <a:effectRef idx="0">
+        <a:scrgbClr r="0" g="0" b="0"/>
+      </a:effectRef>
+      <a:fontRef idx="minor"/>
+    </dgm:style>
+  </dgm:styleLbl>
+  <dgm:styleLbl name="sibTrans2D1">
+    <dgm:scene3d>
+      <a:camera prst="orthographicFront"/>
+      <a:lightRig rig="threePt" dir="t"/>
+    </dgm:scene3d>
+    <dgm:sp3d/>
+    <dgm:txPr/>
+    <dgm:style>
+      <a:lnRef idx="0">
+        <a:scrgbClr r="0" g="0" b="0"/>
+      </a:lnRef>
+      <a:fillRef idx="1">
+        <a:scrgbClr r="0" g="0" b="0"/>
+      </a:fillRef>
+      <a:effectRef idx="0">
+        <a:scrgbClr r="0" g="0" b="0"/>
+      </a:effectRef>
+      <a:fontRef idx="minor">
+        <a:schemeClr val="lt1"/>
+      </a:fontRef>
+    </dgm:style>
+  </dgm:styleLbl>
+  <dgm:styleLbl name="fgSibTrans2D1">
+    <dgm:scene3d>
+      <a:camera prst="orthographicFront"/>
+      <a:lightRig rig="threePt" dir="t"/>
+    </dgm:scene3d>
+    <dgm:sp3d/>
+    <dgm:txPr/>
+    <dgm:style>
+      <a:lnRef idx="0">
+        <a:scrgbClr r="0" g="0" b="0"/>
+      </a:lnRef>
+      <a:fillRef idx="1">
+        <a:scrgbClr r="0" g="0" b="0"/>
+      </a:fillRef>
+      <a:effectRef idx="0">
+        <a:scrgbClr r="0" g="0" b="0"/>
+      </a:effectRef>
+      <a:fontRef idx="minor">
+        <a:schemeClr val="lt1"/>
+      </a:fontRef>
+    </dgm:style>
+  </dgm:styleLbl>
+  <dgm:styleLbl name="bgSibTrans2D1">
+    <dgm:scene3d>
+      <a:camera prst="orthographicFront"/>
+      <a:lightRig rig="threePt" dir="t"/>
+    </dgm:scene3d>
+    <dgm:sp3d/>
+    <dgm:txPr/>
+    <dgm:style>
+      <a:lnRef idx="0">
+        <a:scrgbClr r="0" g="0" b="0"/>
+      </a:lnRef>
+      <a:fillRef idx="1">
+        <a:scrgbClr r="0" g="0" b="0"/>
+      </a:fillRef>
+      <a:effectRef idx="0">
+        <a:scrgbClr r="0" g="0" b="0"/>
+      </a:effectRef>
+      <a:fontRef idx="minor">
+        <a:schemeClr val="lt1"/>
+      </a:fontRef>
+    </dgm:style>
+  </dgm:styleLbl>
+  <dgm:styleLbl name="sibTrans1D1">
+    <dgm:scene3d>
+      <a:camera prst="orthographicFront"/>
+      <a:lightRig rig="threePt" dir="t"/>
+    </dgm:scene3d>
+    <dgm:sp3d/>
+    <dgm:txPr/>
+    <dgm:style>
+      <a:lnRef idx="1">
+        <a:scrgbClr r="0" g="0" b="0"/>
+      </a:lnRef>
+      <a:fillRef idx="0">
+        <a:scrgbClr r="0" g="0" b="0"/>
+      </a:fillRef>
+      <a:effectRef idx="0">
+        <a:scrgbClr r="0" g="0" b="0"/>
+      </a:effectRef>
+      <a:fontRef idx="minor"/>
+    </dgm:style>
+  </dgm:styleLbl>
+  <dgm:styleLbl name="callout">
+    <dgm:scene3d>
+      <a:camera prst="orthographicFront"/>
+      <a:lightRig rig="threePt" dir="t"/>
+    </dgm:scene3d>
+    <dgm:sp3d/>
+    <dgm:txPr/>
+    <dgm:style>
+      <a:lnRef idx="2">
+        <a:scrgbClr r="0" g="0" b="0"/>
+      </a:lnRef>
+      <a:fillRef idx="1">
+        <a:scrgbClr r="0" g="0" b="0"/>
+      </a:fillRef>
+      <a:effectRef idx="0">
+        <a:scrgbClr r="0" g="0" b="0"/>
+      </a:effectRef>
+      <a:fontRef idx="minor"/>
+    </dgm:style>
+  </dgm:styleLbl>
+  <dgm:styleLbl name="asst0">
+    <dgm:scene3d>
+      <a:camera prst="orthographicFront"/>
+      <a:lightRig rig="threePt" dir="t"/>
+    </dgm:scene3d>
+    <dgm:sp3d/>
+    <dgm:txPr/>
+    <dgm:style>
+      <a:lnRef idx="2">
+        <a:scrgbClr r="0" g="0" b="0"/>
+      </a:lnRef>
+      <a:fillRef idx="1">
+        <a:scrgbClr r="0" g="0" b="0"/>
+      </a:fillRef>
+      <a:effectRef idx="0">
+        <a:scrgbClr r="0" g="0" b="0"/>
+      </a:effectRef>
+      <a:fontRef idx="minor">
+        <a:schemeClr val="lt1"/>
+      </a:fontRef>
+    </dgm:style>
+  </dgm:styleLbl>
+  <dgm:styleLbl name="asst1">
+    <dgm:scene3d>
+      <a:camera prst="orthographicFront"/>
+      <a:lightRig rig="threePt" dir="t"/>
+    </dgm:scene3d>
+    <dgm:sp3d/>
+    <dgm:txPr/>
+    <dgm:style>
+      <a:lnRef idx="2">
+        <a:scrgbClr r="0" g="0" b="0"/>
+      </a:lnRef>
+      <a:fillRef idx="1">
+        <a:scrgbClr r="0" g="0" b="0"/>
+      </a:fillRef>
+      <a:effectRef idx="0">
+        <a:scrgbClr r="0" g="0" b="0"/>
+      </a:effectRef>
+      <a:fontRef idx="minor">
+        <a:schemeClr val="lt1"/>
+      </a:fontRef>
+    </dgm:style>
+  </dgm:styleLbl>
+  <dgm:styleLbl name="asst2">
+    <dgm:scene3d>
+      <a:camera prst="orthographicFront"/>
+      <a:lightRig rig="threePt" dir="t"/>
+    </dgm:scene3d>
+    <dgm:sp3d/>
+    <dgm:txPr/>
+    <dgm:style>
+      <a:lnRef idx="2">
+        <a:scrgbClr r="0" g="0" b="0"/>
+      </a:lnRef>
+      <a:fillRef idx="1">
+        <a:scrgbClr r="0" g="0" b="0"/>
+      </a:fillRef>
+      <a:effectRef idx="0">
+        <a:scrgbClr r="0" g="0" b="0"/>
+      </a:effectRef>
+      <a:fontRef idx="minor">
+        <a:schemeClr val="lt1"/>
+      </a:fontRef>
+    </dgm:style>
+  </dgm:styleLbl>
+  <dgm:styleLbl name="asst3">
+    <dgm:scene3d>
+      <a:camera prst="orthographicFront"/>
+      <a:lightRig rig="threePt" dir="t"/>
+    </dgm:scene3d>
+    <dgm:sp3d/>
+    <dgm:txPr/>
+    <dgm:style>
+      <a:lnRef idx="2">
+        <a:scrgbClr r="0" g="0" b="0"/>
+      </a:lnRef>
+      <a:fillRef idx="1">
+        <a:scrgbClr r="0" g="0" b="0"/>
+      </a:fillRef>
+      <a:effectRef idx="0">
+        <a:scrgbClr r="0" g="0" b="0"/>
+      </a:effectRef>
+      <a:fontRef idx="minor">
+        <a:schemeClr val="lt1"/>
+      </a:fontRef>
+    </dgm:style>
+  </dgm:styleLbl>
+  <dgm:styleLbl name="asst4">
+    <dgm:scene3d>
+      <a:camera prst="orthographicFront"/>
+      <a:lightRig rig="threePt" dir="t"/>
+    </dgm:scene3d>
+    <dgm:sp3d/>
+    <dgm:txPr/>
+    <dgm:style>
+      <a:lnRef idx="2">
+        <a:scrgbClr r="0" g="0" b="0"/>
+      </a:lnRef>
+      <a:fillRef idx="1">
+        <a:scrgbClr r="0" g="0" b="0"/>
+      </a:fillRef>
+      <a:effectRef idx="0">
+        <a:scrgbClr r="0" g="0" b="0"/>
+      </a:effectRef>
+      <a:fontRef idx="minor">
+        <a:schemeClr val="lt1"/>
+      </a:fontRef>
+    </dgm:style>
+  </dgm:styleLbl>
+  <dgm:styleLbl name="parChTrans2D1">
+    <dgm:scene3d>
+      <a:camera prst="orthographicFront"/>
+      <a:lightRig rig="threePt" dir="t"/>
+    </dgm:scene3d>
+    <dgm:sp3d/>
+    <dgm:txPr/>
+    <dgm:style>
+      <a:lnRef idx="2">
+        <a:scrgbClr r="0" g="0" b="0"/>
+      </a:lnRef>
+      <a:fillRef idx="1">
+        <a:scrgbClr r="0" g="0" b="0"/>
+      </a:fillRef>
+      <a:effectRef idx="0">
+        <a:scrgbClr r="0" g="0" b="0"/>
+      </a:effectRef>
+      <a:fontRef idx="minor">
+        <a:schemeClr val="lt1"/>
+      </a:fontRef>
+    </dgm:style>
+  </dgm:styleLbl>
+  <dgm:styleLbl name="parChTrans2D2">
+    <dgm:scene3d>
+      <a:camera prst="orthographicFront"/>
+      <a:lightRig rig="threePt" dir="t"/>
+    </dgm:scene3d>
+    <dgm:sp3d/>
+    <dgm:txPr/>
+    <dgm:style>
+      <a:lnRef idx="2">
+        <a:scrgbClr r="0" g="0" b="0"/>
+      </a:lnRef>
+      <a:fillRef idx="1">
+        <a:scrgbClr r="0" g="0" b="0"/>
+      </a:fillRef>
+      <a:effectRef idx="0">
+        <a:scrgbClr r="0" g="0" b="0"/>
+      </a:effectRef>
+      <a:fontRef idx="minor">
+        <a:schemeClr val="lt1"/>
+      </a:fontRef>
+    </dgm:style>
+  </dgm:styleLbl>
+  <dgm:styleLbl name="parChTrans2D3">
+    <dgm:scene3d>
+      <a:camera prst="orthographicFront"/>
+      <a:lightRig rig="threePt" dir="t"/>
+    </dgm:scene3d>
+    <dgm:sp3d/>
+    <dgm:txPr/>
+    <dgm:style>
+      <a:lnRef idx="2">
+        <a:scrgbClr r="0" g="0" b="0"/>
+      </a:lnRef>
+      <a:fillRef idx="1">
+        <a:scrgbClr r="0" g="0" b="0"/>
+      </a:fillRef>
+      <a:effectRef idx="0">
+        <a:scrgbClr r="0" g="0" b="0"/>
+      </a:effectRef>
+      <a:fontRef idx="minor">
+        <a:schemeClr val="lt1"/>
+      </a:fontRef>
+    </dgm:style>
+  </dgm:styleLbl>
+  <dgm:styleLbl name="parChTrans2D4">
+    <dgm:scene3d>
+      <a:camera prst="orthographicFront"/>
+      <a:lightRig rig="threePt" dir="t"/>
+    </dgm:scene3d>
+    <dgm:sp3d/>
+    <dgm:txPr/>
+    <dgm:style>
+      <a:lnRef idx="2">
+        <a:scrgbClr r="0" g="0" b="0"/>
+      </a:lnRef>
+      <a:fillRef idx="1">
+        <a:scrgbClr r="0" g="0" b="0"/>
+      </a:fillRef>
+      <a:effectRef idx="0">
+        <a:scrgbClr r="0" g="0" b="0"/>
+      </a:effectRef>
+      <a:fontRef idx="minor">
+        <a:schemeClr val="lt1"/>
+      </a:fontRef>
+    </dgm:style>
+  </dgm:styleLbl>
+  <dgm:styleLbl name="parChTrans1D1">
+    <dgm:scene3d>
+      <a:camera prst="orthographicFront"/>
+      <a:lightRig rig="threePt" dir="t"/>
+    </dgm:scene3d>
+    <dgm:sp3d/>
+    <dgm:txPr/>
+    <dgm:style>
+      <a:lnRef idx="2">
+        <a:scrgbClr r="0" g="0" b="0"/>
+      </a:lnRef>
+      <a:fillRef idx="0">
+        <a:scrgbClr r="0" g="0" b="0"/>
+      </a:fillRef>
+      <a:effectRef idx="0">
+        <a:scrgbClr r="0" g="0" b="0"/>
+      </a:effectRef>
+      <a:fontRef idx="minor"/>
+    </dgm:style>
+  </dgm:styleLbl>
+  <dgm:styleLbl name="parChTrans1D2">
+    <dgm:scene3d>
+      <a:camera prst="orthographicFront"/>
+      <a:lightRig rig="threePt" dir="t"/>
+    </dgm:scene3d>
+    <dgm:sp3d/>
+    <dgm:txPr/>
+    <dgm:style>
+      <a:lnRef idx="2">
+        <a:scrgbClr r="0" g="0" b="0"/>
+      </a:lnRef>
+      <a:fillRef idx="0">
+        <a:scrgbClr r="0" g="0" b="0"/>
+      </a:fillRef>
+      <a:effectRef idx="0">
+        <a:scrgbClr r="0" g="0" b="0"/>
+      </a:effectRef>
+      <a:fontRef idx="minor"/>
+    </dgm:style>
+  </dgm:styleLbl>
+  <dgm:styleLbl name="parChTrans1D3">
+    <dgm:scene3d>
+      <a:camera prst="orthographicFront"/>
+      <a:lightRig rig="threePt" dir="t"/>
+    </dgm:scene3d>
+    <dgm:sp3d/>
+    <dgm:txPr/>
+    <dgm:style>
+      <a:lnRef idx="2">
+        <a:scrgbClr r="0" g="0" b="0"/>
+      </a:lnRef>
+      <a:fillRef idx="0">
+        <a:scrgbClr r="0" g="0" b="0"/>
+      </a:fillRef>
+      <a:effectRef idx="0">
+        <a:scrgbClr r="0" g="0" b="0"/>
+      </a:effectRef>
+      <a:fontRef idx="minor"/>
+    </dgm:style>
+  </dgm:styleLbl>
+  <dgm:styleLbl name="parChTrans1D4">
+    <dgm:scene3d>
+      <a:camera prst="orthographicFront"/>
+      <a:lightRig rig="threePt" dir="t"/>
+    </dgm:scene3d>
+    <dgm:sp3d/>
+    <dgm:txPr/>
+    <dgm:style>
+      <a:lnRef idx="2">
+        <a:scrgbClr r="0" g="0" b="0"/>
+      </a:lnRef>
+      <a:fillRef idx="0">
+        <a:scrgbClr r="0" g="0" b="0"/>
+      </a:fillRef>
+      <a:effectRef idx="0">
+        <a:scrgbClr r="0" g="0" b="0"/>
+      </a:effectRef>
+      <a:fontRef idx="minor"/>
+    </dgm:style>
+  </dgm:styleLbl>
+  <dgm:styleLbl name="fgAcc1">
+    <dgm:scene3d>
+      <a:camera prst="orthographicFront"/>
+      <a:lightRig rig="threePt" dir="t"/>
+    </dgm:scene3d>
+    <dgm:sp3d/>
+    <dgm:txPr/>
+    <dgm:style>
+      <a:lnRef idx="2">
+        <a:scrgbClr r="0" g="0" b="0"/>
+      </a:lnRef>
+      <a:fillRef idx="1">
+        <a:scrgbClr r="0" g="0" b="0"/>
+      </a:fillRef>
+      <a:effectRef idx="0">
+        <a:scrgbClr r="0" g="0" b="0"/>
+      </a:effectRef>
+      <a:fontRef idx="minor"/>
+    </dgm:style>
+  </dgm:styleLbl>
+  <dgm:styleLbl name="conFgAcc1">
+    <dgm:scene3d>
+      <a:camera prst="orthographicFront"/>
+      <a:lightRig rig="threePt" dir="t"/>
+    </dgm:scene3d>
+    <dgm:sp3d/>
+    <dgm:txPr/>
+    <dgm:style>
+      <a:lnRef idx="2">
+        <a:scrgbClr r="0" g="0" b="0"/>
+      </a:lnRef>
+      <a:fillRef idx="1">
+        <a:scrgbClr r="0" g="0" b="0"/>
+      </a:fillRef>
+      <a:effectRef idx="0">
+        <a:scrgbClr r="0" g="0" b="0"/>
+      </a:effectRef>
+      <a:fontRef idx="minor"/>
+    </dgm:style>
+  </dgm:styleLbl>
+  <dgm:styleLbl name="alignAcc1">
+    <dgm:scene3d>
+      <a:camera prst="orthographicFront"/>
+      <a:lightRig rig="threePt" dir="t"/>
+    </dgm:scene3d>
+    <dgm:sp3d/>
+    <dgm:txPr/>
+    <dgm:style>
+      <a:lnRef idx="2">
+        <a:scrgbClr r="0" g="0" b="0"/>
+      </a:lnRef>
+      <a:fillRef idx="1">
+        <a:scrgbClr r="0" g="0" b="0"/>
+      </a:fillRef>
+      <a:effectRef idx="0">
+        <a:scrgbClr r="0" g="0" b="0"/>
+      </a:effectRef>
+      <a:fontRef idx="minor"/>
+    </dgm:style>
+  </dgm:styleLbl>
+  <dgm:styleLbl name="trAlignAcc1">
+    <dgm:scene3d>
+      <a:camera prst="orthographicFront"/>
+      <a:lightRig rig="threePt" dir="t"/>
+    </dgm:scene3d>
+    <dgm:sp3d/>
+    <dgm:txPr/>
+    <dgm:style>
+      <a:lnRef idx="1">
+        <a:scrgbClr r="0" g="0" b="0"/>
+      </a:lnRef>
+      <a:fillRef idx="1">
+        <a:scrgbClr r="0" g="0" b="0"/>
+      </a:fillRef>
+      <a:effectRef idx="0">
+        <a:scrgbClr r="0" g="0" b="0"/>
+      </a:effectRef>
+      <a:fontRef idx="minor"/>
+    </dgm:style>
+  </dgm:styleLbl>
+  <dgm:styleLbl name="bgAcc1">
+    <dgm:scene3d>
+      <a:camera prst="orthographicFront"/>
+      <a:lightRig rig="threePt" dir="t"/>
+    </dgm:scene3d>
+    <dgm:sp3d/>
+    <dgm:txPr/>
+    <dgm:style>
+      <a:lnRef idx="2">
+        <a:scrgbClr r="0" g="0" b="0"/>
+      </a:lnRef>
+      <a:fillRef idx="1">
+        <a:scrgbClr r="0" g="0" b="0"/>
+      </a:fillRef>
+      <a:effectRef idx="0">
+        <a:scrgbClr r="0" g="0" b="0"/>
+      </a:effectRef>
+      <a:fontRef idx="minor"/>
+    </dgm:style>
+  </dgm:styleLbl>
+  <dgm:styleLbl name="solidFgAcc1">
+    <dgm:scene3d>
+      <a:camera prst="orthographicFront"/>
+      <a:lightRig rig="threePt" dir="t"/>
+    </dgm:scene3d>
+    <dgm:sp3d/>
+    <dgm:txPr/>
+    <dgm:style>
+      <a:lnRef idx="2">
+        <a:scrgbClr r="0" g="0" b="0"/>
+      </a:lnRef>
+      <a:fillRef idx="1">
+        <a:scrgbClr r="0" g="0" b="0"/>
+      </a:fillRef>
+      <a:effectRef idx="0">
+        <a:scrgbClr r="0" g="0" b="0"/>
+      </a:effectRef>
+      <a:fontRef idx="minor"/>
+    </dgm:style>
+  </dgm:styleLbl>
+  <dgm:styleLbl name="solidAlignAcc1">
+    <dgm:scene3d>
+      <a:camera prst="orthographicFront"/>
+      <a:lightRig rig="threePt" dir="t"/>
+    </dgm:scene3d>
+    <dgm:sp3d/>
+    <dgm:txPr/>
+    <dgm:style>
+      <a:lnRef idx="2">
+        <a:scrgbClr r="0" g="0" b="0"/>
+      </a:lnRef>
+      <a:fillRef idx="1">
+        <a:scrgbClr r="0" g="0" b="0"/>
+      </a:fillRef>
+      <a:effectRef idx="0">
+        <a:scrgbClr r="0" g="0" b="0"/>
+      </a:effectRef>
+      <a:fontRef idx="minor"/>
+    </dgm:style>
+  </dgm:styleLbl>
+  <dgm:styleLbl name="solidBgAcc1">
+    <dgm:scene3d>
+      <a:camera prst="orthographicFront"/>
+      <a:lightRig rig="threePt" dir="t"/>
+    </dgm:scene3d>
+    <dgm:sp3d/>
+    <dgm:txPr/>
+    <dgm:style>
+      <a:lnRef idx="2">
+        <a:scrgbClr r="0" g="0" b="0"/>
+      </a:lnRef>
+      <a:fillRef idx="1">
+        <a:scrgbClr r="0" g="0" b="0"/>
+      </a:fillRef>
+      <a:effectRef idx="0">
+        <a:scrgbClr r="0" g="0" b="0"/>
+      </a:effectRef>
+      <a:fontRef idx="minor"/>
+    </dgm:style>
+  </dgm:styleLbl>
+  <dgm:styleLbl name="fgAccFollowNode1">
+    <dgm:scene3d>
+      <a:camera prst="orthographicFront"/>
+      <a:lightRig rig="threePt" dir="t"/>
+    </dgm:scene3d>
+    <dgm:sp3d/>
+    <dgm:txPr/>
+    <dgm:style>
+      <a:lnRef idx="2">
+        <a:scrgbClr r="0" g="0" b="0"/>
+      </a:lnRef>
+      <a:fillRef idx="1">
+        <a:scrgbClr r="0" g="0" b="0"/>
+      </a:fillRef>
+      <a:effectRef idx="0">
+        <a:scrgbClr r="0" g="0" b="0"/>
+      </a:effectRef>
+      <a:fontRef idx="minor"/>
+    </dgm:style>
+  </dgm:styleLbl>
+  <dgm:styleLbl name="alignAccFollowNode1">
+    <dgm:scene3d>
+      <a:camera prst="orthographicFront"/>
+      <a:lightRig rig="threePt" dir="t"/>
+    </dgm:scene3d>
+    <dgm:sp3d/>
+    <dgm:txPr/>
+    <dgm:style>
+      <a:lnRef idx="2">
+        <a:scrgbClr r="0" g="0" b="0"/>
+      </a:lnRef>
+      <a:fillRef idx="1">
+        <a:scrgbClr r="0" g="0" b="0"/>
+      </a:fillRef>
+      <a:effectRef idx="0">
+        <a:scrgbClr r="0" g="0" b="0"/>
+      </a:effectRef>
+      <a:fontRef idx="minor"/>
+    </dgm:style>
+  </dgm:styleLbl>
+  <dgm:styleLbl name="bgAccFollowNode1">
+    <dgm:scene3d>
+      <a:camera prst="orthographicFront"/>
+      <a:lightRig rig="threePt" dir="t"/>
+    </dgm:scene3d>
+    <dgm:sp3d/>
+    <dgm:txPr/>
+    <dgm:style>
+      <a:lnRef idx="2">
+        <a:scrgbClr r="0" g="0" b="0"/>
+      </a:lnRef>
+      <a:fillRef idx="1">
+        <a:scrgbClr r="0" g="0" b="0"/>
+      </a:fillRef>
+      <a:effectRef idx="0">
+        <a:scrgbClr r="0" g="0" b="0"/>
+      </a:effectRef>
+      <a:fontRef idx="minor"/>
+    </dgm:style>
+  </dgm:styleLbl>
+  <dgm:styleLbl name="fgAcc0">
+    <dgm:scene3d>
+      <a:camera prst="orthographicFront"/>
+      <a:lightRig rig="threePt" dir="t"/>
+    </dgm:scene3d>
+    <dgm:sp3d/>
+    <dgm:txPr/>
+    <dgm:style>
+      <a:lnRef idx="2">
+        <a:scrgbClr r="0" g="0" b="0"/>
+      </a:lnRef>
+      <a:fillRef idx="1">
+        <a:scrgbClr r="0" g="0" b="0"/>
+      </a:fillRef>
+      <a:effectRef idx="0">
+        <a:scrgbClr r="0" g="0" b="0"/>
+      </a:effectRef>
+      <a:fontRef idx="minor"/>
+    </dgm:style>
+  </dgm:styleLbl>
+  <dgm:styleLbl name="fgAcc2">
+    <dgm:scene3d>
+      <a:camera prst="orthographicFront"/>
+      <a:lightRig rig="threePt" dir="t"/>
+    </dgm:scene3d>
+    <dgm:sp3d/>
+    <dgm:txPr/>
+    <dgm:style>
+      <a:lnRef idx="2">
+        <a:scrgbClr r="0" g="0" b="0"/>
+      </a:lnRef>
+      <a:fillRef idx="1">
+        <a:scrgbClr r="0" g="0" b="0"/>
+      </a:fillRef>
+      <a:effectRef idx="0">
+        <a:scrgbClr r="0" g="0" b="0"/>
+      </a:effectRef>
+      <a:fontRef idx="minor"/>
+    </dgm:style>
+  </dgm:styleLbl>
+  <dgm:styleLbl name="fgAcc3">
+    <dgm:scene3d>
+      <a:camera prst="orthographicFront"/>
+      <a:lightRig rig="threePt" dir="t"/>
+    </dgm:scene3d>
+    <dgm:sp3d/>
+    <dgm:txPr/>
+    <dgm:style>
+      <a:lnRef idx="2">
+        <a:scrgbClr r="0" g="0" b="0"/>
+      </a:lnRef>
+      <a:fillRef idx="1">
+        <a:scrgbClr r="0" g="0" b="0"/>
+      </a:fillRef>
+      <a:effectRef idx="0">
+        <a:scrgbClr r="0" g="0" b="0"/>
+      </a:effectRef>
+      <a:fontRef idx="minor"/>
+    </dgm:style>
+  </dgm:styleLbl>
+  <dgm:styleLbl name="fgAcc4">
+    <dgm:scene3d>
+      <a:camera prst="orthographicFront"/>
+      <a:lightRig rig="threePt" dir="t"/>
+    </dgm:scene3d>
+    <dgm:sp3d/>
+    <dgm:txPr/>
+    <dgm:style>
+      <a:lnRef idx="2">
+        <a:scrgbClr r="0" g="0" b="0"/>
+      </a:lnRef>
+      <a:fillRef idx="1">
+        <a:scrgbClr r="0" g="0" b="0"/>
+      </a:fillRef>
+      <a:effectRef idx="0">
+        <a:scrgbClr r="0" g="0" b="0"/>
+      </a:effectRef>
+      <a:fontRef idx="minor"/>
+    </dgm:style>
+  </dgm:styleLbl>
+  <dgm:styleLbl name="bgShp">
+    <dgm:scene3d>
+      <a:camera prst="orthographicFront"/>
+      <a:lightRig rig="threePt" dir="t"/>
+    </dgm:scene3d>
+    <dgm:sp3d/>
+    <dgm:txPr/>
+    <dgm:style>
+      <a:lnRef idx="0">
+        <a:scrgbClr r="0" g="0" b="0"/>
+      </a:lnRef>
+      <a:fillRef idx="1">
+        <a:scrgbClr r="0" g="0" b="0"/>
+      </a:fillRef>
+      <a:effectRef idx="0">
+        <a:scrgbClr r="0" g="0" b="0"/>
+      </a:effectRef>
+      <a:fontRef idx="minor"/>
+    </dgm:style>
+  </dgm:styleLbl>
+  <dgm:styleLbl name="dkBgShp">
+    <dgm:scene3d>
+      <a:camera prst="orthographicFront"/>
+      <a:lightRig rig="threePt" dir="t"/>
+    </dgm:scene3d>
+    <dgm:sp3d/>
+    <dgm:txPr/>
+    <dgm:style>
+      <a:lnRef idx="0">
+        <a:scrgbClr r="0" g="0" b="0"/>
+      </a:lnRef>
+      <a:fillRef idx="1">
+        <a:scrgbClr r="0" g="0" b="0"/>
+      </a:fillRef>
+      <a:effectRef idx="0">
+        <a:scrgbClr r="0" g="0" b="0"/>
+      </a:effectRef>
+      <a:fontRef idx="minor"/>
+    </dgm:style>
+  </dgm:styleLbl>
+  <dgm:styleLbl name="trBgShp">
+    <dgm:scene3d>
+      <a:camera prst="orthographicFront"/>
+      <a:lightRig rig="threePt" dir="t"/>
+    </dgm:scene3d>
+    <dgm:sp3d/>
+    <dgm:txPr/>
+    <dgm:style>
+      <a:lnRef idx="0">
+        <a:scrgbClr r="0" g="0" b="0"/>
+      </a:lnRef>
+      <a:fillRef idx="1">
+        <a:scrgbClr r="0" g="0" b="0"/>
+      </a:fillRef>
+      <a:effectRef idx="0">
+        <a:scrgbClr r="0" g="0" b="0"/>
+      </a:effectRef>
+      <a:fontRef idx="minor"/>
+    </dgm:style>
+  </dgm:styleLbl>
+  <dgm:styleLbl name="fgShp">
+    <dgm:scene3d>
+      <a:camera prst="orthographicFront"/>
+      <a:lightRig rig="threePt" dir="t"/>
+    </dgm:scene3d>
+    <dgm:sp3d/>
+    <dgm:txPr/>
+    <dgm:style>
+      <a:lnRef idx="2">
+        <a:scrgbClr r="0" g="0" b="0"/>
+      </a:lnRef>
+      <a:fillRef idx="1">
+        <a:scrgbClr r="0" g="0" b="0"/>
+      </a:fillRef>
+      <a:effectRef idx="0">
+        <a:scrgbClr r="0" g="0" b="0"/>
+      </a:effectRef>
+      <a:fontRef idx="minor"/>
+    </dgm:style>
+  </dgm:styleLbl>
+  <dgm:styleLbl name="revTx">
+    <dgm:scene3d>
+      <a:camera prst="orthographicFront"/>
+      <a:lightRig rig="threePt" dir="t"/>
+    </dgm:scene3d>
+    <dgm:sp3d/>
+    <dgm:txPr/>
+    <dgm:style>
+      <a:lnRef idx="0">
+        <a:scrgbClr r="0" g="0" b="0"/>
+      </a:lnRef>
+      <a:fillRef idx="0">
+        <a:scrgbClr r="0" g="0" b="0"/>
+      </a:fillRef>
+      <a:effectRef idx="0">
+        <a:scrgbClr r="0" g="0" b="0"/>
+      </a:effectRef>
+      <a:fontRef idx="minor"/>
+    </dgm:style>
+  </dgm:styleLbl>
+</dgm:styleDef>
+</file>
+
 <file path=ppt/slideLayouts/slideLayout1.xml><?xml version="1.0" encoding="utf-8"?>
 <p:sldLayout xmlns:a="http://schemas.openxmlformats.org/drawingml/2006/main" xmlns:r="http://schemas.openxmlformats.org/officeDocument/2006/relationships" xmlns:p="http://schemas.openxmlformats.org/presentationml/2006/main" type="title" preserve="1">
   <p:cSld name="Title Slide">
@@ -243,7 +5535,7 @@
           <a:p>
             <a:fld id="{DC543128-6B2F-4E1B-8CDA-E6AA3E44DC33}" type="datetimeFigureOut">
               <a:rPr lang="en-US" smtClean="0"/>
-              <a:t>7/25/2015</a:t>
+              <a:t>1/25/2016</a:t>
             </a:fld>
             <a:endParaRPr lang="en-US"/>
           </a:p>
@@ -413,7 +5705,7 @@
           <a:p>
             <a:fld id="{DC543128-6B2F-4E1B-8CDA-E6AA3E44DC33}" type="datetimeFigureOut">
               <a:rPr lang="en-US" smtClean="0"/>
-              <a:t>7/25/2015</a:t>
+              <a:t>1/25/2016</a:t>
             </a:fld>
             <a:endParaRPr lang="en-US"/>
           </a:p>
@@ -593,7 +5885,7 @@
           <a:p>
             <a:fld id="{DC543128-6B2F-4E1B-8CDA-E6AA3E44DC33}" type="datetimeFigureOut">
               <a:rPr lang="en-US" smtClean="0"/>
-              <a:t>7/25/2015</a:t>
+              <a:t>1/25/2016</a:t>
             </a:fld>
             <a:endParaRPr lang="en-US"/>
           </a:p>
@@ -763,7 +6055,7 @@
           <a:p>
             <a:fld id="{DC543128-6B2F-4E1B-8CDA-E6AA3E44DC33}" type="datetimeFigureOut">
               <a:rPr lang="en-US" smtClean="0"/>
-              <a:t>7/25/2015</a:t>
+              <a:t>1/25/2016</a:t>
             </a:fld>
             <a:endParaRPr lang="en-US"/>
           </a:p>
@@ -1009,7 +6301,7 @@
           <a:p>
             <a:fld id="{DC543128-6B2F-4E1B-8CDA-E6AA3E44DC33}" type="datetimeFigureOut">
               <a:rPr lang="en-US" smtClean="0"/>
-              <a:t>7/25/2015</a:t>
+              <a:t>1/25/2016</a:t>
             </a:fld>
             <a:endParaRPr lang="en-US"/>
           </a:p>
@@ -1241,7 +6533,7 @@
           <a:p>
             <a:fld id="{DC543128-6B2F-4E1B-8CDA-E6AA3E44DC33}" type="datetimeFigureOut">
               <a:rPr lang="en-US" smtClean="0"/>
-              <a:t>7/25/2015</a:t>
+              <a:t>1/25/2016</a:t>
             </a:fld>
             <a:endParaRPr lang="en-US"/>
           </a:p>
@@ -1608,7 +6900,7 @@
           <a:p>
             <a:fld id="{DC543128-6B2F-4E1B-8CDA-E6AA3E44DC33}" type="datetimeFigureOut">
               <a:rPr lang="en-US" smtClean="0"/>
-              <a:t>7/25/2015</a:t>
+              <a:t>1/25/2016</a:t>
             </a:fld>
             <a:endParaRPr lang="en-US"/>
           </a:p>
@@ -1726,7 +7018,7 @@
           <a:p>
             <a:fld id="{DC543128-6B2F-4E1B-8CDA-E6AA3E44DC33}" type="datetimeFigureOut">
               <a:rPr lang="en-US" smtClean="0"/>
-              <a:t>7/25/2015</a:t>
+              <a:t>1/25/2016</a:t>
             </a:fld>
             <a:endParaRPr lang="en-US"/>
           </a:p>
@@ -1821,7 +7113,7 @@
           <a:p>
             <a:fld id="{DC543128-6B2F-4E1B-8CDA-E6AA3E44DC33}" type="datetimeFigureOut">
               <a:rPr lang="en-US" smtClean="0"/>
-              <a:t>7/25/2015</a:t>
+              <a:t>1/25/2016</a:t>
             </a:fld>
             <a:endParaRPr lang="en-US"/>
           </a:p>
@@ -2098,7 +7390,7 @@
           <a:p>
             <a:fld id="{DC543128-6B2F-4E1B-8CDA-E6AA3E44DC33}" type="datetimeFigureOut">
               <a:rPr lang="en-US" smtClean="0"/>
-              <a:t>7/25/2015</a:t>
+              <a:t>1/25/2016</a:t>
             </a:fld>
             <a:endParaRPr lang="en-US"/>
           </a:p>
@@ -2351,7 +7643,7 @@
           <a:p>
             <a:fld id="{DC543128-6B2F-4E1B-8CDA-E6AA3E44DC33}" type="datetimeFigureOut">
               <a:rPr lang="en-US" smtClean="0"/>
-              <a:t>7/25/2015</a:t>
+              <a:t>1/25/2016</a:t>
             </a:fld>
             <a:endParaRPr lang="en-US"/>
           </a:p>
@@ -2564,7 +7856,7 @@
           <a:p>
             <a:fld id="{DC543128-6B2F-4E1B-8CDA-E6AA3E44DC33}" type="datetimeFigureOut">
               <a:rPr lang="en-US" smtClean="0"/>
-              <a:t>7/25/2015</a:t>
+              <a:t>1/25/2016</a:t>
             </a:fld>
             <a:endParaRPr lang="en-US"/>
           </a:p>
@@ -3080,6 +8372,210 @@
 </p:sld>
 </file>
 
+<file path=ppt/slides/slide2.xml><?xml version="1.0" encoding="utf-8"?>
+<p:sld xmlns:a="http://schemas.openxmlformats.org/drawingml/2006/main" xmlns:r="http://schemas.openxmlformats.org/officeDocument/2006/relationships" xmlns:p="http://schemas.openxmlformats.org/presentationml/2006/main">
+  <p:cSld>
+    <p:spTree>
+      <p:nvGrpSpPr>
+        <p:cNvPr id="1" name=""/>
+        <p:cNvGrpSpPr/>
+        <p:nvPr/>
+      </p:nvGrpSpPr>
+      <p:grpSpPr>
+        <a:xfrm>
+          <a:off x="0" y="0"/>
+          <a:ext cx="0" cy="0"/>
+          <a:chOff x="0" y="0"/>
+          <a:chExt cx="0" cy="0"/>
+        </a:xfrm>
+      </p:grpSpPr>
+      <p:graphicFrame>
+        <p:nvGraphicFramePr>
+          <p:cNvPr id="6" name="Diagram 5"/>
+          <p:cNvGraphicFramePr/>
+          <p:nvPr>
+            <p:extLst>
+              <p:ext uri="{D42A27DB-BD31-4B8C-83A1-F6EECF244321}">
+                <p14:modId xmlns:p14="http://schemas.microsoft.com/office/powerpoint/2010/main" val="2593584392"/>
+              </p:ext>
+            </p:extLst>
+          </p:nvPr>
+        </p:nvGraphicFramePr>
+        <p:xfrm>
+          <a:off x="1916590" y="479969"/>
+          <a:ext cx="7654130" cy="4498431"/>
+        </p:xfrm>
+        <a:graphic>
+          <a:graphicData uri="http://schemas.openxmlformats.org/drawingml/2006/diagram">
+            <dgm:relIds xmlns:dgm="http://schemas.openxmlformats.org/drawingml/2006/diagram" xmlns:r="http://schemas.openxmlformats.org/officeDocument/2006/relationships" r:dm="rId2" r:lo="rId3" r:qs="rId4" r:cs="rId5"/>
+          </a:graphicData>
+        </a:graphic>
+      </p:graphicFrame>
+    </p:spTree>
+    <p:extLst>
+      <p:ext uri="{BB962C8B-B14F-4D97-AF65-F5344CB8AC3E}">
+        <p14:creationId xmlns:p14="http://schemas.microsoft.com/office/powerpoint/2010/main" val="35989526"/>
+      </p:ext>
+    </p:extLst>
+  </p:cSld>
+  <p:clrMapOvr>
+    <a:masterClrMapping/>
+  </p:clrMapOvr>
+</p:sld>
+</file>
+
+<file path=ppt/slides/slide3.xml><?xml version="1.0" encoding="utf-8"?>
+<p:sld xmlns:a="http://schemas.openxmlformats.org/drawingml/2006/main" xmlns:r="http://schemas.openxmlformats.org/officeDocument/2006/relationships" xmlns:p="http://schemas.openxmlformats.org/presentationml/2006/main">
+  <p:cSld>
+    <p:spTree>
+      <p:nvGrpSpPr>
+        <p:cNvPr id="1" name=""/>
+        <p:cNvGrpSpPr/>
+        <p:nvPr/>
+      </p:nvGrpSpPr>
+      <p:grpSpPr>
+        <a:xfrm>
+          <a:off x="0" y="0"/>
+          <a:ext cx="0" cy="0"/>
+          <a:chOff x="0" y="0"/>
+          <a:chExt cx="0" cy="0"/>
+        </a:xfrm>
+      </p:grpSpPr>
+      <p:graphicFrame>
+        <p:nvGraphicFramePr>
+          <p:cNvPr id="6" name="Diagram 5"/>
+          <p:cNvGraphicFramePr/>
+          <p:nvPr/>
+        </p:nvGraphicFramePr>
+        <p:xfrm>
+          <a:off x="1916590" y="479969"/>
+          <a:ext cx="7654130" cy="4498431"/>
+        </p:xfrm>
+        <a:graphic>
+          <a:graphicData uri="http://schemas.openxmlformats.org/drawingml/2006/diagram">
+            <dgm:relIds xmlns:dgm="http://schemas.openxmlformats.org/drawingml/2006/diagram" xmlns:r="http://schemas.openxmlformats.org/officeDocument/2006/relationships" r:dm="rId2" r:lo="rId3" r:qs="rId4" r:cs="rId5"/>
+          </a:graphicData>
+        </a:graphic>
+      </p:graphicFrame>
+      <p:sp>
+        <p:nvSpPr>
+          <p:cNvPr id="8" name="Left Brace 7"/>
+          <p:cNvSpPr/>
+          <p:nvPr/>
+        </p:nvSpPr>
+        <p:spPr>
+          <a:xfrm rot="16200000">
+            <a:off x="5374640" y="2118360"/>
+            <a:ext cx="919480" cy="5237480"/>
+          </a:xfrm>
+          <a:prstGeom prst="leftBrace">
+            <a:avLst>
+              <a:gd name="adj1" fmla="val 141298"/>
+              <a:gd name="adj2" fmla="val 50388"/>
+            </a:avLst>
+          </a:prstGeom>
+          <a:ln w="76200">
+            <a:solidFill>
+              <a:schemeClr val="accent6">
+                <a:lumMod val="40000"/>
+                <a:lumOff val="60000"/>
+              </a:schemeClr>
+            </a:solidFill>
+          </a:ln>
+        </p:spPr>
+        <p:style>
+          <a:lnRef idx="1">
+            <a:schemeClr val="accent1"/>
+          </a:lnRef>
+          <a:fillRef idx="0">
+            <a:schemeClr val="accent1"/>
+          </a:fillRef>
+          <a:effectRef idx="0">
+            <a:schemeClr val="accent1"/>
+          </a:effectRef>
+          <a:fontRef idx="minor">
+            <a:schemeClr val="tx1"/>
+          </a:fontRef>
+        </p:style>
+        <p:txBody>
+          <a:bodyPr rtlCol="0" anchor="ctr"/>
+          <a:lstStyle/>
+          <a:p>
+            <a:pPr algn="ctr"/>
+            <a:endParaRPr lang="en-US"/>
+          </a:p>
+        </p:txBody>
+      </p:sp>
+      <p:sp>
+        <p:nvSpPr>
+          <p:cNvPr id="2" name="TextBox 1"/>
+          <p:cNvSpPr txBox="1"/>
+          <p:nvPr/>
+        </p:nvSpPr>
+        <p:spPr>
+          <a:xfrm>
+            <a:off x="4792980" y="5608320"/>
+            <a:ext cx="2082800" cy="715089"/>
+          </a:xfrm>
+          <a:prstGeom prst="roundRect">
+            <a:avLst/>
+          </a:prstGeom>
+          <a:ln w="28575"/>
+        </p:spPr>
+        <p:style>
+          <a:lnRef idx="2">
+            <a:schemeClr val="accent6"/>
+          </a:lnRef>
+          <a:fillRef idx="1">
+            <a:schemeClr val="lt1"/>
+          </a:fillRef>
+          <a:effectRef idx="0">
+            <a:schemeClr val="accent6"/>
+          </a:effectRef>
+          <a:fontRef idx="minor">
+            <a:schemeClr val="dk1"/>
+          </a:fontRef>
+        </p:style>
+        <p:txBody>
+          <a:bodyPr wrap="square" rtlCol="0">
+            <a:spAutoFit/>
+          </a:bodyPr>
+          <a:lstStyle/>
+          <a:p>
+            <a:pPr algn="ctr"/>
+            <a:r>
+              <a:rPr lang="en-US" dirty="0" smtClean="0">
+                <a:solidFill>
+                  <a:schemeClr val="accent6">
+                    <a:lumMod val="75000"/>
+                  </a:schemeClr>
+                </a:solidFill>
+              </a:rPr>
+              <a:t>Name list of regular expressions</a:t>
+            </a:r>
+            <a:endParaRPr lang="en-US" dirty="0">
+              <a:solidFill>
+                <a:schemeClr val="accent6">
+                  <a:lumMod val="75000"/>
+                </a:schemeClr>
+              </a:solidFill>
+            </a:endParaRPr>
+          </a:p>
+        </p:txBody>
+      </p:sp>
+    </p:spTree>
+    <p:extLst>
+      <p:ext uri="{BB962C8B-B14F-4D97-AF65-F5344CB8AC3E}">
+        <p14:creationId xmlns:p14="http://schemas.microsoft.com/office/powerpoint/2010/main" val="43533728"/>
+      </p:ext>
+    </p:extLst>
+  </p:cSld>
+  <p:clrMapOvr>
+    <a:masterClrMapping/>
+  </p:clrMapOvr>
+</p:sld>
+</file>
+
 <file path=ppt/theme/theme1.xml><?xml version="1.0" encoding="utf-8"?>
 <a:theme xmlns:a="http://schemas.openxmlformats.org/drawingml/2006/main" name="Office Theme">
   <a:themeElements>

--- a/inst/termco_logo/r_termco.pptx
+++ b/inst/termco_logo/r_termco.pptx
@@ -1741,6 +1741,13 @@
         </dgm:presLayoutVars>
       </dgm:prSet>
       <dgm:spPr/>
+      <dgm:t>
+        <a:bodyPr/>
+        <a:lstStyle/>
+        <a:p>
+          <a:endParaRPr lang="en-US"/>
+        </a:p>
+      </dgm:t>
     </dgm:pt>
     <dgm:pt modelId="{83A47827-8C93-4A80-80B9-C2315281BF3F}" type="pres">
       <dgm:prSet presAssocID="{9312C4DE-CD97-4C8E-BEC9-BD2D604F0ECC}" presName="node" presStyleLbl="node1" presStyleIdx="0" presStyleCnt="3">
@@ -1749,14 +1756,35 @@
         </dgm:presLayoutVars>
       </dgm:prSet>
       <dgm:spPr/>
+      <dgm:t>
+        <a:bodyPr/>
+        <a:lstStyle/>
+        <a:p>
+          <a:endParaRPr lang="en-US"/>
+        </a:p>
+      </dgm:t>
     </dgm:pt>
     <dgm:pt modelId="{70406540-4A20-41A2-A819-6ECDB9628D4A}" type="pres">
       <dgm:prSet presAssocID="{570D95BD-31CA-4A3B-A920-14E82BBABB56}" presName="sibTrans" presStyleLbl="sibTrans2D1" presStyleIdx="0" presStyleCnt="3"/>
       <dgm:spPr/>
+      <dgm:t>
+        <a:bodyPr/>
+        <a:lstStyle/>
+        <a:p>
+          <a:endParaRPr lang="en-US"/>
+        </a:p>
+      </dgm:t>
     </dgm:pt>
     <dgm:pt modelId="{D2314FB2-0FC6-429E-86D1-5FA53312A967}" type="pres">
       <dgm:prSet presAssocID="{570D95BD-31CA-4A3B-A920-14E82BBABB56}" presName="connectorText" presStyleLbl="sibTrans2D1" presStyleIdx="0" presStyleCnt="3"/>
       <dgm:spPr/>
+      <dgm:t>
+        <a:bodyPr/>
+        <a:lstStyle/>
+        <a:p>
+          <a:endParaRPr lang="en-US"/>
+        </a:p>
+      </dgm:t>
     </dgm:pt>
     <dgm:pt modelId="{D9FA8687-314B-4D7D-82EC-4ABB5E3F9E5E}" type="pres">
       <dgm:prSet presAssocID="{9D8B238B-A895-429B-8A78-DC1E29FE1164}" presName="node" presStyleLbl="node1" presStyleIdx="1" presStyleCnt="3" custRadScaleRad="92569" custRadScaleInc="-42002">
@@ -1765,14 +1793,35 @@
         </dgm:presLayoutVars>
       </dgm:prSet>
       <dgm:spPr/>
+      <dgm:t>
+        <a:bodyPr/>
+        <a:lstStyle/>
+        <a:p>
+          <a:endParaRPr lang="en-US"/>
+        </a:p>
+      </dgm:t>
     </dgm:pt>
     <dgm:pt modelId="{1B6E2D85-4F73-4050-B527-EAFD98CD98A1}" type="pres">
       <dgm:prSet presAssocID="{619DE848-D1CE-467B-BC73-23A2AC1EA3EB}" presName="sibTrans" presStyleLbl="sibTrans2D1" presStyleIdx="1" presStyleCnt="3"/>
       <dgm:spPr/>
+      <dgm:t>
+        <a:bodyPr/>
+        <a:lstStyle/>
+        <a:p>
+          <a:endParaRPr lang="en-US"/>
+        </a:p>
+      </dgm:t>
     </dgm:pt>
     <dgm:pt modelId="{201A9363-CC31-40BB-8553-4CA3F65E03C3}" type="pres">
       <dgm:prSet presAssocID="{619DE848-D1CE-467B-BC73-23A2AC1EA3EB}" presName="connectorText" presStyleLbl="sibTrans2D1" presStyleIdx="1" presStyleCnt="3"/>
       <dgm:spPr/>
+      <dgm:t>
+        <a:bodyPr/>
+        <a:lstStyle/>
+        <a:p>
+          <a:endParaRPr lang="en-US"/>
+        </a:p>
+      </dgm:t>
     </dgm:pt>
     <dgm:pt modelId="{04DC8AA7-8414-4579-AC66-E4946D6FE6F6}" type="pres">
       <dgm:prSet presAssocID="{A78118B7-4D32-4C73-86A1-4335CA1CE170}" presName="node" presStyleLbl="node1" presStyleIdx="2" presStyleCnt="3" custRadScaleRad="89843" custRadScaleInc="41865">
@@ -1781,14 +1830,35 @@
         </dgm:presLayoutVars>
       </dgm:prSet>
       <dgm:spPr/>
+      <dgm:t>
+        <a:bodyPr/>
+        <a:lstStyle/>
+        <a:p>
+          <a:endParaRPr lang="en-US"/>
+        </a:p>
+      </dgm:t>
     </dgm:pt>
     <dgm:pt modelId="{29217C78-B82D-4363-9771-4C049092B75D}" type="pres">
       <dgm:prSet presAssocID="{CC3C8CE3-2373-433F-ADFA-70C312F93362}" presName="sibTrans" presStyleLbl="sibTrans2D1" presStyleIdx="2" presStyleCnt="3"/>
       <dgm:spPr/>
+      <dgm:t>
+        <a:bodyPr/>
+        <a:lstStyle/>
+        <a:p>
+          <a:endParaRPr lang="en-US"/>
+        </a:p>
+      </dgm:t>
     </dgm:pt>
     <dgm:pt modelId="{A00D2CF8-A667-49AF-9CE2-3E3C3A1BA5A1}" type="pres">
       <dgm:prSet presAssocID="{CC3C8CE3-2373-433F-ADFA-70C312F93362}" presName="connectorText" presStyleLbl="sibTrans2D1" presStyleIdx="2" presStyleCnt="3"/>
       <dgm:spPr/>
+      <dgm:t>
+        <a:bodyPr/>
+        <a:lstStyle/>
+        <a:p>
+          <a:endParaRPr lang="en-US"/>
+        </a:p>
+      </dgm:t>
     </dgm:pt>
   </dgm:ptLst>
   <dgm:cxnLst>
@@ -1796,8 +1866,8 @@
     <dgm:cxn modelId="{B9EBD0E2-ED1C-4489-970A-D665B16907A4}" type="presOf" srcId="{A78118B7-4D32-4C73-86A1-4335CA1CE170}" destId="{04DC8AA7-8414-4579-AC66-E4946D6FE6F6}" srcOrd="0" destOrd="0" presId="urn:microsoft.com/office/officeart/2005/8/layout/cycle7"/>
     <dgm:cxn modelId="{BF9C8590-98EB-4663-8E23-86EE0B29B587}" type="presOf" srcId="{570D95BD-31CA-4A3B-A920-14E82BBABB56}" destId="{70406540-4A20-41A2-A819-6ECDB9628D4A}" srcOrd="0" destOrd="0" presId="urn:microsoft.com/office/officeart/2005/8/layout/cycle7"/>
     <dgm:cxn modelId="{D97DEE89-4559-4091-86C8-CB0853BD1A84}" type="presOf" srcId="{CC3C8CE3-2373-433F-ADFA-70C312F93362}" destId="{29217C78-B82D-4363-9771-4C049092B75D}" srcOrd="0" destOrd="0" presId="urn:microsoft.com/office/officeart/2005/8/layout/cycle7"/>
+    <dgm:cxn modelId="{97FB1BEE-E293-4C5F-8D81-EE061569A381}" type="presOf" srcId="{F7F96578-69C2-4331-9C2D-F8E486E5141A}" destId="{DF2CA64E-CA58-4998-B137-8052DFA7BA94}" srcOrd="0" destOrd="0" presId="urn:microsoft.com/office/officeart/2005/8/layout/cycle7"/>
     <dgm:cxn modelId="{DCCB32A8-ABFE-4E24-9C43-A17AA3F9E258}" srcId="{F7F96578-69C2-4331-9C2D-F8E486E5141A}" destId="{A78118B7-4D32-4C73-86A1-4335CA1CE170}" srcOrd="2" destOrd="0" parTransId="{D51F3989-1000-427C-98B9-0BA8DDDD09FD}" sibTransId="{CC3C8CE3-2373-433F-ADFA-70C312F93362}"/>
-    <dgm:cxn modelId="{97FB1BEE-E293-4C5F-8D81-EE061569A381}" type="presOf" srcId="{F7F96578-69C2-4331-9C2D-F8E486E5141A}" destId="{DF2CA64E-CA58-4998-B137-8052DFA7BA94}" srcOrd="0" destOrd="0" presId="urn:microsoft.com/office/officeart/2005/8/layout/cycle7"/>
     <dgm:cxn modelId="{21C8E4A4-5413-43E6-9705-66F1BA08D24A}" type="presOf" srcId="{9312C4DE-CD97-4C8E-BEC9-BD2D604F0ECC}" destId="{83A47827-8C93-4A80-80B9-C2315281BF3F}" srcOrd="0" destOrd="0" presId="urn:microsoft.com/office/officeart/2005/8/layout/cycle7"/>
     <dgm:cxn modelId="{69AF1884-2B62-4E82-9D3E-515AAA6CF31A}" type="presOf" srcId="{619DE848-D1CE-467B-BC73-23A2AC1EA3EB}" destId="{201A9363-CC31-40BB-8553-4CA3F65E03C3}" srcOrd="1" destOrd="0" presId="urn:microsoft.com/office/officeart/2005/8/layout/cycle7"/>
     <dgm:cxn modelId="{2347574B-2766-4629-8D14-DB77D2EBE0CF}" srcId="{F7F96578-69C2-4331-9C2D-F8E486E5141A}" destId="{9D8B238B-A895-429B-8A78-DC1E29FE1164}" srcOrd="1" destOrd="0" parTransId="{BB96BEEC-B081-4B0B-AD46-7CCE885EAEAF}" sibTransId="{619DE848-D1CE-467B-BC73-23A2AC1EA3EB}"/>
@@ -1958,6 +2028,13 @@
         </dgm:presLayoutVars>
       </dgm:prSet>
       <dgm:spPr/>
+      <dgm:t>
+        <a:bodyPr/>
+        <a:lstStyle/>
+        <a:p>
+          <a:endParaRPr lang="en-US"/>
+        </a:p>
+      </dgm:t>
     </dgm:pt>
     <dgm:pt modelId="{83A47827-8C93-4A80-80B9-C2315281BF3F}" type="pres">
       <dgm:prSet presAssocID="{9312C4DE-CD97-4C8E-BEC9-BD2D604F0ECC}" presName="node" presStyleLbl="node1" presStyleIdx="0" presStyleCnt="3">
@@ -1966,14 +2043,35 @@
         </dgm:presLayoutVars>
       </dgm:prSet>
       <dgm:spPr/>
+      <dgm:t>
+        <a:bodyPr/>
+        <a:lstStyle/>
+        <a:p>
+          <a:endParaRPr lang="en-US"/>
+        </a:p>
+      </dgm:t>
     </dgm:pt>
     <dgm:pt modelId="{70406540-4A20-41A2-A819-6ECDB9628D4A}" type="pres">
       <dgm:prSet presAssocID="{570D95BD-31CA-4A3B-A920-14E82BBABB56}" presName="sibTrans" presStyleLbl="sibTrans2D1" presStyleIdx="0" presStyleCnt="3"/>
       <dgm:spPr/>
+      <dgm:t>
+        <a:bodyPr/>
+        <a:lstStyle/>
+        <a:p>
+          <a:endParaRPr lang="en-US"/>
+        </a:p>
+      </dgm:t>
     </dgm:pt>
     <dgm:pt modelId="{D2314FB2-0FC6-429E-86D1-5FA53312A967}" type="pres">
       <dgm:prSet presAssocID="{570D95BD-31CA-4A3B-A920-14E82BBABB56}" presName="connectorText" presStyleLbl="sibTrans2D1" presStyleIdx="0" presStyleCnt="3"/>
       <dgm:spPr/>
+      <dgm:t>
+        <a:bodyPr/>
+        <a:lstStyle/>
+        <a:p>
+          <a:endParaRPr lang="en-US"/>
+        </a:p>
+      </dgm:t>
     </dgm:pt>
     <dgm:pt modelId="{D9FA8687-314B-4D7D-82EC-4ABB5E3F9E5E}" type="pres">
       <dgm:prSet presAssocID="{9D8B238B-A895-429B-8A78-DC1E29FE1164}" presName="node" presStyleLbl="node1" presStyleIdx="1" presStyleCnt="3" custRadScaleRad="92569" custRadScaleInc="-42002">
@@ -1982,14 +2080,35 @@
         </dgm:presLayoutVars>
       </dgm:prSet>
       <dgm:spPr/>
+      <dgm:t>
+        <a:bodyPr/>
+        <a:lstStyle/>
+        <a:p>
+          <a:endParaRPr lang="en-US"/>
+        </a:p>
+      </dgm:t>
     </dgm:pt>
     <dgm:pt modelId="{1B6E2D85-4F73-4050-B527-EAFD98CD98A1}" type="pres">
       <dgm:prSet presAssocID="{619DE848-D1CE-467B-BC73-23A2AC1EA3EB}" presName="sibTrans" presStyleLbl="sibTrans2D1" presStyleIdx="1" presStyleCnt="3"/>
       <dgm:spPr/>
+      <dgm:t>
+        <a:bodyPr/>
+        <a:lstStyle/>
+        <a:p>
+          <a:endParaRPr lang="en-US"/>
+        </a:p>
+      </dgm:t>
     </dgm:pt>
     <dgm:pt modelId="{201A9363-CC31-40BB-8553-4CA3F65E03C3}" type="pres">
       <dgm:prSet presAssocID="{619DE848-D1CE-467B-BC73-23A2AC1EA3EB}" presName="connectorText" presStyleLbl="sibTrans2D1" presStyleIdx="1" presStyleCnt="3"/>
       <dgm:spPr/>
+      <dgm:t>
+        <a:bodyPr/>
+        <a:lstStyle/>
+        <a:p>
+          <a:endParaRPr lang="en-US"/>
+        </a:p>
+      </dgm:t>
     </dgm:pt>
     <dgm:pt modelId="{04DC8AA7-8414-4579-AC66-E4946D6FE6F6}" type="pres">
       <dgm:prSet presAssocID="{A78118B7-4D32-4C73-86A1-4335CA1CE170}" presName="node" presStyleLbl="node1" presStyleIdx="2" presStyleCnt="3" custRadScaleRad="89843" custRadScaleInc="41865">
@@ -1998,14 +2117,35 @@
         </dgm:presLayoutVars>
       </dgm:prSet>
       <dgm:spPr/>
+      <dgm:t>
+        <a:bodyPr/>
+        <a:lstStyle/>
+        <a:p>
+          <a:endParaRPr lang="en-US"/>
+        </a:p>
+      </dgm:t>
     </dgm:pt>
     <dgm:pt modelId="{29217C78-B82D-4363-9771-4C049092B75D}" type="pres">
       <dgm:prSet presAssocID="{CC3C8CE3-2373-433F-ADFA-70C312F93362}" presName="sibTrans" presStyleLbl="sibTrans2D1" presStyleIdx="2" presStyleCnt="3"/>
       <dgm:spPr/>
+      <dgm:t>
+        <a:bodyPr/>
+        <a:lstStyle/>
+        <a:p>
+          <a:endParaRPr lang="en-US"/>
+        </a:p>
+      </dgm:t>
     </dgm:pt>
     <dgm:pt modelId="{A00D2CF8-A667-49AF-9CE2-3E3C3A1BA5A1}" type="pres">
       <dgm:prSet presAssocID="{CC3C8CE3-2373-433F-ADFA-70C312F93362}" presName="connectorText" presStyleLbl="sibTrans2D1" presStyleIdx="2" presStyleCnt="3"/>
       <dgm:spPr/>
+      <dgm:t>
+        <a:bodyPr/>
+        <a:lstStyle/>
+        <a:p>
+          <a:endParaRPr lang="en-US"/>
+        </a:p>
+      </dgm:t>
     </dgm:pt>
   </dgm:ptLst>
   <dgm:cxnLst>
@@ -2015,8 +2155,8 @@
     <dgm:cxn modelId="{BD5A37D0-5E38-4840-83E8-CB6F220EA6FE}" type="presOf" srcId="{619DE848-D1CE-467B-BC73-23A2AC1EA3EB}" destId="{201A9363-CC31-40BB-8553-4CA3F65E03C3}" srcOrd="1" destOrd="0" presId="urn:microsoft.com/office/officeart/2005/8/layout/cycle7"/>
     <dgm:cxn modelId="{BB81A0A1-7852-4EEA-8253-F7DA52467E2D}" type="presOf" srcId="{A78118B7-4D32-4C73-86A1-4335CA1CE170}" destId="{04DC8AA7-8414-4579-AC66-E4946D6FE6F6}" srcOrd="0" destOrd="0" presId="urn:microsoft.com/office/officeart/2005/8/layout/cycle7"/>
     <dgm:cxn modelId="{DCCB32A8-ABFE-4E24-9C43-A17AA3F9E258}" srcId="{F7F96578-69C2-4331-9C2D-F8E486E5141A}" destId="{A78118B7-4D32-4C73-86A1-4335CA1CE170}" srcOrd="2" destOrd="0" parTransId="{D51F3989-1000-427C-98B9-0BA8DDDD09FD}" sibTransId="{CC3C8CE3-2373-433F-ADFA-70C312F93362}"/>
+    <dgm:cxn modelId="{7270F1C5-DC88-46E2-B816-5E89C2BE03E9}" type="presOf" srcId="{CC3C8CE3-2373-433F-ADFA-70C312F93362}" destId="{A00D2CF8-A667-49AF-9CE2-3E3C3A1BA5A1}" srcOrd="1" destOrd="0" presId="urn:microsoft.com/office/officeart/2005/8/layout/cycle7"/>
     <dgm:cxn modelId="{B26E6DC3-9AD1-498C-BA7D-44D58B94C880}" type="presOf" srcId="{9D8B238B-A895-429B-8A78-DC1E29FE1164}" destId="{D9FA8687-314B-4D7D-82EC-4ABB5E3F9E5E}" srcOrd="0" destOrd="0" presId="urn:microsoft.com/office/officeart/2005/8/layout/cycle7"/>
-    <dgm:cxn modelId="{7270F1C5-DC88-46E2-B816-5E89C2BE03E9}" type="presOf" srcId="{CC3C8CE3-2373-433F-ADFA-70C312F93362}" destId="{A00D2CF8-A667-49AF-9CE2-3E3C3A1BA5A1}" srcOrd="1" destOrd="0" presId="urn:microsoft.com/office/officeart/2005/8/layout/cycle7"/>
     <dgm:cxn modelId="{2F48B5B6-A83F-4ED0-ACC2-1D63054B853E}" type="presOf" srcId="{F7F96578-69C2-4331-9C2D-F8E486E5141A}" destId="{DF2CA64E-CA58-4998-B137-8052DFA7BA94}" srcOrd="0" destOrd="0" presId="urn:microsoft.com/office/officeart/2005/8/layout/cycle7"/>
     <dgm:cxn modelId="{F35F8188-A48E-4B29-B05E-FA061F94BC32}" type="presOf" srcId="{9312C4DE-CD97-4C8E-BEC9-BD2D604F0ECC}" destId="{83A47827-8C93-4A80-80B9-C2315281BF3F}" srcOrd="0" destOrd="0" presId="urn:microsoft.com/office/officeart/2005/8/layout/cycle7"/>
     <dgm:cxn modelId="{2347574B-2766-4629-8D14-DB77D2EBE0CF}" srcId="{F7F96578-69C2-4331-9C2D-F8E486E5141A}" destId="{9D8B238B-A895-429B-8A78-DC1E29FE1164}" srcOrd="1" destOrd="0" parTransId="{BB96BEEC-B081-4B0B-AD46-7CCE885EAEAF}" sibTransId="{619DE848-D1CE-467B-BC73-23A2AC1EA3EB}"/>
@@ -2050,453 +2190,6 @@
       <dsp:cNvGrpSpPr/>
     </dsp:nvGrpSpPr>
     <dsp:grpSpPr/>
-    <dsp:sp modelId="{83A47827-8C93-4A80-80B9-C2315281BF3F}">
-      <dsp:nvSpPr>
-        <dsp:cNvPr id="0" name=""/>
-        <dsp:cNvSpPr/>
-      </dsp:nvSpPr>
-      <dsp:spPr>
-        <a:xfrm>
-          <a:off x="2662874" y="1518"/>
-          <a:ext cx="2328380" cy="1164190"/>
-        </a:xfrm>
-        <a:prstGeom prst="roundRect">
-          <a:avLst>
-            <a:gd name="adj" fmla="val 10000"/>
-          </a:avLst>
-        </a:prstGeom>
-        <a:solidFill>
-          <a:schemeClr val="accent6">
-            <a:hueOff val="0"/>
-            <a:satOff val="0"/>
-            <a:lumOff val="0"/>
-            <a:alphaOff val="0"/>
-          </a:schemeClr>
-        </a:solidFill>
-        <a:ln w="12700" cap="flat" cmpd="sng" algn="ctr">
-          <a:solidFill>
-            <a:schemeClr val="lt1">
-              <a:hueOff val="0"/>
-              <a:satOff val="0"/>
-              <a:lumOff val="0"/>
-              <a:alphaOff val="0"/>
-            </a:schemeClr>
-          </a:solidFill>
-          <a:prstDash val="solid"/>
-          <a:miter lim="800000"/>
-        </a:ln>
-        <a:effectLst/>
-      </dsp:spPr>
-      <dsp:style>
-        <a:lnRef idx="2">
-          <a:scrgbClr r="0" g="0" b="0"/>
-        </a:lnRef>
-        <a:fillRef idx="1">
-          <a:scrgbClr r="0" g="0" b="0"/>
-        </a:fillRef>
-        <a:effectRef idx="0">
-          <a:scrgbClr r="0" g="0" b="0"/>
-        </a:effectRef>
-        <a:fontRef idx="minor">
-          <a:schemeClr val="lt1"/>
-        </a:fontRef>
-      </dsp:style>
-      <dsp:txBody>
-        <a:bodyPr spcFirstLastPara="0" vert="horz" wrap="square" lIns="80010" tIns="80010" rIns="80010" bIns="80010" numCol="1" spcCol="1270" anchor="ctr" anchorCtr="0">
-          <a:noAutofit/>
-        </a:bodyPr>
-        <a:lstStyle/>
-        <a:p>
-          <a:pPr lvl="0" algn="ctr" defTabSz="933450">
-            <a:lnSpc>
-              <a:spcPct val="90000"/>
-            </a:lnSpc>
-            <a:spcBef>
-              <a:spcPct val="0"/>
-            </a:spcBef>
-            <a:spcAft>
-              <a:spcPct val="35000"/>
-            </a:spcAft>
-          </a:pPr>
-          <a:r>
-            <a:rPr lang="en-US" sz="2100" kern="1200" dirty="0" smtClean="0"/>
-            <a:t>Understand Terms in Context</a:t>
-          </a:r>
-          <a:endParaRPr lang="en-US" sz="2100" kern="1200" dirty="0"/>
-        </a:p>
-      </dsp:txBody>
-      <dsp:txXfrm>
-        <a:off x="2696972" y="35616"/>
-        <a:ext cx="2260184" cy="1095994"/>
-      </dsp:txXfrm>
-    </dsp:sp>
-    <dsp:sp modelId="{70406540-4A20-41A2-A819-6ECDB9628D4A}">
-      <dsp:nvSpPr>
-        <dsp:cNvPr id="0" name=""/>
-        <dsp:cNvSpPr/>
-      </dsp:nvSpPr>
-      <dsp:spPr>
-        <a:xfrm rot="2965901">
-          <a:off x="4213337" y="1576271"/>
-          <a:ext cx="1276023" cy="407466"/>
-        </a:xfrm>
-        <a:prstGeom prst="leftRightArrow">
-          <a:avLst>
-            <a:gd name="adj1" fmla="val 60000"/>
-            <a:gd name="adj2" fmla="val 50000"/>
-          </a:avLst>
-        </a:prstGeom>
-        <a:solidFill>
-          <a:schemeClr val="accent6">
-            <a:tint val="60000"/>
-            <a:hueOff val="0"/>
-            <a:satOff val="0"/>
-            <a:lumOff val="0"/>
-            <a:alphaOff val="0"/>
-          </a:schemeClr>
-        </a:solidFill>
-        <a:ln>
-          <a:noFill/>
-        </a:ln>
-        <a:effectLst/>
-      </dsp:spPr>
-      <dsp:style>
-        <a:lnRef idx="0">
-          <a:scrgbClr r="0" g="0" b="0"/>
-        </a:lnRef>
-        <a:fillRef idx="1">
-          <a:scrgbClr r="0" g="0" b="0"/>
-        </a:fillRef>
-        <a:effectRef idx="0">
-          <a:scrgbClr r="0" g="0" b="0"/>
-        </a:effectRef>
-        <a:fontRef idx="minor">
-          <a:schemeClr val="lt1"/>
-        </a:fontRef>
-      </dsp:style>
-      <dsp:txBody>
-        <a:bodyPr spcFirstLastPara="0" vert="horz" wrap="square" lIns="0" tIns="0" rIns="0" bIns="0" numCol="1" spcCol="1270" anchor="ctr" anchorCtr="0">
-          <a:noAutofit/>
-        </a:bodyPr>
-        <a:lstStyle/>
-        <a:p>
-          <a:pPr lvl="0" algn="ctr" defTabSz="755650">
-            <a:lnSpc>
-              <a:spcPct val="90000"/>
-            </a:lnSpc>
-            <a:spcBef>
-              <a:spcPct val="0"/>
-            </a:spcBef>
-            <a:spcAft>
-              <a:spcPct val="35000"/>
-            </a:spcAft>
-          </a:pPr>
-          <a:endParaRPr lang="en-US" sz="1700" kern="1200"/>
-        </a:p>
-      </dsp:txBody>
-      <dsp:txXfrm>
-        <a:off x="4335577" y="1657764"/>
-        <a:ext cx="1031543" cy="244480"/>
-      </dsp:txXfrm>
-    </dsp:sp>
-    <dsp:sp modelId="{D9FA8687-314B-4D7D-82EC-4ABB5E3F9E5E}">
-      <dsp:nvSpPr>
-        <dsp:cNvPr id="0" name=""/>
-        <dsp:cNvSpPr/>
-      </dsp:nvSpPr>
-      <dsp:spPr>
-        <a:xfrm>
-          <a:off x="4711442" y="2394300"/>
-          <a:ext cx="2328380" cy="1164190"/>
-        </a:xfrm>
-        <a:prstGeom prst="roundRect">
-          <a:avLst>
-            <a:gd name="adj" fmla="val 10000"/>
-          </a:avLst>
-        </a:prstGeom>
-        <a:solidFill>
-          <a:schemeClr val="accent6">
-            <a:hueOff val="0"/>
-            <a:satOff val="0"/>
-            <a:lumOff val="0"/>
-            <a:alphaOff val="0"/>
-          </a:schemeClr>
-        </a:solidFill>
-        <a:ln w="12700" cap="flat" cmpd="sng" algn="ctr">
-          <a:solidFill>
-            <a:schemeClr val="lt1">
-              <a:hueOff val="0"/>
-              <a:satOff val="0"/>
-              <a:lumOff val="0"/>
-              <a:alphaOff val="0"/>
-            </a:schemeClr>
-          </a:solidFill>
-          <a:prstDash val="solid"/>
-          <a:miter lim="800000"/>
-        </a:ln>
-        <a:effectLst/>
-      </dsp:spPr>
-      <dsp:style>
-        <a:lnRef idx="2">
-          <a:scrgbClr r="0" g="0" b="0"/>
-        </a:lnRef>
-        <a:fillRef idx="1">
-          <a:scrgbClr r="0" g="0" b="0"/>
-        </a:fillRef>
-        <a:effectRef idx="0">
-          <a:scrgbClr r="0" g="0" b="0"/>
-        </a:effectRef>
-        <a:fontRef idx="minor">
-          <a:schemeClr val="lt1"/>
-        </a:fontRef>
-      </dsp:style>
-      <dsp:txBody>
-        <a:bodyPr spcFirstLastPara="0" vert="horz" wrap="square" lIns="80010" tIns="80010" rIns="80010" bIns="80010" numCol="1" spcCol="1270" anchor="ctr" anchorCtr="0">
-          <a:noAutofit/>
-        </a:bodyPr>
-        <a:lstStyle/>
-        <a:p>
-          <a:pPr lvl="0" algn="ctr" defTabSz="933450">
-            <a:lnSpc>
-              <a:spcPct val="90000"/>
-            </a:lnSpc>
-            <a:spcBef>
-              <a:spcPct val="0"/>
-            </a:spcBef>
-            <a:spcAft>
-              <a:spcPct val="35000"/>
-            </a:spcAft>
-          </a:pPr>
-          <a:r>
-            <a:rPr lang="en-US" sz="2100" kern="1200" dirty="0" smtClean="0"/>
-            <a:t>Build Regular Expressions to Capture Categories</a:t>
-          </a:r>
-          <a:endParaRPr lang="en-US" sz="2100" kern="1200" dirty="0"/>
-        </a:p>
-      </dsp:txBody>
-      <dsp:txXfrm>
-        <a:off x="4745540" y="2428398"/>
-        <a:ext cx="2260184" cy="1095994"/>
-      </dsp:txXfrm>
-    </dsp:sp>
-    <dsp:sp modelId="{1B6E2D85-4F73-4050-B527-EAFD98CD98A1}">
-      <dsp:nvSpPr>
-        <dsp:cNvPr id="0" name=""/>
-        <dsp:cNvSpPr/>
-      </dsp:nvSpPr>
-      <dsp:spPr>
-        <a:xfrm rot="10801884">
-          <a:off x="3219337" y="2771556"/>
-          <a:ext cx="1276023" cy="407466"/>
-        </a:xfrm>
-        <a:prstGeom prst="leftRightArrow">
-          <a:avLst>
-            <a:gd name="adj1" fmla="val 60000"/>
-            <a:gd name="adj2" fmla="val 50000"/>
-          </a:avLst>
-        </a:prstGeom>
-        <a:solidFill>
-          <a:schemeClr val="accent6">
-            <a:tint val="60000"/>
-            <a:hueOff val="0"/>
-            <a:satOff val="0"/>
-            <a:lumOff val="0"/>
-            <a:alphaOff val="0"/>
-          </a:schemeClr>
-        </a:solidFill>
-        <a:ln>
-          <a:noFill/>
-        </a:ln>
-        <a:effectLst/>
-      </dsp:spPr>
-      <dsp:style>
-        <a:lnRef idx="0">
-          <a:scrgbClr r="0" g="0" b="0"/>
-        </a:lnRef>
-        <a:fillRef idx="1">
-          <a:scrgbClr r="0" g="0" b="0"/>
-        </a:fillRef>
-        <a:effectRef idx="0">
-          <a:scrgbClr r="0" g="0" b="0"/>
-        </a:effectRef>
-        <a:fontRef idx="minor">
-          <a:schemeClr val="lt1"/>
-        </a:fontRef>
-      </dsp:style>
-      <dsp:txBody>
-        <a:bodyPr spcFirstLastPara="0" vert="horz" wrap="square" lIns="0" tIns="0" rIns="0" bIns="0" numCol="1" spcCol="1270" anchor="ctr" anchorCtr="0">
-          <a:noAutofit/>
-        </a:bodyPr>
-        <a:lstStyle/>
-        <a:p>
-          <a:pPr lvl="0" algn="ctr" defTabSz="755650">
-            <a:lnSpc>
-              <a:spcPct val="90000"/>
-            </a:lnSpc>
-            <a:spcBef>
-              <a:spcPct val="0"/>
-            </a:spcBef>
-            <a:spcAft>
-              <a:spcPct val="35000"/>
-            </a:spcAft>
-          </a:pPr>
-          <a:endParaRPr lang="en-US" sz="1700" kern="1200"/>
-        </a:p>
-      </dsp:txBody>
-      <dsp:txXfrm rot="10800000">
-        <a:off x="3341577" y="2853049"/>
-        <a:ext cx="1031543" cy="244480"/>
-      </dsp:txXfrm>
-    </dsp:sp>
-    <dsp:sp modelId="{04DC8AA7-8414-4579-AC66-E4946D6FE6F6}">
-      <dsp:nvSpPr>
-        <dsp:cNvPr id="0" name=""/>
-        <dsp:cNvSpPr/>
-      </dsp:nvSpPr>
-      <dsp:spPr>
-        <a:xfrm>
-          <a:off x="674875" y="2392088"/>
-          <a:ext cx="2328380" cy="1164190"/>
-        </a:xfrm>
-        <a:prstGeom prst="roundRect">
-          <a:avLst>
-            <a:gd name="adj" fmla="val 10000"/>
-          </a:avLst>
-        </a:prstGeom>
-        <a:solidFill>
-          <a:schemeClr val="accent6">
-            <a:hueOff val="0"/>
-            <a:satOff val="0"/>
-            <a:lumOff val="0"/>
-            <a:alphaOff val="0"/>
-          </a:schemeClr>
-        </a:solidFill>
-        <a:ln w="12700" cap="flat" cmpd="sng" algn="ctr">
-          <a:solidFill>
-            <a:schemeClr val="lt1">
-              <a:hueOff val="0"/>
-              <a:satOff val="0"/>
-              <a:lumOff val="0"/>
-              <a:alphaOff val="0"/>
-            </a:schemeClr>
-          </a:solidFill>
-          <a:prstDash val="solid"/>
-          <a:miter lim="800000"/>
-        </a:ln>
-        <a:effectLst/>
-      </dsp:spPr>
-      <dsp:style>
-        <a:lnRef idx="2">
-          <a:scrgbClr r="0" g="0" b="0"/>
-        </a:lnRef>
-        <a:fillRef idx="1">
-          <a:scrgbClr r="0" g="0" b="0"/>
-        </a:fillRef>
-        <a:effectRef idx="0">
-          <a:scrgbClr r="0" g="0" b="0"/>
-        </a:effectRef>
-        <a:fontRef idx="minor">
-          <a:schemeClr val="lt1"/>
-        </a:fontRef>
-      </dsp:style>
-      <dsp:txBody>
-        <a:bodyPr spcFirstLastPara="0" vert="horz" wrap="square" lIns="80010" tIns="80010" rIns="80010" bIns="80010" numCol="1" spcCol="1270" anchor="ctr" anchorCtr="0">
-          <a:noAutofit/>
-        </a:bodyPr>
-        <a:lstStyle/>
-        <a:p>
-          <a:pPr lvl="0" algn="ctr" defTabSz="933450">
-            <a:lnSpc>
-              <a:spcPct val="90000"/>
-            </a:lnSpc>
-            <a:spcBef>
-              <a:spcPct val="0"/>
-            </a:spcBef>
-            <a:spcAft>
-              <a:spcPct val="35000"/>
-            </a:spcAft>
-          </a:pPr>
-          <a:r>
-            <a:rPr lang="en-US" sz="2100" kern="1200" dirty="0" smtClean="0"/>
-            <a:t>Describe Categories</a:t>
-          </a:r>
-          <a:endParaRPr lang="en-US" sz="2100" kern="1200" dirty="0"/>
-        </a:p>
-      </dsp:txBody>
-      <dsp:txXfrm>
-        <a:off x="708973" y="2426186"/>
-        <a:ext cx="2260184" cy="1095994"/>
-      </dsp:txXfrm>
-    </dsp:sp>
-    <dsp:sp modelId="{29217C78-B82D-4363-9771-4C049092B75D}">
-      <dsp:nvSpPr>
-        <dsp:cNvPr id="0" name=""/>
-        <dsp:cNvSpPr/>
-      </dsp:nvSpPr>
-      <dsp:spPr>
-        <a:xfrm rot="18584816">
-          <a:off x="2195053" y="1575165"/>
-          <a:ext cx="1276023" cy="407466"/>
-        </a:xfrm>
-        <a:prstGeom prst="leftRightArrow">
-          <a:avLst>
-            <a:gd name="adj1" fmla="val 60000"/>
-            <a:gd name="adj2" fmla="val 50000"/>
-          </a:avLst>
-        </a:prstGeom>
-        <a:solidFill>
-          <a:schemeClr val="accent6">
-            <a:tint val="60000"/>
-            <a:hueOff val="0"/>
-            <a:satOff val="0"/>
-            <a:lumOff val="0"/>
-            <a:alphaOff val="0"/>
-          </a:schemeClr>
-        </a:solidFill>
-        <a:ln>
-          <a:noFill/>
-        </a:ln>
-        <a:effectLst/>
-      </dsp:spPr>
-      <dsp:style>
-        <a:lnRef idx="0">
-          <a:scrgbClr r="0" g="0" b="0"/>
-        </a:lnRef>
-        <a:fillRef idx="1">
-          <a:scrgbClr r="0" g="0" b="0"/>
-        </a:fillRef>
-        <a:effectRef idx="0">
-          <a:scrgbClr r="0" g="0" b="0"/>
-        </a:effectRef>
-        <a:fontRef idx="minor">
-          <a:schemeClr val="lt1"/>
-        </a:fontRef>
-      </dsp:style>
-      <dsp:txBody>
-        <a:bodyPr spcFirstLastPara="0" vert="horz" wrap="square" lIns="0" tIns="0" rIns="0" bIns="0" numCol="1" spcCol="1270" anchor="ctr" anchorCtr="0">
-          <a:noAutofit/>
-        </a:bodyPr>
-        <a:lstStyle/>
-        <a:p>
-          <a:pPr lvl="0" algn="ctr" defTabSz="755650">
-            <a:lnSpc>
-              <a:spcPct val="90000"/>
-            </a:lnSpc>
-            <a:spcBef>
-              <a:spcPct val="0"/>
-            </a:spcBef>
-            <a:spcAft>
-              <a:spcPct val="35000"/>
-            </a:spcAft>
-          </a:pPr>
-          <a:endParaRPr lang="en-US" sz="1700" kern="1200"/>
-        </a:p>
-      </dsp:txBody>
-      <dsp:txXfrm>
-        <a:off x="2317293" y="1656658"/>
-        <a:ext cx="1031543" cy="244480"/>
-      </dsp:txXfrm>
-    </dsp:sp>
   </dsp:spTree>
 </dsp:drawing>
 </file>
@@ -8445,7 +8138,13 @@
         <p:nvGraphicFramePr>
           <p:cNvPr id="6" name="Diagram 5"/>
           <p:cNvGraphicFramePr/>
-          <p:nvPr/>
+          <p:nvPr>
+            <p:extLst>
+              <p:ext uri="{D42A27DB-BD31-4B8C-83A1-F6EECF244321}">
+                <p14:modId xmlns:p14="http://schemas.microsoft.com/office/powerpoint/2010/main" val="3806675615"/>
+              </p:ext>
+            </p:extLst>
+          </p:nvPr>
         </p:nvGraphicFramePr>
         <p:xfrm>
           <a:off x="1916590" y="479969"/>
@@ -8544,6 +8243,16 @@
           <a:p>
             <a:pPr algn="ctr"/>
             <a:r>
+              <a:rPr lang="en-US" smtClean="0">
+                <a:solidFill>
+                  <a:schemeClr val="accent6">
+                    <a:lumMod val="75000"/>
+                  </a:schemeClr>
+                </a:solidFill>
+              </a:rPr>
+              <a:t>Named </a:t>
+            </a:r>
+            <a:r>
               <a:rPr lang="en-US" dirty="0" smtClean="0">
                 <a:solidFill>
                   <a:schemeClr val="accent6">
@@ -8551,7 +8260,7 @@
                   </a:schemeClr>
                 </a:solidFill>
               </a:rPr>
-              <a:t>Name list of regular expressions</a:t>
+              <a:t>list of regular expressions</a:t>
             </a:r>
             <a:endParaRPr lang="en-US" dirty="0">
               <a:solidFill>
